--- a/6.0 Data Analyst Presentation.pptx
+++ b/6.0 Data Analyst Presentation.pptx
@@ -13,19 +13,19 @@
     <p:sldId id="260" r:id="rId7"/>
     <p:sldId id="261" r:id="rId8"/>
     <p:sldId id="262" r:id="rId9"/>
-    <p:sldId id="263" r:id="rId10"/>
-    <p:sldId id="258" r:id="rId11"/>
-    <p:sldId id="264" r:id="rId12"/>
-    <p:sldId id="278" r:id="rId13"/>
-    <p:sldId id="279" r:id="rId14"/>
-    <p:sldId id="267" r:id="rId15"/>
-    <p:sldId id="268" r:id="rId16"/>
-    <p:sldId id="272" r:id="rId17"/>
-    <p:sldId id="273" r:id="rId18"/>
-    <p:sldId id="274" r:id="rId19"/>
-    <p:sldId id="275" r:id="rId20"/>
-    <p:sldId id="276" r:id="rId21"/>
-    <p:sldId id="277" r:id="rId22"/>
+    <p:sldId id="280" r:id="rId10"/>
+    <p:sldId id="281" r:id="rId11"/>
+    <p:sldId id="268" r:id="rId12"/>
+    <p:sldId id="263" r:id="rId13"/>
+    <p:sldId id="258" r:id="rId14"/>
+    <p:sldId id="264" r:id="rId15"/>
+    <p:sldId id="278" r:id="rId16"/>
+    <p:sldId id="279" r:id="rId17"/>
+    <p:sldId id="267" r:id="rId18"/>
+    <p:sldId id="272" r:id="rId19"/>
+    <p:sldId id="273" r:id="rId20"/>
+    <p:sldId id="274" r:id="rId21"/>
+    <p:sldId id="283" r:id="rId22"/>
   </p:sldIdLst>
   <p:sldSz cx="12192000" cy="6858000"/>
   <p:notesSz cx="6858000" cy="1857375"/>
@@ -160,6 +160,30 @@
 
 <file path=ppt/changesInfos/changesInfo1.xml><?xml version="1.0" encoding="utf-8"?>
 <pc:chgInfo xmlns:a="http://schemas.openxmlformats.org/drawingml/2006/main" xmlns:r="http://schemas.openxmlformats.org/officeDocument/2006/relationships" xmlns:ac="http://schemas.microsoft.com/office/drawing/2013/main/command" xmlns:pc="http://schemas.microsoft.com/office/powerpoint/2013/main/command">
+  <pc:docChgLst>
+    <pc:chgData name="Mckinley Petalver" userId="656987f4000f6abe" providerId="LiveId" clId="{EA982EF3-8184-4B94-993A-3C5A35558C37}"/>
+    <pc:docChg chg="custSel modSld">
+      <pc:chgData name="Mckinley Petalver" userId="656987f4000f6abe" providerId="LiveId" clId="{EA982EF3-8184-4B94-993A-3C5A35558C37}" dt="2024-01-03T09:39:22.167" v="44" actId="20577"/>
+      <pc:docMkLst>
+        <pc:docMk/>
+      </pc:docMkLst>
+      <pc:sldChg chg="modSp mod">
+        <pc:chgData name="Mckinley Petalver" userId="656987f4000f6abe" providerId="LiveId" clId="{EA982EF3-8184-4B94-993A-3C5A35558C37}" dt="2024-01-03T09:39:22.167" v="44" actId="20577"/>
+        <pc:sldMkLst>
+          <pc:docMk/>
+          <pc:sldMk cId="3237914124" sldId="256"/>
+        </pc:sldMkLst>
+        <pc:spChg chg="mod">
+          <ac:chgData name="Mckinley Petalver" userId="656987f4000f6abe" providerId="LiveId" clId="{EA982EF3-8184-4B94-993A-3C5A35558C37}" dt="2024-01-03T09:39:22.167" v="44" actId="20577"/>
+          <ac:spMkLst>
+            <pc:docMk/>
+            <pc:sldMk cId="3237914124" sldId="256"/>
+            <ac:spMk id="2" creationId="{2FE973FE-1F8B-4DED-8DC0-71E987678976}"/>
+          </ac:spMkLst>
+        </pc:spChg>
+      </pc:sldChg>
+    </pc:docChg>
+  </pc:docChgLst>
   <pc:docChgLst>
     <pc:chgData name="Steve Hord" userId="7478402321db30a2" providerId="LiveId" clId="{224CC9B6-A6C2-46C7-BBB9-C6A60C5C4540}"/>
     <pc:docChg chg="undo custSel modSld modMainMaster">
@@ -704,30 +728,6 @@
           </pc:inkChg>
         </pc:sldLayoutChg>
       </pc:sldMasterChg>
-    </pc:docChg>
-  </pc:docChgLst>
-  <pc:docChgLst>
-    <pc:chgData name="Mckinley Petalver" userId="656987f4000f6abe" providerId="LiveId" clId="{EA982EF3-8184-4B94-993A-3C5A35558C37}"/>
-    <pc:docChg chg="custSel modSld">
-      <pc:chgData name="Mckinley Petalver" userId="656987f4000f6abe" providerId="LiveId" clId="{EA982EF3-8184-4B94-993A-3C5A35558C37}" dt="2024-01-03T09:39:22.167" v="44" actId="20577"/>
-      <pc:docMkLst>
-        <pc:docMk/>
-      </pc:docMkLst>
-      <pc:sldChg chg="modSp mod">
-        <pc:chgData name="Mckinley Petalver" userId="656987f4000f6abe" providerId="LiveId" clId="{EA982EF3-8184-4B94-993A-3C5A35558C37}" dt="2024-01-03T09:39:22.167" v="44" actId="20577"/>
-        <pc:sldMkLst>
-          <pc:docMk/>
-          <pc:sldMk cId="3237914124" sldId="256"/>
-        </pc:sldMkLst>
-        <pc:spChg chg="mod">
-          <ac:chgData name="Mckinley Petalver" userId="656987f4000f6abe" providerId="LiveId" clId="{EA982EF3-8184-4B94-993A-3C5A35558C37}" dt="2024-01-03T09:39:22.167" v="44" actId="20577"/>
-          <ac:spMkLst>
-            <pc:docMk/>
-            <pc:sldMk cId="3237914124" sldId="256"/>
-            <ac:spMk id="2" creationId="{2FE973FE-1F8B-4DED-8DC0-71E987678976}"/>
-          </ac:spMkLst>
-        </pc:spChg>
-      </pc:sldChg>
     </pc:docChg>
   </pc:docChgLst>
 </pc:chgInfo>
@@ -1745,6 +1745,267 @@
 </inkml:ink>
 </file>
 
+<file path=ppt/ink/ink41.xml><?xml version="1.0" encoding="utf-8"?>
+<inkml:ink xmlns:inkml="http://www.w3.org/2003/InkML">
+  <inkml:definitions>
+    <inkml:context xml:id="ctx0">
+      <inkml:inkSource xml:id="inkSrc0">
+        <inkml:traceFormat>
+          <inkml:channel name="X" type="integer" min="-2.14748E9" max="2.14748E9" units="cm"/>
+          <inkml:channel name="Y" type="integer" min="-2.14748E9" max="2.14748E9" units="cm"/>
+        </inkml:traceFormat>
+        <inkml:channelProperties>
+          <inkml:channelProperty channel="X" name="resolution" value="1000" units="1/cm"/>
+          <inkml:channelProperty channel="Y" name="resolution" value="1000" units="1/cm"/>
+        </inkml:channelProperties>
+      </inkml:inkSource>
+      <inkml:timestamp xml:id="ts0" timeString="2020-10-28T23:00:28.782"/>
+    </inkml:context>
+    <inkml:brush xml:id="br0">
+      <inkml:brushProperty name="width" value="0.3" units="cm"/>
+      <inkml:brushProperty name="height" value="0.6" units="cm"/>
+      <inkml:brushProperty name="color" value="#FFFFFF"/>
+      <inkml:brushProperty name="tip" value="rectangle"/>
+      <inkml:brushProperty name="rasterOp" value="maskPen"/>
+      <inkml:brushProperty name="ignorePressure" value="1"/>
+    </inkml:brush>
+  </inkml:definitions>
+  <inkml:trace contextRef="#ctx0" brushRef="#br0">3862 105,'-1271'0,"1156"-5,-24-7,-86-4,-555 14,398 3,346-3,0-2,1-1,-1-2,-10-4,-70-13,-19 12,0 6,-61 8,66 0,86 2,44-4,0 0,0 0,0 0,-1 0,1 0,0 0,0 0,0 1,0-1,-1 0,1 0,0 0,0 0,0 0,0 0,-1 0,1 0,0 0,0 1,0-1,0 0,0 0,0 0,0 0,-1 0,1 1,0-1,0 0,0 0,0 0,0 0,0 1,0-1,0 0,0 0,0 0,0 1,0-1,0 0,0 0,0 0,0 0,0 1,0-1,0 0,0 0,0 0,0 0,1 1,-1-1,0 0,20 10,43 10,61 11,-29-8,63 10,2-7,83 0,-79-10,0 7,60 20,-165-29,0-2,1-3,1-3,53-2,1709-7,-1834 2,-1-1,1 0,0 0,0-1,0-1,-36-8,-207-29,-83 4,242 22,66 9,0 1,-1 2,-2 1,-72 2,54 2,0-3,-42-6,52 0</inkml:trace>
+</inkml:ink>
+</file>
+
+<file path=ppt/ink/ink42.xml><?xml version="1.0" encoding="utf-8"?>
+<inkml:ink xmlns:inkml="http://www.w3.org/2003/InkML">
+  <inkml:definitions>
+    <inkml:context xml:id="ctx0">
+      <inkml:inkSource xml:id="inkSrc0">
+        <inkml:traceFormat>
+          <inkml:channel name="X" type="integer" min="-2.14748E9" max="2.14748E9" units="cm"/>
+          <inkml:channel name="Y" type="integer" min="-2.14748E9" max="2.14748E9" units="cm"/>
+        </inkml:traceFormat>
+        <inkml:channelProperties>
+          <inkml:channelProperty channel="X" name="resolution" value="1000" units="1/cm"/>
+          <inkml:channelProperty channel="Y" name="resolution" value="1000" units="1/cm"/>
+        </inkml:channelProperties>
+      </inkml:inkSource>
+      <inkml:timestamp xml:id="ts0" timeString="2020-10-28T23:00:30.591"/>
+    </inkml:context>
+    <inkml:brush xml:id="br0">
+      <inkml:brushProperty name="width" value="0.3" units="cm"/>
+      <inkml:brushProperty name="height" value="0.6" units="cm"/>
+      <inkml:brushProperty name="color" value="#FFFFFF"/>
+      <inkml:brushProperty name="tip" value="rectangle"/>
+      <inkml:brushProperty name="rasterOp" value="maskPen"/>
+      <inkml:brushProperty name="ignorePressure" value="1"/>
+    </inkml:brush>
+  </inkml:definitions>
+  <inkml:trace contextRef="#ctx0" brushRef="#br0">0 0,'0'0</inkml:trace>
+</inkml:ink>
+</file>
+
+<file path=ppt/ink/ink43.xml><?xml version="1.0" encoding="utf-8"?>
+<inkml:ink xmlns:inkml="http://www.w3.org/2003/InkML">
+  <inkml:definitions>
+    <inkml:context xml:id="ctx0">
+      <inkml:inkSource xml:id="inkSrc0">
+        <inkml:traceFormat>
+          <inkml:channel name="X" type="integer" min="-2.14748E9" max="2.14748E9" units="cm"/>
+          <inkml:channel name="Y" type="integer" min="-2.14748E9" max="2.14748E9" units="cm"/>
+        </inkml:traceFormat>
+        <inkml:channelProperties>
+          <inkml:channelProperty channel="X" name="resolution" value="1000" units="1/cm"/>
+          <inkml:channelProperty channel="Y" name="resolution" value="1000" units="1/cm"/>
+        </inkml:channelProperties>
+      </inkml:inkSource>
+      <inkml:timestamp xml:id="ts0" timeString="2020-10-28T23:00:30.928"/>
+    </inkml:context>
+    <inkml:brush xml:id="br0">
+      <inkml:brushProperty name="width" value="0.3" units="cm"/>
+      <inkml:brushProperty name="height" value="0.6" units="cm"/>
+      <inkml:brushProperty name="color" value="#FFFFFF"/>
+      <inkml:brushProperty name="tip" value="rectangle"/>
+      <inkml:brushProperty name="rasterOp" value="maskPen"/>
+      <inkml:brushProperty name="ignorePressure" value="1"/>
+    </inkml:brush>
+  </inkml:definitions>
+  <inkml:trace contextRef="#ctx0" brushRef="#br0">0 1,'0'0</inkml:trace>
+</inkml:ink>
+</file>
+
+<file path=ppt/ink/ink44.xml><?xml version="1.0" encoding="utf-8"?>
+<inkml:ink xmlns:inkml="http://www.w3.org/2003/InkML">
+  <inkml:definitions>
+    <inkml:context xml:id="ctx0">
+      <inkml:inkSource xml:id="inkSrc0">
+        <inkml:traceFormat>
+          <inkml:channel name="X" type="integer" min="-2.14748E9" max="2.14748E9" units="cm"/>
+          <inkml:channel name="Y" type="integer" min="-2.14748E9" max="2.14748E9" units="cm"/>
+        </inkml:traceFormat>
+        <inkml:channelProperties>
+          <inkml:channelProperty channel="X" name="resolution" value="1000" units="1/cm"/>
+          <inkml:channelProperty channel="Y" name="resolution" value="1000" units="1/cm"/>
+        </inkml:channelProperties>
+      </inkml:inkSource>
+      <inkml:timestamp xml:id="ts0" timeString="2020-10-28T23:00:31.555"/>
+    </inkml:context>
+    <inkml:brush xml:id="br0">
+      <inkml:brushProperty name="width" value="0.3" units="cm"/>
+      <inkml:brushProperty name="height" value="0.6" units="cm"/>
+      <inkml:brushProperty name="color" value="#FFFFFF"/>
+      <inkml:brushProperty name="tip" value="rectangle"/>
+      <inkml:brushProperty name="rasterOp" value="maskPen"/>
+      <inkml:brushProperty name="ignorePressure" value="1"/>
+    </inkml:brush>
+  </inkml:definitions>
+  <inkml:trace contextRef="#ctx0" brushRef="#br0">0 1,'0'0</inkml:trace>
+</inkml:ink>
+</file>
+
+<file path=ppt/ink/ink45.xml><?xml version="1.0" encoding="utf-8"?>
+<inkml:ink xmlns:inkml="http://www.w3.org/2003/InkML">
+  <inkml:definitions>
+    <inkml:context xml:id="ctx0">
+      <inkml:inkSource xml:id="inkSrc0">
+        <inkml:traceFormat>
+          <inkml:channel name="X" type="integer" min="-2.14748E9" max="2.14748E9" units="cm"/>
+          <inkml:channel name="Y" type="integer" min="-2.14748E9" max="2.14748E9" units="cm"/>
+        </inkml:traceFormat>
+        <inkml:channelProperties>
+          <inkml:channelProperty channel="X" name="resolution" value="1000" units="1/cm"/>
+          <inkml:channelProperty channel="Y" name="resolution" value="1000" units="1/cm"/>
+        </inkml:channelProperties>
+      </inkml:inkSource>
+      <inkml:timestamp xml:id="ts0" timeString="2020-10-28T23:00:31.881"/>
+    </inkml:context>
+    <inkml:brush xml:id="br0">
+      <inkml:brushProperty name="width" value="0.3" units="cm"/>
+      <inkml:brushProperty name="height" value="0.6" units="cm"/>
+      <inkml:brushProperty name="color" value="#FFFFFF"/>
+      <inkml:brushProperty name="tip" value="rectangle"/>
+      <inkml:brushProperty name="rasterOp" value="maskPen"/>
+      <inkml:brushProperty name="ignorePressure" value="1"/>
+    </inkml:brush>
+  </inkml:definitions>
+  <inkml:trace contextRef="#ctx0" brushRef="#br0">0 1,'0'0</inkml:trace>
+</inkml:ink>
+</file>
+
+<file path=ppt/ink/ink46.xml><?xml version="1.0" encoding="utf-8"?>
+<inkml:ink xmlns:inkml="http://www.w3.org/2003/InkML">
+  <inkml:definitions>
+    <inkml:context xml:id="ctx0">
+      <inkml:inkSource xml:id="inkSrc0">
+        <inkml:traceFormat>
+          <inkml:channel name="X" type="integer" min="-2.14748E9" max="2.14748E9" units="cm"/>
+          <inkml:channel name="Y" type="integer" min="-2.14748E9" max="2.14748E9" units="cm"/>
+        </inkml:traceFormat>
+        <inkml:channelProperties>
+          <inkml:channelProperty channel="X" name="resolution" value="1000" units="1/cm"/>
+          <inkml:channelProperty channel="Y" name="resolution" value="1000" units="1/cm"/>
+        </inkml:channelProperties>
+      </inkml:inkSource>
+      <inkml:timestamp xml:id="ts0" timeString="2020-10-28T23:00:57.240"/>
+    </inkml:context>
+    <inkml:brush xml:id="br0">
+      <inkml:brushProperty name="width" value="0.5" units="cm"/>
+      <inkml:brushProperty name="height" value="1" units="cm"/>
+      <inkml:brushProperty name="color" value="#FFFFFF"/>
+      <inkml:brushProperty name="tip" value="rectangle"/>
+      <inkml:brushProperty name="rasterOp" value="maskPen"/>
+      <inkml:brushProperty name="ignorePressure" value="1"/>
+    </inkml:brush>
+  </inkml:definitions>
+  <inkml:trace contextRef="#ctx0" brushRef="#br0">0 14,'0'-6,"0"-2</inkml:trace>
+</inkml:ink>
+</file>
+
+<file path=ppt/ink/ink47.xml><?xml version="1.0" encoding="utf-8"?>
+<inkml:ink xmlns:inkml="http://www.w3.org/2003/InkML">
+  <inkml:definitions>
+    <inkml:context xml:id="ctx0">
+      <inkml:inkSource xml:id="inkSrc0">
+        <inkml:traceFormat>
+          <inkml:channel name="X" type="integer" min="-2.14748E9" max="2.14748E9" units="cm"/>
+          <inkml:channel name="Y" type="integer" min="-2.14748E9" max="2.14748E9" units="cm"/>
+        </inkml:traceFormat>
+        <inkml:channelProperties>
+          <inkml:channelProperty channel="X" name="resolution" value="1000" units="1/cm"/>
+          <inkml:channelProperty channel="Y" name="resolution" value="1000" units="1/cm"/>
+        </inkml:channelProperties>
+      </inkml:inkSource>
+      <inkml:timestamp xml:id="ts0" timeString="2020-10-28T23:02:33.153"/>
+    </inkml:context>
+    <inkml:brush xml:id="br0">
+      <inkml:brushProperty name="width" value="0.5" units="cm"/>
+      <inkml:brushProperty name="height" value="1" units="cm"/>
+      <inkml:brushProperty name="color" value="#FFFFFF"/>
+      <inkml:brushProperty name="tip" value="rectangle"/>
+      <inkml:brushProperty name="rasterOp" value="maskPen"/>
+      <inkml:brushProperty name="ignorePressure" value="1"/>
+    </inkml:brush>
+  </inkml:definitions>
+  <inkml:trace contextRef="#ctx0" brushRef="#br0">1 0,'0'0</inkml:trace>
+</inkml:ink>
+</file>
+
+<file path=ppt/ink/ink48.xml><?xml version="1.0" encoding="utf-8"?>
+<inkml:ink xmlns:inkml="http://www.w3.org/2003/InkML">
+  <inkml:definitions>
+    <inkml:context xml:id="ctx0">
+      <inkml:inkSource xml:id="inkSrc0">
+        <inkml:traceFormat>
+          <inkml:channel name="X" type="integer" min="-2.14748E9" max="2.14748E9" units="cm"/>
+          <inkml:channel name="Y" type="integer" min="-2.14748E9" max="2.14748E9" units="cm"/>
+        </inkml:traceFormat>
+        <inkml:channelProperties>
+          <inkml:channelProperty channel="X" name="resolution" value="1000" units="1/cm"/>
+          <inkml:channelProperty channel="Y" name="resolution" value="1000" units="1/cm"/>
+        </inkml:channelProperties>
+      </inkml:inkSource>
+      <inkml:timestamp xml:id="ts0" timeString="2020-10-28T23:02:34.042"/>
+    </inkml:context>
+    <inkml:brush xml:id="br0">
+      <inkml:brushProperty name="width" value="0.5" units="cm"/>
+      <inkml:brushProperty name="height" value="1" units="cm"/>
+      <inkml:brushProperty name="color" value="#FFFFFF"/>
+      <inkml:brushProperty name="tip" value="rectangle"/>
+      <inkml:brushProperty name="rasterOp" value="maskPen"/>
+      <inkml:brushProperty name="ignorePressure" value="1"/>
+    </inkml:brush>
+  </inkml:definitions>
+  <inkml:trace contextRef="#ctx0" brushRef="#br0">1 0,'0'0</inkml:trace>
+</inkml:ink>
+</file>
+
+<file path=ppt/ink/ink49.xml><?xml version="1.0" encoding="utf-8"?>
+<inkml:ink xmlns:inkml="http://www.w3.org/2003/InkML">
+  <inkml:definitions>
+    <inkml:context xml:id="ctx0">
+      <inkml:inkSource xml:id="inkSrc0">
+        <inkml:traceFormat>
+          <inkml:channel name="X" type="integer" min="-2.14748E9" max="2.14748E9" units="cm"/>
+          <inkml:channel name="Y" type="integer" min="-2.14748E9" max="2.14748E9" units="cm"/>
+        </inkml:traceFormat>
+        <inkml:channelProperties>
+          <inkml:channelProperty channel="X" name="resolution" value="1000" units="1/cm"/>
+          <inkml:channelProperty channel="Y" name="resolution" value="1000" units="1/cm"/>
+        </inkml:channelProperties>
+      </inkml:inkSource>
+      <inkml:timestamp xml:id="ts0" timeString="2020-10-28T23:02:34.713"/>
+    </inkml:context>
+    <inkml:brush xml:id="br0">
+      <inkml:brushProperty name="width" value="0.5" units="cm"/>
+      <inkml:brushProperty name="height" value="1" units="cm"/>
+      <inkml:brushProperty name="color" value="#FFFFFF"/>
+      <inkml:brushProperty name="tip" value="rectangle"/>
+      <inkml:brushProperty name="rasterOp" value="maskPen"/>
+      <inkml:brushProperty name="ignorePressure" value="1"/>
+    </inkml:brush>
+  </inkml:definitions>
+  <inkml:trace contextRef="#ctx0" brushRef="#br0">14 0,'-6'0,"-1"0</inkml:trace>
+</inkml:ink>
+</file>
+
 <file path=ppt/ink/ink5.xml><?xml version="1.0" encoding="utf-8"?>
 <inkml:ink xmlns:inkml="http://www.w3.org/2003/InkML">
   <inkml:definitions>
@@ -1760,6 +2021,296 @@
         </inkml:channelProperties>
       </inkml:inkSource>
       <inkml:timestamp xml:id="ts0" timeString="2020-10-28T23:01:55.860"/>
+    </inkml:context>
+    <inkml:brush xml:id="br0">
+      <inkml:brushProperty name="width" value="0.5" units="cm"/>
+      <inkml:brushProperty name="height" value="1" units="cm"/>
+      <inkml:brushProperty name="color" value="#FFFFFF"/>
+      <inkml:brushProperty name="tip" value="rectangle"/>
+      <inkml:brushProperty name="rasterOp" value="maskPen"/>
+      <inkml:brushProperty name="ignorePressure" value="1"/>
+    </inkml:brush>
+  </inkml:definitions>
+  <inkml:trace contextRef="#ctx0" brushRef="#br0">0 1,'0'0</inkml:trace>
+</inkml:ink>
+</file>
+
+<file path=ppt/ink/ink50.xml><?xml version="1.0" encoding="utf-8"?>
+<inkml:ink xmlns:inkml="http://www.w3.org/2003/InkML">
+  <inkml:definitions>
+    <inkml:context xml:id="ctx0">
+      <inkml:inkSource xml:id="inkSrc0">
+        <inkml:traceFormat>
+          <inkml:channel name="X" type="integer" min="-2.14748E9" max="2.14748E9" units="cm"/>
+          <inkml:channel name="Y" type="integer" min="-2.14748E9" max="2.14748E9" units="cm"/>
+        </inkml:traceFormat>
+        <inkml:channelProperties>
+          <inkml:channelProperty channel="X" name="resolution" value="1000" units="1/cm"/>
+          <inkml:channelProperty channel="Y" name="resolution" value="1000" units="1/cm"/>
+        </inkml:channelProperties>
+      </inkml:inkSource>
+      <inkml:timestamp xml:id="ts0" timeString="2020-10-28T23:02:36.608"/>
+    </inkml:context>
+    <inkml:brush xml:id="br0">
+      <inkml:brushProperty name="width" value="0.5" units="cm"/>
+      <inkml:brushProperty name="height" value="1" units="cm"/>
+      <inkml:brushProperty name="color" value="#FFFFFF"/>
+      <inkml:brushProperty name="tip" value="rectangle"/>
+      <inkml:brushProperty name="rasterOp" value="maskPen"/>
+      <inkml:brushProperty name="ignorePressure" value="1"/>
+    </inkml:brush>
+  </inkml:definitions>
+  <inkml:trace contextRef="#ctx0" brushRef="#br0">1 0,'0'0</inkml:trace>
+</inkml:ink>
+</file>
+
+<file path=ppt/ink/ink51.xml><?xml version="1.0" encoding="utf-8"?>
+<inkml:ink xmlns:inkml="http://www.w3.org/2003/InkML">
+  <inkml:definitions>
+    <inkml:context xml:id="ctx0">
+      <inkml:inkSource xml:id="inkSrc0">
+        <inkml:traceFormat>
+          <inkml:channel name="X" type="integer" min="-2.14748E9" max="2.14748E9" units="cm"/>
+          <inkml:channel name="Y" type="integer" min="-2.14748E9" max="2.14748E9" units="cm"/>
+        </inkml:traceFormat>
+        <inkml:channelProperties>
+          <inkml:channelProperty channel="X" name="resolution" value="1000" units="1/cm"/>
+          <inkml:channelProperty channel="Y" name="resolution" value="1000" units="1/cm"/>
+        </inkml:channelProperties>
+      </inkml:inkSource>
+      <inkml:timestamp xml:id="ts0" timeString="2020-10-28T23:02:37.363"/>
+    </inkml:context>
+    <inkml:brush xml:id="br0">
+      <inkml:brushProperty name="width" value="0.5" units="cm"/>
+      <inkml:brushProperty name="height" value="1" units="cm"/>
+      <inkml:brushProperty name="color" value="#FFFFFF"/>
+      <inkml:brushProperty name="tip" value="rectangle"/>
+      <inkml:brushProperty name="rasterOp" value="maskPen"/>
+      <inkml:brushProperty name="ignorePressure" value="1"/>
+    </inkml:brush>
+  </inkml:definitions>
+  <inkml:trace contextRef="#ctx0" brushRef="#br0">1 1,'0'0</inkml:trace>
+</inkml:ink>
+</file>
+
+<file path=ppt/ink/ink52.xml><?xml version="1.0" encoding="utf-8"?>
+<inkml:ink xmlns:inkml="http://www.w3.org/2003/InkML">
+  <inkml:definitions>
+    <inkml:context xml:id="ctx0">
+      <inkml:inkSource xml:id="inkSrc0">
+        <inkml:traceFormat>
+          <inkml:channel name="X" type="integer" min="-2.14748E9" max="2.14748E9" units="cm"/>
+          <inkml:channel name="Y" type="integer" min="-2.14748E9" max="2.14748E9" units="cm"/>
+        </inkml:traceFormat>
+        <inkml:channelProperties>
+          <inkml:channelProperty channel="X" name="resolution" value="1000" units="1/cm"/>
+          <inkml:channelProperty channel="Y" name="resolution" value="1000" units="1/cm"/>
+        </inkml:channelProperties>
+      </inkml:inkSource>
+      <inkml:timestamp xml:id="ts0" timeString="2020-10-28T23:02:38.903"/>
+    </inkml:context>
+    <inkml:brush xml:id="br0">
+      <inkml:brushProperty name="width" value="0.5" units="cm"/>
+      <inkml:brushProperty name="height" value="1" units="cm"/>
+      <inkml:brushProperty name="color" value="#FFFFFF"/>
+      <inkml:brushProperty name="tip" value="rectangle"/>
+      <inkml:brushProperty name="rasterOp" value="maskPen"/>
+      <inkml:brushProperty name="ignorePressure" value="1"/>
+    </inkml:brush>
+  </inkml:definitions>
+  <inkml:trace contextRef="#ctx0" brushRef="#br0">0 0,'0'0</inkml:trace>
+</inkml:ink>
+</file>
+
+<file path=ppt/ink/ink53.xml><?xml version="1.0" encoding="utf-8"?>
+<inkml:ink xmlns:inkml="http://www.w3.org/2003/InkML">
+  <inkml:definitions>
+    <inkml:context xml:id="ctx0">
+      <inkml:inkSource xml:id="inkSrc0">
+        <inkml:traceFormat>
+          <inkml:channel name="X" type="integer" min="-2.14748E9" max="2.14748E9" units="cm"/>
+          <inkml:channel name="Y" type="integer" min="-2.14748E9" max="2.14748E9" units="cm"/>
+        </inkml:traceFormat>
+        <inkml:channelProperties>
+          <inkml:channelProperty channel="X" name="resolution" value="1000" units="1/cm"/>
+          <inkml:channelProperty channel="Y" name="resolution" value="1000" units="1/cm"/>
+        </inkml:channelProperties>
+      </inkml:inkSource>
+      <inkml:timestamp xml:id="ts0" timeString="2020-10-28T23:02:39.434"/>
+    </inkml:context>
+    <inkml:brush xml:id="br0">
+      <inkml:brushProperty name="width" value="0.5" units="cm"/>
+      <inkml:brushProperty name="height" value="1" units="cm"/>
+      <inkml:brushProperty name="color" value="#FFFFFF"/>
+      <inkml:brushProperty name="tip" value="rectangle"/>
+      <inkml:brushProperty name="rasterOp" value="maskPen"/>
+      <inkml:brushProperty name="ignorePressure" value="1"/>
+    </inkml:brush>
+  </inkml:definitions>
+  <inkml:trace contextRef="#ctx0" brushRef="#br0">0 1,'0'0</inkml:trace>
+</inkml:ink>
+</file>
+
+<file path=ppt/ink/ink54.xml><?xml version="1.0" encoding="utf-8"?>
+<inkml:ink xmlns:inkml="http://www.w3.org/2003/InkML">
+  <inkml:definitions>
+    <inkml:context xml:id="ctx0">
+      <inkml:inkSource xml:id="inkSrc0">
+        <inkml:traceFormat>
+          <inkml:channel name="X" type="integer" min="-2.14748E9" max="2.14748E9" units="cm"/>
+          <inkml:channel name="Y" type="integer" min="-2.14748E9" max="2.14748E9" units="cm"/>
+        </inkml:traceFormat>
+        <inkml:channelProperties>
+          <inkml:channelProperty channel="X" name="resolution" value="1000" units="1/cm"/>
+          <inkml:channelProperty channel="Y" name="resolution" value="1000" units="1/cm"/>
+        </inkml:channelProperties>
+      </inkml:inkSource>
+      <inkml:timestamp xml:id="ts0" timeString="2020-10-28T23:02:40.498"/>
+    </inkml:context>
+    <inkml:brush xml:id="br0">
+      <inkml:brushProperty name="width" value="0.5" units="cm"/>
+      <inkml:brushProperty name="height" value="1" units="cm"/>
+      <inkml:brushProperty name="color" value="#FFFFFF"/>
+      <inkml:brushProperty name="tip" value="rectangle"/>
+      <inkml:brushProperty name="rasterOp" value="maskPen"/>
+      <inkml:brushProperty name="ignorePressure" value="1"/>
+    </inkml:brush>
+  </inkml:definitions>
+  <inkml:trace contextRef="#ctx0" brushRef="#br0">0 0,'0'0</inkml:trace>
+</inkml:ink>
+</file>
+
+<file path=ppt/ink/ink55.xml><?xml version="1.0" encoding="utf-8"?>
+<inkml:ink xmlns:inkml="http://www.w3.org/2003/InkML">
+  <inkml:definitions>
+    <inkml:context xml:id="ctx0">
+      <inkml:inkSource xml:id="inkSrc0">
+        <inkml:traceFormat>
+          <inkml:channel name="X" type="integer" min="-2.14748E9" max="2.14748E9" units="cm"/>
+          <inkml:channel name="Y" type="integer" min="-2.14748E9" max="2.14748E9" units="cm"/>
+        </inkml:traceFormat>
+        <inkml:channelProperties>
+          <inkml:channelProperty channel="X" name="resolution" value="1000" units="1/cm"/>
+          <inkml:channelProperty channel="Y" name="resolution" value="1000" units="1/cm"/>
+        </inkml:channelProperties>
+      </inkml:inkSource>
+      <inkml:timestamp xml:id="ts0" timeString="2020-10-28T23:03:11.426"/>
+    </inkml:context>
+    <inkml:brush xml:id="br0">
+      <inkml:brushProperty name="width" value="0.5" units="cm"/>
+      <inkml:brushProperty name="height" value="1" units="cm"/>
+      <inkml:brushProperty name="color" value="#FFFFFF"/>
+      <inkml:brushProperty name="tip" value="rectangle"/>
+      <inkml:brushProperty name="rasterOp" value="maskPen"/>
+      <inkml:brushProperty name="ignorePressure" value="1"/>
+    </inkml:brush>
+  </inkml:definitions>
+  <inkml:trace contextRef="#ctx0" brushRef="#br0">0 1,'0'0</inkml:trace>
+</inkml:ink>
+</file>
+
+<file path=ppt/ink/ink56.xml><?xml version="1.0" encoding="utf-8"?>
+<inkml:ink xmlns:inkml="http://www.w3.org/2003/InkML">
+  <inkml:definitions>
+    <inkml:context xml:id="ctx0">
+      <inkml:inkSource xml:id="inkSrc0">
+        <inkml:traceFormat>
+          <inkml:channel name="X" type="integer" min="-2.14748E9" max="2.14748E9" units="cm"/>
+          <inkml:channel name="Y" type="integer" min="-2.14748E9" max="2.14748E9" units="cm"/>
+        </inkml:traceFormat>
+        <inkml:channelProperties>
+          <inkml:channelProperty channel="X" name="resolution" value="1000" units="1/cm"/>
+          <inkml:channelProperty channel="Y" name="resolution" value="1000" units="1/cm"/>
+        </inkml:channelProperties>
+      </inkml:inkSource>
+      <inkml:timestamp xml:id="ts0" timeString="2020-10-28T23:03:33.458"/>
+    </inkml:context>
+    <inkml:brush xml:id="br0">
+      <inkml:brushProperty name="width" value="0.5" units="cm"/>
+      <inkml:brushProperty name="height" value="1" units="cm"/>
+      <inkml:brushProperty name="color" value="#FFFFFF"/>
+      <inkml:brushProperty name="tip" value="rectangle"/>
+      <inkml:brushProperty name="rasterOp" value="maskPen"/>
+      <inkml:brushProperty name="ignorePressure" value="1"/>
+    </inkml:brush>
+  </inkml:definitions>
+  <inkml:trace contextRef="#ctx0" brushRef="#br0">1 0,'0'0</inkml:trace>
+</inkml:ink>
+</file>
+
+<file path=ppt/ink/ink57.xml><?xml version="1.0" encoding="utf-8"?>
+<inkml:ink xmlns:inkml="http://www.w3.org/2003/InkML">
+  <inkml:definitions>
+    <inkml:context xml:id="ctx0">
+      <inkml:inkSource xml:id="inkSrc0">
+        <inkml:traceFormat>
+          <inkml:channel name="X" type="integer" min="-2.14748E9" max="2.14748E9" units="cm"/>
+          <inkml:channel name="Y" type="integer" min="-2.14748E9" max="2.14748E9" units="cm"/>
+        </inkml:traceFormat>
+        <inkml:channelProperties>
+          <inkml:channelProperty channel="X" name="resolution" value="1000" units="1/cm"/>
+          <inkml:channelProperty channel="Y" name="resolution" value="1000" units="1/cm"/>
+        </inkml:channelProperties>
+      </inkml:inkSource>
+      <inkml:timestamp xml:id="ts0" timeString="2020-10-28T23:03:36.957"/>
+    </inkml:context>
+    <inkml:brush xml:id="br0">
+      <inkml:brushProperty name="width" value="0.5" units="cm"/>
+      <inkml:brushProperty name="height" value="1" units="cm"/>
+      <inkml:brushProperty name="color" value="#FFFFFF"/>
+      <inkml:brushProperty name="tip" value="rectangle"/>
+      <inkml:brushProperty name="rasterOp" value="maskPen"/>
+      <inkml:brushProperty name="ignorePressure" value="1"/>
+    </inkml:brush>
+  </inkml:definitions>
+  <inkml:trace contextRef="#ctx0" brushRef="#br0">0 0,'0'0</inkml:trace>
+</inkml:ink>
+</file>
+
+<file path=ppt/ink/ink58.xml><?xml version="1.0" encoding="utf-8"?>
+<inkml:ink xmlns:inkml="http://www.w3.org/2003/InkML">
+  <inkml:definitions>
+    <inkml:context xml:id="ctx0">
+      <inkml:inkSource xml:id="inkSrc0">
+        <inkml:traceFormat>
+          <inkml:channel name="X" type="integer" min="-2.14748E9" max="2.14748E9" units="cm"/>
+          <inkml:channel name="Y" type="integer" min="-2.14748E9" max="2.14748E9" units="cm"/>
+        </inkml:traceFormat>
+        <inkml:channelProperties>
+          <inkml:channelProperty channel="X" name="resolution" value="1000" units="1/cm"/>
+          <inkml:channelProperty channel="Y" name="resolution" value="1000" units="1/cm"/>
+        </inkml:channelProperties>
+      </inkml:inkSource>
+      <inkml:timestamp xml:id="ts0" timeString="2020-10-28T23:03:37.444"/>
+    </inkml:context>
+    <inkml:brush xml:id="br0">
+      <inkml:brushProperty name="width" value="0.5" units="cm"/>
+      <inkml:brushProperty name="height" value="1" units="cm"/>
+      <inkml:brushProperty name="color" value="#FFFFFF"/>
+      <inkml:brushProperty name="tip" value="rectangle"/>
+      <inkml:brushProperty name="rasterOp" value="maskPen"/>
+      <inkml:brushProperty name="ignorePressure" value="1"/>
+    </inkml:brush>
+  </inkml:definitions>
+  <inkml:trace contextRef="#ctx0" brushRef="#br0">1 0,'5'0,"3"0</inkml:trace>
+</inkml:ink>
+</file>
+
+<file path=ppt/ink/ink59.xml><?xml version="1.0" encoding="utf-8"?>
+<inkml:ink xmlns:inkml="http://www.w3.org/2003/InkML">
+  <inkml:definitions>
+    <inkml:context xml:id="ctx0">
+      <inkml:inkSource xml:id="inkSrc0">
+        <inkml:traceFormat>
+          <inkml:channel name="X" type="integer" min="-2.14748E9" max="2.14748E9" units="cm"/>
+          <inkml:channel name="Y" type="integer" min="-2.14748E9" max="2.14748E9" units="cm"/>
+        </inkml:traceFormat>
+        <inkml:channelProperties>
+          <inkml:channelProperty channel="X" name="resolution" value="1000" units="1/cm"/>
+          <inkml:channelProperty channel="Y" name="resolution" value="1000" units="1/cm"/>
+        </inkml:channelProperties>
+      </inkml:inkSource>
+      <inkml:timestamp xml:id="ts0" timeString="2020-10-28T23:03:38.508"/>
     </inkml:context>
     <inkml:brush xml:id="br0">
       <inkml:brushProperty name="width" value="0.5" units="cm"/>
@@ -1800,6 +2351,90 @@
     </inkml:brush>
   </inkml:definitions>
   <inkml:trace contextRef="#ctx0" brushRef="#br0">0 1,'0'0</inkml:trace>
+</inkml:ink>
+</file>
+
+<file path=ppt/ink/ink60.xml><?xml version="1.0" encoding="utf-8"?>
+<inkml:ink xmlns:inkml="http://www.w3.org/2003/InkML">
+  <inkml:definitions>
+    <inkml:context xml:id="ctx0">
+      <inkml:inkSource xml:id="inkSrc0">
+        <inkml:traceFormat>
+          <inkml:channel name="X" type="integer" min="-2.14748E9" max="2.14748E9" units="cm"/>
+          <inkml:channel name="Y" type="integer" min="-2.14748E9" max="2.14748E9" units="cm"/>
+        </inkml:traceFormat>
+        <inkml:channelProperties>
+          <inkml:channelProperty channel="X" name="resolution" value="1000" units="1/cm"/>
+          <inkml:channelProperty channel="Y" name="resolution" value="1000" units="1/cm"/>
+        </inkml:channelProperties>
+      </inkml:inkSource>
+      <inkml:timestamp xml:id="ts0" timeString="2020-10-28T23:03:56.858"/>
+    </inkml:context>
+    <inkml:brush xml:id="br0">
+      <inkml:brushProperty name="width" value="0.5" units="cm"/>
+      <inkml:brushProperty name="height" value="1" units="cm"/>
+      <inkml:brushProperty name="color" value="#FFFFFF"/>
+      <inkml:brushProperty name="tip" value="rectangle"/>
+      <inkml:brushProperty name="rasterOp" value="maskPen"/>
+      <inkml:brushProperty name="ignorePressure" value="1"/>
+    </inkml:brush>
+  </inkml:definitions>
+  <inkml:trace contextRef="#ctx0" brushRef="#br0">74 0,'0'6,"0"7,-6 2,-7-2,-14-3,-1-3</inkml:trace>
+</inkml:ink>
+</file>
+
+<file path=ppt/ink/ink61.xml><?xml version="1.0" encoding="utf-8"?>
+<inkml:ink xmlns:inkml="http://www.w3.org/2003/InkML">
+  <inkml:definitions>
+    <inkml:context xml:id="ctx0">
+      <inkml:inkSource xml:id="inkSrc0">
+        <inkml:traceFormat>
+          <inkml:channel name="X" type="integer" min="-2.14748E9" max="2.14748E9" units="cm"/>
+          <inkml:channel name="Y" type="integer" min="-2.14748E9" max="2.14748E9" units="cm"/>
+        </inkml:traceFormat>
+        <inkml:channelProperties>
+          <inkml:channelProperty channel="X" name="resolution" value="1000" units="1/cm"/>
+          <inkml:channelProperty channel="Y" name="resolution" value="1000" units="1/cm"/>
+        </inkml:channelProperties>
+      </inkml:inkSource>
+      <inkml:timestamp xml:id="ts0" timeString="2020-10-28T23:04:38.528"/>
+    </inkml:context>
+    <inkml:brush xml:id="br0">
+      <inkml:brushProperty name="width" value="0.5" units="cm"/>
+      <inkml:brushProperty name="height" value="1" units="cm"/>
+      <inkml:brushProperty name="color" value="#FFFFFF"/>
+      <inkml:brushProperty name="tip" value="rectangle"/>
+      <inkml:brushProperty name="rasterOp" value="maskPen"/>
+      <inkml:brushProperty name="ignorePressure" value="1"/>
+    </inkml:brush>
+  </inkml:definitions>
+  <inkml:trace contextRef="#ctx0" brushRef="#br0">1 0,'5'0,"3"0</inkml:trace>
+</inkml:ink>
+</file>
+
+<file path=ppt/ink/ink62.xml><?xml version="1.0" encoding="utf-8"?>
+<inkml:ink xmlns:inkml="http://www.w3.org/2003/InkML">
+  <inkml:definitions>
+    <inkml:context xml:id="ctx0">
+      <inkml:inkSource xml:id="inkSrc0">
+        <inkml:traceFormat>
+          <inkml:channel name="X" type="integer" min="-2.14748E9" max="2.14748E9" units="cm"/>
+          <inkml:channel name="Y" type="integer" min="-2.14748E9" max="2.14748E9" units="cm"/>
+        </inkml:traceFormat>
+        <inkml:channelProperties>
+          <inkml:channelProperty channel="X" name="resolution" value="1000" units="1/cm"/>
+          <inkml:channelProperty channel="Y" name="resolution" value="1000" units="1/cm"/>
+        </inkml:channelProperties>
+      </inkml:inkSource>
+      <inkml:timestamp xml:id="ts0" timeString="2020-10-28T23:37:51.257"/>
+    </inkml:context>
+    <inkml:brush xml:id="br0">
+      <inkml:brushProperty name="width" value="0.05" units="cm"/>
+      <inkml:brushProperty name="height" value="0.05" units="cm"/>
+      <inkml:brushProperty name="ignorePressure" value="1"/>
+    </inkml:brush>
+  </inkml:definitions>
+  <inkml:trace contextRef="#ctx0" brushRef="#br0">0 0,'0'0</inkml:trace>
 </inkml:ink>
 </file>
 
@@ -1972,7 +2607,7 @@
           <a:p>
             <a:fld id="{9E497948-54D2-43F8-9A63-A99FE3051738}" type="datetimeFigureOut">
               <a:rPr lang="en-US" smtClean="0"/>
-              <a:t>1/3/2024</a:t>
+              <a:t>1/11/2024</a:t>
             </a:fld>
             <a:endParaRPr lang="en-US"/>
           </a:p>
@@ -2472,7 +3107,7 @@
           <a:p>
             <a:fld id="{EEBDA0E2-FEBD-4B65-8F16-724CF984F377}" type="slidenum">
               <a:rPr lang="en-US" smtClean="0"/>
-              <a:t>7</a:t>
+              <a:t>10</a:t>
             </a:fld>
             <a:endParaRPr lang="en-US"/>
           </a:p>
@@ -2482,6 +3117,90 @@
     <p:extLst>
       <p:ext uri="{BB962C8B-B14F-4D97-AF65-F5344CB8AC3E}">
         <p14:creationId xmlns:p14="http://schemas.microsoft.com/office/powerpoint/2010/main" val="4256004563"/>
+      </p:ext>
+    </p:extLst>
+  </p:cSld>
+  <p:clrMapOvr>
+    <a:masterClrMapping/>
+  </p:clrMapOvr>
+</p:notes>
+</file>
+
+<file path=ppt/notesSlides/notesSlide4.xml><?xml version="1.0" encoding="utf-8"?>
+<p:notes xmlns:a="http://schemas.openxmlformats.org/drawingml/2006/main" xmlns:r="http://schemas.openxmlformats.org/officeDocument/2006/relationships" xmlns:p="http://schemas.openxmlformats.org/presentationml/2006/main">
+  <p:cSld>
+    <p:spTree>
+      <p:nvGrpSpPr>
+        <p:cNvPr id="1" name=""/>
+        <p:cNvGrpSpPr/>
+        <p:nvPr/>
+      </p:nvGrpSpPr>
+      <p:grpSpPr>
+        <a:xfrm>
+          <a:off x="0" y="0"/>
+          <a:ext cx="0" cy="0"/>
+          <a:chOff x="0" y="0"/>
+          <a:chExt cx="0" cy="0"/>
+        </a:xfrm>
+      </p:grpSpPr>
+      <p:sp>
+        <p:nvSpPr>
+          <p:cNvPr id="2" name="Slide Image Placeholder 1"/>
+          <p:cNvSpPr>
+            <a:spLocks noGrp="1" noRot="1" noChangeAspect="1"/>
+          </p:cNvSpPr>
+          <p:nvPr>
+            <p:ph type="sldImg"/>
+          </p:nvPr>
+        </p:nvSpPr>
+        <p:spPr/>
+      </p:sp>
+      <p:sp>
+        <p:nvSpPr>
+          <p:cNvPr id="3" name="Notes Placeholder 2"/>
+          <p:cNvSpPr>
+            <a:spLocks noGrp="1"/>
+          </p:cNvSpPr>
+          <p:nvPr>
+            <p:ph type="body" idx="1"/>
+          </p:nvPr>
+        </p:nvSpPr>
+        <p:spPr/>
+        <p:txBody>
+          <a:bodyPr/>
+          <a:lstStyle/>
+          <a:p>
+            <a:endParaRPr lang="en-US" dirty="0"/>
+          </a:p>
+        </p:txBody>
+      </p:sp>
+      <p:sp>
+        <p:nvSpPr>
+          <p:cNvPr id="4" name="Slide Number Placeholder 3"/>
+          <p:cNvSpPr>
+            <a:spLocks noGrp="1"/>
+          </p:cNvSpPr>
+          <p:nvPr>
+            <p:ph type="sldNum" sz="quarter" idx="5"/>
+          </p:nvPr>
+        </p:nvSpPr>
+        <p:spPr/>
+        <p:txBody>
+          <a:bodyPr/>
+          <a:lstStyle/>
+          <a:p>
+            <a:fld id="{EEBDA0E2-FEBD-4B65-8F16-724CF984F377}" type="slidenum">
+              <a:rPr lang="en-US" smtClean="0"/>
+              <a:t>18</a:t>
+            </a:fld>
+            <a:endParaRPr lang="en-US"/>
+          </a:p>
+        </p:txBody>
+      </p:sp>
+    </p:spTree>
+    <p:extLst>
+      <p:ext uri="{BB962C8B-B14F-4D97-AF65-F5344CB8AC3E}">
+        <p14:creationId xmlns:p14="http://schemas.microsoft.com/office/powerpoint/2010/main" val="3785431903"/>
       </p:ext>
     </p:extLst>
   </p:cSld>
@@ -6849,7 +7568,595 @@
           <a:p>
             <a:r>
               <a:rPr lang="en-US" dirty="0"/>
-              <a:t>DATABASE TRENDS - FINDINGS &amp; IMPLICATIONS</a:t>
+              <a:t>PROGRAMMING LANGUAGE TRENDS</a:t>
+            </a:r>
+          </a:p>
+        </p:txBody>
+      </p:sp>
+      <p:sp>
+        <p:nvSpPr>
+          <p:cNvPr id="3" name="Content Placeholder 2">
+            <a:extLst>
+              <a:ext uri="{FF2B5EF4-FFF2-40B4-BE49-F238E27FC236}">
+                <a16:creationId xmlns:a16="http://schemas.microsoft.com/office/drawing/2014/main" id="{E4FC0D20-FACF-4D73-BD27-CF8F6B97546A}"/>
+              </a:ext>
+            </a:extLst>
+          </p:cNvPr>
+          <p:cNvSpPr>
+            <a:spLocks noGrp="1"/>
+          </p:cNvSpPr>
+          <p:nvPr>
+            <p:ph sz="half" idx="1"/>
+          </p:nvPr>
+        </p:nvSpPr>
+        <p:spPr>
+          <a:xfrm>
+            <a:off x="813816" y="1825625"/>
+            <a:ext cx="2228642" cy="501939"/>
+          </a:xfrm>
+        </p:spPr>
+        <p:txBody>
+          <a:bodyPr/>
+          <a:lstStyle/>
+          <a:p>
+            <a:pPr marL="0" indent="0">
+              <a:buNone/>
+            </a:pPr>
+            <a:r>
+              <a:rPr lang="en-US" dirty="0"/>
+              <a:t>Current Year</a:t>
+            </a:r>
+          </a:p>
+        </p:txBody>
+      </p:sp>
+      <p:sp>
+        <p:nvSpPr>
+          <p:cNvPr id="4" name="Content Placeholder 3">
+            <a:extLst>
+              <a:ext uri="{FF2B5EF4-FFF2-40B4-BE49-F238E27FC236}">
+                <a16:creationId xmlns:a16="http://schemas.microsoft.com/office/drawing/2014/main" id="{ACA6A89D-097D-4968-A07A-39A5B4F78A62}"/>
+              </a:ext>
+            </a:extLst>
+          </p:cNvPr>
+          <p:cNvSpPr>
+            <a:spLocks noGrp="1"/>
+          </p:cNvSpPr>
+          <p:nvPr>
+            <p:ph sz="half" idx="2"/>
+          </p:nvPr>
+        </p:nvSpPr>
+        <p:spPr>
+          <a:xfrm>
+            <a:off x="6172200" y="1825625"/>
+            <a:ext cx="1758142" cy="501939"/>
+          </a:xfrm>
+        </p:spPr>
+        <p:txBody>
+          <a:bodyPr/>
+          <a:lstStyle/>
+          <a:p>
+            <a:pPr marL="0" indent="0">
+              <a:buNone/>
+            </a:pPr>
+            <a:r>
+              <a:rPr lang="en-US" dirty="0"/>
+              <a:t>Next Year</a:t>
+            </a:r>
+          </a:p>
+        </p:txBody>
+      </p:sp>
+      <p:sp>
+        <p:nvSpPr>
+          <p:cNvPr id="8" name="Content Placeholder 2">
+            <a:extLst>
+              <a:ext uri="{FF2B5EF4-FFF2-40B4-BE49-F238E27FC236}">
+                <a16:creationId xmlns:a16="http://schemas.microsoft.com/office/drawing/2014/main" id="{D13C2F43-A283-4FD4-9C0D-BFF93C50AC01}"/>
+              </a:ext>
+            </a:extLst>
+          </p:cNvPr>
+          <p:cNvSpPr txBox="1">
+            <a:spLocks/>
+          </p:cNvSpPr>
+          <p:nvPr/>
+        </p:nvSpPr>
+        <p:spPr>
+          <a:xfrm>
+            <a:off x="838199" y="2506661"/>
+            <a:ext cx="4614949" cy="3670301"/>
+          </a:xfrm>
+          <a:prstGeom prst="rect">
+            <a:avLst/>
+          </a:prstGeom>
+        </p:spPr>
+        <p:txBody>
+          <a:bodyPr vert="horz" lIns="91440" tIns="45720" rIns="91440" bIns="45720" rtlCol="0">
+            <a:normAutofit/>
+          </a:bodyPr>
+          <a:lstStyle>
+            <a:lvl1pPr marL="228600" indent="-228600" algn="l" defTabSz="914400" rtl="0" eaLnBrk="1" latinLnBrk="0" hangingPunct="1">
+              <a:lnSpc>
+                <a:spcPct val="90000"/>
+              </a:lnSpc>
+              <a:spcBef>
+                <a:spcPts val="1000"/>
+              </a:spcBef>
+              <a:buFont typeface="Arial"/>
+              <a:buChar char="•"/>
+              <a:defRPr sz="2800" kern="1200">
+                <a:solidFill>
+                  <a:srgbClr val="0070C0"/>
+                </a:solidFill>
+                <a:latin typeface="IBM Plex Mono Text" panose="020B0509050203000203" pitchFamily="49" charset="0"/>
+                <a:ea typeface="+mn-ea"/>
+                <a:cs typeface="+mn-cs"/>
+              </a:defRPr>
+            </a:lvl1pPr>
+            <a:lvl2pPr marL="685800" indent="-228600" algn="l" defTabSz="914400" rtl="0" eaLnBrk="1" latinLnBrk="0" hangingPunct="1">
+              <a:lnSpc>
+                <a:spcPct val="90000"/>
+              </a:lnSpc>
+              <a:spcBef>
+                <a:spcPts val="500"/>
+              </a:spcBef>
+              <a:buFont typeface="Arial"/>
+              <a:buChar char="•"/>
+              <a:defRPr sz="2400" kern="1200">
+                <a:solidFill>
+                  <a:srgbClr val="0070C0"/>
+                </a:solidFill>
+                <a:latin typeface="IBM Plex Mono Text" panose="020B0509050203000203" pitchFamily="49" charset="0"/>
+                <a:ea typeface="+mn-ea"/>
+                <a:cs typeface="+mn-cs"/>
+              </a:defRPr>
+            </a:lvl2pPr>
+            <a:lvl3pPr marL="1143000" indent="-228600" algn="l" defTabSz="914400" rtl="0" eaLnBrk="1" latinLnBrk="0" hangingPunct="1">
+              <a:lnSpc>
+                <a:spcPct val="90000"/>
+              </a:lnSpc>
+              <a:spcBef>
+                <a:spcPts val="500"/>
+              </a:spcBef>
+              <a:buFont typeface="Arial"/>
+              <a:buChar char="•"/>
+              <a:defRPr sz="2000" kern="1200">
+                <a:solidFill>
+                  <a:srgbClr val="0070C0"/>
+                </a:solidFill>
+                <a:latin typeface="IBM Plex Mono Text" panose="020B0509050203000203" pitchFamily="49" charset="0"/>
+                <a:ea typeface="+mn-ea"/>
+                <a:cs typeface="+mn-cs"/>
+              </a:defRPr>
+            </a:lvl3pPr>
+            <a:lvl4pPr marL="1600200" indent="-228600" algn="l" defTabSz="914400" rtl="0" eaLnBrk="1" latinLnBrk="0" hangingPunct="1">
+              <a:lnSpc>
+                <a:spcPct val="90000"/>
+              </a:lnSpc>
+              <a:spcBef>
+                <a:spcPts val="500"/>
+              </a:spcBef>
+              <a:buFont typeface="Arial"/>
+              <a:buChar char="•"/>
+              <a:defRPr sz="1800" kern="1200">
+                <a:solidFill>
+                  <a:srgbClr val="0070C0"/>
+                </a:solidFill>
+                <a:latin typeface="IBM Plex Mono Text" panose="020B0509050203000203" pitchFamily="49" charset="0"/>
+                <a:ea typeface="+mn-ea"/>
+                <a:cs typeface="+mn-cs"/>
+              </a:defRPr>
+            </a:lvl4pPr>
+            <a:lvl5pPr marL="2057400" indent="-228600" algn="l" defTabSz="914400" rtl="0" eaLnBrk="1" latinLnBrk="0" hangingPunct="1">
+              <a:lnSpc>
+                <a:spcPct val="90000"/>
+              </a:lnSpc>
+              <a:spcBef>
+                <a:spcPts val="500"/>
+              </a:spcBef>
+              <a:buFont typeface="Arial"/>
+              <a:buChar char="•"/>
+              <a:defRPr sz="1800" kern="1200">
+                <a:solidFill>
+                  <a:srgbClr val="0070C0"/>
+                </a:solidFill>
+                <a:latin typeface="IBM Plex Mono Text" panose="020B0509050203000203" pitchFamily="49" charset="0"/>
+                <a:ea typeface="+mn-ea"/>
+                <a:cs typeface="+mn-cs"/>
+              </a:defRPr>
+            </a:lvl5pPr>
+            <a:lvl6pPr marL="2514600" indent="-228600" algn="l" defTabSz="914400" rtl="0" eaLnBrk="1" latinLnBrk="0" hangingPunct="1">
+              <a:lnSpc>
+                <a:spcPct val="90000"/>
+              </a:lnSpc>
+              <a:spcBef>
+                <a:spcPts val="500"/>
+              </a:spcBef>
+              <a:buFont typeface="Arial"/>
+              <a:buChar char="•"/>
+              <a:defRPr sz="1800" kern="1200">
+                <a:solidFill>
+                  <a:schemeClr val="tx1"/>
+                </a:solidFill>
+                <a:latin typeface="+mn-lt"/>
+                <a:ea typeface="+mn-ea"/>
+                <a:cs typeface="+mn-cs"/>
+              </a:defRPr>
+            </a:lvl6pPr>
+            <a:lvl7pPr marL="2971800" indent="-228600" algn="l" defTabSz="914400" rtl="0" eaLnBrk="1" latinLnBrk="0" hangingPunct="1">
+              <a:lnSpc>
+                <a:spcPct val="90000"/>
+              </a:lnSpc>
+              <a:spcBef>
+                <a:spcPts val="500"/>
+              </a:spcBef>
+              <a:buFont typeface="Arial"/>
+              <a:buChar char="•"/>
+              <a:defRPr sz="1800" kern="1200">
+                <a:solidFill>
+                  <a:schemeClr val="tx1"/>
+                </a:solidFill>
+                <a:latin typeface="+mn-lt"/>
+                <a:ea typeface="+mn-ea"/>
+                <a:cs typeface="+mn-cs"/>
+              </a:defRPr>
+            </a:lvl7pPr>
+            <a:lvl8pPr marL="3429000" indent="-228600" algn="l" defTabSz="914400" rtl="0" eaLnBrk="1" latinLnBrk="0" hangingPunct="1">
+              <a:lnSpc>
+                <a:spcPct val="90000"/>
+              </a:lnSpc>
+              <a:spcBef>
+                <a:spcPts val="500"/>
+              </a:spcBef>
+              <a:buFont typeface="Arial"/>
+              <a:buChar char="•"/>
+              <a:defRPr sz="1800" kern="1200">
+                <a:solidFill>
+                  <a:schemeClr val="tx1"/>
+                </a:solidFill>
+                <a:latin typeface="+mn-lt"/>
+                <a:ea typeface="+mn-ea"/>
+                <a:cs typeface="+mn-cs"/>
+              </a:defRPr>
+            </a:lvl8pPr>
+            <a:lvl9pPr marL="3886200" indent="-228600" algn="l" defTabSz="914400" rtl="0" eaLnBrk="1" latinLnBrk="0" hangingPunct="1">
+              <a:lnSpc>
+                <a:spcPct val="90000"/>
+              </a:lnSpc>
+              <a:spcBef>
+                <a:spcPts val="500"/>
+              </a:spcBef>
+              <a:buFont typeface="Arial"/>
+              <a:buChar char="•"/>
+              <a:defRPr sz="1800" kern="1200">
+                <a:solidFill>
+                  <a:schemeClr val="tx1"/>
+                </a:solidFill>
+                <a:latin typeface="+mn-lt"/>
+                <a:ea typeface="+mn-ea"/>
+                <a:cs typeface="+mn-cs"/>
+              </a:defRPr>
+            </a:lvl9pPr>
+          </a:lstStyle>
+          <a:p>
+            <a:pPr marL="0" indent="0">
+              <a:buNone/>
+            </a:pPr>
+            <a:endParaRPr lang="en-US" sz="2200" dirty="0"/>
+          </a:p>
+        </p:txBody>
+      </p:sp>
+      <p:sp>
+        <p:nvSpPr>
+          <p:cNvPr id="10" name="Content Placeholder 2">
+            <a:extLst>
+              <a:ext uri="{FF2B5EF4-FFF2-40B4-BE49-F238E27FC236}">
+                <a16:creationId xmlns:a16="http://schemas.microsoft.com/office/drawing/2014/main" id="{AE706D50-7D14-4DB8-BE17-5497AA1715EE}"/>
+              </a:ext>
+            </a:extLst>
+          </p:cNvPr>
+          <p:cNvSpPr txBox="1">
+            <a:spLocks/>
+          </p:cNvSpPr>
+          <p:nvPr/>
+        </p:nvSpPr>
+        <p:spPr>
+          <a:xfrm>
+            <a:off x="6172200" y="2506661"/>
+            <a:ext cx="4614949" cy="3670301"/>
+          </a:xfrm>
+          <a:prstGeom prst="rect">
+            <a:avLst/>
+          </a:prstGeom>
+        </p:spPr>
+        <p:txBody>
+          <a:bodyPr vert="horz" lIns="91440" tIns="45720" rIns="91440" bIns="45720" rtlCol="0">
+            <a:normAutofit/>
+          </a:bodyPr>
+          <a:lstStyle>
+            <a:lvl1pPr marL="228600" indent="-228600" algn="l" defTabSz="914400" rtl="0" eaLnBrk="1" latinLnBrk="0" hangingPunct="1">
+              <a:lnSpc>
+                <a:spcPct val="90000"/>
+              </a:lnSpc>
+              <a:spcBef>
+                <a:spcPts val="1000"/>
+              </a:spcBef>
+              <a:buFont typeface="Arial"/>
+              <a:buChar char="•"/>
+              <a:defRPr sz="2800" kern="1200">
+                <a:solidFill>
+                  <a:srgbClr val="0070C0"/>
+                </a:solidFill>
+                <a:latin typeface="IBM Plex Mono Text" panose="020B0509050203000203" pitchFamily="49" charset="0"/>
+                <a:ea typeface="+mn-ea"/>
+                <a:cs typeface="+mn-cs"/>
+              </a:defRPr>
+            </a:lvl1pPr>
+            <a:lvl2pPr marL="685800" indent="-228600" algn="l" defTabSz="914400" rtl="0" eaLnBrk="1" latinLnBrk="0" hangingPunct="1">
+              <a:lnSpc>
+                <a:spcPct val="90000"/>
+              </a:lnSpc>
+              <a:spcBef>
+                <a:spcPts val="500"/>
+              </a:spcBef>
+              <a:buFont typeface="Arial"/>
+              <a:buChar char="•"/>
+              <a:defRPr sz="2400" kern="1200">
+                <a:solidFill>
+                  <a:srgbClr val="0070C0"/>
+                </a:solidFill>
+                <a:latin typeface="IBM Plex Mono Text" panose="020B0509050203000203" pitchFamily="49" charset="0"/>
+                <a:ea typeface="+mn-ea"/>
+                <a:cs typeface="+mn-cs"/>
+              </a:defRPr>
+            </a:lvl2pPr>
+            <a:lvl3pPr marL="1143000" indent="-228600" algn="l" defTabSz="914400" rtl="0" eaLnBrk="1" latinLnBrk="0" hangingPunct="1">
+              <a:lnSpc>
+                <a:spcPct val="90000"/>
+              </a:lnSpc>
+              <a:spcBef>
+                <a:spcPts val="500"/>
+              </a:spcBef>
+              <a:buFont typeface="Arial"/>
+              <a:buChar char="•"/>
+              <a:defRPr sz="2000" kern="1200">
+                <a:solidFill>
+                  <a:srgbClr val="0070C0"/>
+                </a:solidFill>
+                <a:latin typeface="IBM Plex Mono Text" panose="020B0509050203000203" pitchFamily="49" charset="0"/>
+                <a:ea typeface="+mn-ea"/>
+                <a:cs typeface="+mn-cs"/>
+              </a:defRPr>
+            </a:lvl3pPr>
+            <a:lvl4pPr marL="1600200" indent="-228600" algn="l" defTabSz="914400" rtl="0" eaLnBrk="1" latinLnBrk="0" hangingPunct="1">
+              <a:lnSpc>
+                <a:spcPct val="90000"/>
+              </a:lnSpc>
+              <a:spcBef>
+                <a:spcPts val="500"/>
+              </a:spcBef>
+              <a:buFont typeface="Arial"/>
+              <a:buChar char="•"/>
+              <a:defRPr sz="1800" kern="1200">
+                <a:solidFill>
+                  <a:srgbClr val="0070C0"/>
+                </a:solidFill>
+                <a:latin typeface="IBM Plex Mono Text" panose="020B0509050203000203" pitchFamily="49" charset="0"/>
+                <a:ea typeface="+mn-ea"/>
+                <a:cs typeface="+mn-cs"/>
+              </a:defRPr>
+            </a:lvl4pPr>
+            <a:lvl5pPr marL="2057400" indent="-228600" algn="l" defTabSz="914400" rtl="0" eaLnBrk="1" latinLnBrk="0" hangingPunct="1">
+              <a:lnSpc>
+                <a:spcPct val="90000"/>
+              </a:lnSpc>
+              <a:spcBef>
+                <a:spcPts val="500"/>
+              </a:spcBef>
+              <a:buFont typeface="Arial"/>
+              <a:buChar char="•"/>
+              <a:defRPr sz="1800" kern="1200">
+                <a:solidFill>
+                  <a:srgbClr val="0070C0"/>
+                </a:solidFill>
+                <a:latin typeface="IBM Plex Mono Text" panose="020B0509050203000203" pitchFamily="49" charset="0"/>
+                <a:ea typeface="+mn-ea"/>
+                <a:cs typeface="+mn-cs"/>
+              </a:defRPr>
+            </a:lvl5pPr>
+            <a:lvl6pPr marL="2514600" indent="-228600" algn="l" defTabSz="914400" rtl="0" eaLnBrk="1" latinLnBrk="0" hangingPunct="1">
+              <a:lnSpc>
+                <a:spcPct val="90000"/>
+              </a:lnSpc>
+              <a:spcBef>
+                <a:spcPts val="500"/>
+              </a:spcBef>
+              <a:buFont typeface="Arial"/>
+              <a:buChar char="•"/>
+              <a:defRPr sz="1800" kern="1200">
+                <a:solidFill>
+                  <a:schemeClr val="tx1"/>
+                </a:solidFill>
+                <a:latin typeface="+mn-lt"/>
+                <a:ea typeface="+mn-ea"/>
+                <a:cs typeface="+mn-cs"/>
+              </a:defRPr>
+            </a:lvl6pPr>
+            <a:lvl7pPr marL="2971800" indent="-228600" algn="l" defTabSz="914400" rtl="0" eaLnBrk="1" latinLnBrk="0" hangingPunct="1">
+              <a:lnSpc>
+                <a:spcPct val="90000"/>
+              </a:lnSpc>
+              <a:spcBef>
+                <a:spcPts val="500"/>
+              </a:spcBef>
+              <a:buFont typeface="Arial"/>
+              <a:buChar char="•"/>
+              <a:defRPr sz="1800" kern="1200">
+                <a:solidFill>
+                  <a:schemeClr val="tx1"/>
+                </a:solidFill>
+                <a:latin typeface="+mn-lt"/>
+                <a:ea typeface="+mn-ea"/>
+                <a:cs typeface="+mn-cs"/>
+              </a:defRPr>
+            </a:lvl7pPr>
+            <a:lvl8pPr marL="3429000" indent="-228600" algn="l" defTabSz="914400" rtl="0" eaLnBrk="1" latinLnBrk="0" hangingPunct="1">
+              <a:lnSpc>
+                <a:spcPct val="90000"/>
+              </a:lnSpc>
+              <a:spcBef>
+                <a:spcPts val="500"/>
+              </a:spcBef>
+              <a:buFont typeface="Arial"/>
+              <a:buChar char="•"/>
+              <a:defRPr sz="1800" kern="1200">
+                <a:solidFill>
+                  <a:schemeClr val="tx1"/>
+                </a:solidFill>
+                <a:latin typeface="+mn-lt"/>
+                <a:ea typeface="+mn-ea"/>
+                <a:cs typeface="+mn-cs"/>
+              </a:defRPr>
+            </a:lvl8pPr>
+            <a:lvl9pPr marL="3886200" indent="-228600" algn="l" defTabSz="914400" rtl="0" eaLnBrk="1" latinLnBrk="0" hangingPunct="1">
+              <a:lnSpc>
+                <a:spcPct val="90000"/>
+              </a:lnSpc>
+              <a:spcBef>
+                <a:spcPts val="500"/>
+              </a:spcBef>
+              <a:buFont typeface="Arial"/>
+              <a:buChar char="•"/>
+              <a:defRPr sz="1800" kern="1200">
+                <a:solidFill>
+                  <a:schemeClr val="tx1"/>
+                </a:solidFill>
+                <a:latin typeface="+mn-lt"/>
+                <a:ea typeface="+mn-ea"/>
+                <a:cs typeface="+mn-cs"/>
+              </a:defRPr>
+            </a:lvl9pPr>
+          </a:lstStyle>
+          <a:p>
+            <a:pPr marL="0" indent="0">
+              <a:buNone/>
+            </a:pPr>
+            <a:endParaRPr lang="en-US" sz="2200" dirty="0"/>
+          </a:p>
+        </p:txBody>
+      </p:sp>
+      <p:pic>
+        <p:nvPicPr>
+          <p:cNvPr id="6" name="Picture 5">
+            <a:extLst>
+              <a:ext uri="{FF2B5EF4-FFF2-40B4-BE49-F238E27FC236}">
+                <a16:creationId xmlns:a16="http://schemas.microsoft.com/office/drawing/2014/main" id="{0D483EBD-2A0F-53AF-BBB2-E8B0653E874D}"/>
+              </a:ext>
+            </a:extLst>
+          </p:cNvPr>
+          <p:cNvPicPr>
+            <a:picLocks noChangeAspect="1"/>
+          </p:cNvPicPr>
+          <p:nvPr/>
+        </p:nvPicPr>
+        <p:blipFill rotWithShape="1">
+          <a:blip r:embed="rId3"/>
+          <a:srcRect t="10100"/>
+          <a:stretch/>
+        </p:blipFill>
+        <p:spPr>
+          <a:xfrm>
+            <a:off x="169114" y="2392879"/>
+            <a:ext cx="5746688" cy="2825496"/>
+          </a:xfrm>
+          <a:prstGeom prst="rect">
+            <a:avLst/>
+          </a:prstGeom>
+        </p:spPr>
+      </p:pic>
+      <p:pic>
+        <p:nvPicPr>
+          <p:cNvPr id="9" name="Picture 8">
+            <a:extLst>
+              <a:ext uri="{FF2B5EF4-FFF2-40B4-BE49-F238E27FC236}">
+                <a16:creationId xmlns:a16="http://schemas.microsoft.com/office/drawing/2014/main" id="{8A80A9DC-A59A-F36C-7A6E-3B6299B4985E}"/>
+              </a:ext>
+            </a:extLst>
+          </p:cNvPr>
+          <p:cNvPicPr>
+            <a:picLocks noChangeAspect="1"/>
+          </p:cNvPicPr>
+          <p:nvPr/>
+        </p:nvPicPr>
+        <p:blipFill>
+          <a:blip r:embed="rId4"/>
+          <a:srcRect/>
+          <a:stretch/>
+        </p:blipFill>
+        <p:spPr>
+          <a:xfrm>
+            <a:off x="6276200" y="2392879"/>
+            <a:ext cx="5746688" cy="2822934"/>
+          </a:xfrm>
+          <a:prstGeom prst="rect">
+            <a:avLst/>
+          </a:prstGeom>
+        </p:spPr>
+      </p:pic>
+    </p:spTree>
+    <p:extLst>
+      <p:ext uri="{BB962C8B-B14F-4D97-AF65-F5344CB8AC3E}">
+        <p14:creationId xmlns:p14="http://schemas.microsoft.com/office/powerpoint/2010/main" val="1957259874"/>
+      </p:ext>
+    </p:extLst>
+  </p:cSld>
+  <p:clrMapOvr>
+    <a:masterClrMapping/>
+  </p:clrMapOvr>
+</p:sld>
+</file>
+
+<file path=ppt/slides/slide11.xml><?xml version="1.0" encoding="utf-8"?>
+<p:sld xmlns:a="http://schemas.openxmlformats.org/drawingml/2006/main" xmlns:r="http://schemas.openxmlformats.org/officeDocument/2006/relationships" xmlns:p="http://schemas.openxmlformats.org/presentationml/2006/main">
+  <p:cSld>
+    <p:spTree>
+      <p:nvGrpSpPr>
+        <p:cNvPr id="1" name=""/>
+        <p:cNvGrpSpPr/>
+        <p:nvPr/>
+      </p:nvGrpSpPr>
+      <p:grpSpPr>
+        <a:xfrm>
+          <a:off x="0" y="0"/>
+          <a:ext cx="0" cy="0"/>
+          <a:chOff x="0" y="0"/>
+          <a:chExt cx="0" cy="0"/>
+        </a:xfrm>
+      </p:grpSpPr>
+      <p:sp>
+        <p:nvSpPr>
+          <p:cNvPr id="2" name="Title 1">
+            <a:extLst>
+              <a:ext uri="{FF2B5EF4-FFF2-40B4-BE49-F238E27FC236}">
+                <a16:creationId xmlns:a16="http://schemas.microsoft.com/office/drawing/2014/main" id="{65C3525F-7CB4-4C06-B037-C81D2DED9B80}"/>
+              </a:ext>
+            </a:extLst>
+          </p:cNvPr>
+          <p:cNvSpPr>
+            <a:spLocks noGrp="1"/>
+          </p:cNvSpPr>
+          <p:nvPr>
+            <p:ph type="title"/>
+          </p:nvPr>
+        </p:nvSpPr>
+        <p:spPr/>
+        <p:txBody>
+          <a:bodyPr>
+            <a:normAutofit/>
+          </a:bodyPr>
+          <a:lstStyle/>
+          <a:p>
+            <a:r>
+              <a:rPr lang="en-US" sz="2800" dirty="0"/>
+              <a:t>PROGRAMMING LANGUAGE TRENDS - FINDINGS &amp; IMPLICATIONS</a:t>
             </a:r>
           </a:p>
         </p:txBody>
@@ -6897,24 +8204,19 @@
           <a:p>
             <a:r>
               <a:rPr lang="en-US" dirty="0"/>
-              <a:t>Decline in </a:t>
-            </a:r>
-            <a:r>
-              <a:rPr lang="en-US" dirty="0" err="1"/>
-              <a:t>mySQL</a:t>
-            </a:r>
-            <a:endParaRPr lang="en-US" dirty="0"/>
+              <a:t>JavaScript and HTML/CSS maintain their top positions, albeit experiencing a slight decline.</a:t>
+            </a:r>
           </a:p>
           <a:p>
             <a:r>
               <a:rPr lang="en-US" dirty="0"/>
-              <a:t>Huge rise in PostgreSQL and MongoDB</a:t>
+              <a:t>Decline in Java and PHP.</a:t>
             </a:r>
           </a:p>
           <a:p>
             <a:r>
               <a:rPr lang="en-US" dirty="0"/>
-              <a:t>Slight rise in Redis</a:t>
+              <a:t>Uprising Kotlin and Go languages</a:t>
             </a:r>
           </a:p>
         </p:txBody>
@@ -6957,6 +8259,765 @@
           <a:p>
             <a:r>
               <a:rPr lang="en-US" dirty="0"/>
+              <a:t>Programmers shifting to newer languages.</a:t>
+            </a:r>
+          </a:p>
+        </p:txBody>
+      </p:sp>
+    </p:spTree>
+    <p:extLst>
+      <p:ext uri="{BB962C8B-B14F-4D97-AF65-F5344CB8AC3E}">
+        <p14:creationId xmlns:p14="http://schemas.microsoft.com/office/powerpoint/2010/main" val="545569246"/>
+      </p:ext>
+    </p:extLst>
+  </p:cSld>
+  <p:clrMapOvr>
+    <a:masterClrMapping/>
+  </p:clrMapOvr>
+</p:sld>
+</file>
+
+<file path=ppt/slides/slide12.xml><?xml version="1.0" encoding="utf-8"?>
+<p:sld xmlns:a="http://schemas.openxmlformats.org/drawingml/2006/main" xmlns:r="http://schemas.openxmlformats.org/officeDocument/2006/relationships" xmlns:p="http://schemas.openxmlformats.org/presentationml/2006/main">
+  <p:cSld>
+    <p:spTree>
+      <p:nvGrpSpPr>
+        <p:cNvPr id="1" name=""/>
+        <p:cNvGrpSpPr/>
+        <p:nvPr/>
+      </p:nvGrpSpPr>
+      <p:grpSpPr>
+        <a:xfrm>
+          <a:off x="0" y="0"/>
+          <a:ext cx="0" cy="0"/>
+          <a:chOff x="0" y="0"/>
+          <a:chExt cx="0" cy="0"/>
+        </a:xfrm>
+      </p:grpSpPr>
+      <p:sp>
+        <p:nvSpPr>
+          <p:cNvPr id="2" name="Title 1">
+            <a:extLst>
+              <a:ext uri="{FF2B5EF4-FFF2-40B4-BE49-F238E27FC236}">
+                <a16:creationId xmlns:a16="http://schemas.microsoft.com/office/drawing/2014/main" id="{65C3525F-7CB4-4C06-B037-C81D2DED9B80}"/>
+              </a:ext>
+            </a:extLst>
+          </p:cNvPr>
+          <p:cNvSpPr>
+            <a:spLocks noGrp="1"/>
+          </p:cNvSpPr>
+          <p:nvPr>
+            <p:ph type="title"/>
+          </p:nvPr>
+        </p:nvSpPr>
+        <p:spPr>
+          <a:xfrm>
+            <a:off x="862584" y="428768"/>
+            <a:ext cx="10515600" cy="1325563"/>
+          </a:xfrm>
+        </p:spPr>
+        <p:txBody>
+          <a:bodyPr/>
+          <a:lstStyle/>
+          <a:p>
+            <a:r>
+              <a:rPr lang="en-US" dirty="0"/>
+              <a:t>DATABASE TRENDS</a:t>
+            </a:r>
+          </a:p>
+        </p:txBody>
+      </p:sp>
+      <p:sp>
+        <p:nvSpPr>
+          <p:cNvPr id="3" name="Content Placeholder 2">
+            <a:extLst>
+              <a:ext uri="{FF2B5EF4-FFF2-40B4-BE49-F238E27FC236}">
+                <a16:creationId xmlns:a16="http://schemas.microsoft.com/office/drawing/2014/main" id="{E4FC0D20-FACF-4D73-BD27-CF8F6B97546A}"/>
+              </a:ext>
+            </a:extLst>
+          </p:cNvPr>
+          <p:cNvSpPr>
+            <a:spLocks noGrp="1"/>
+          </p:cNvSpPr>
+          <p:nvPr>
+            <p:ph sz="half" idx="1"/>
+          </p:nvPr>
+        </p:nvSpPr>
+        <p:spPr>
+          <a:xfrm>
+            <a:off x="813816" y="1825625"/>
+            <a:ext cx="2228642" cy="501939"/>
+          </a:xfrm>
+        </p:spPr>
+        <p:txBody>
+          <a:bodyPr/>
+          <a:lstStyle/>
+          <a:p>
+            <a:pPr marL="0" indent="0">
+              <a:buNone/>
+            </a:pPr>
+            <a:r>
+              <a:rPr lang="en-US" dirty="0"/>
+              <a:t>Current Year</a:t>
+            </a:r>
+          </a:p>
+        </p:txBody>
+      </p:sp>
+      <p:sp>
+        <p:nvSpPr>
+          <p:cNvPr id="4" name="Content Placeholder 3">
+            <a:extLst>
+              <a:ext uri="{FF2B5EF4-FFF2-40B4-BE49-F238E27FC236}">
+                <a16:creationId xmlns:a16="http://schemas.microsoft.com/office/drawing/2014/main" id="{ACA6A89D-097D-4968-A07A-39A5B4F78A62}"/>
+              </a:ext>
+            </a:extLst>
+          </p:cNvPr>
+          <p:cNvSpPr>
+            <a:spLocks noGrp="1"/>
+          </p:cNvSpPr>
+          <p:nvPr>
+            <p:ph sz="half" idx="2"/>
+          </p:nvPr>
+        </p:nvSpPr>
+        <p:spPr>
+          <a:xfrm>
+            <a:off x="6172200" y="1825625"/>
+            <a:ext cx="1758142" cy="501939"/>
+          </a:xfrm>
+        </p:spPr>
+        <p:txBody>
+          <a:bodyPr/>
+          <a:lstStyle/>
+          <a:p>
+            <a:pPr marL="0" indent="0">
+              <a:buNone/>
+            </a:pPr>
+            <a:r>
+              <a:rPr lang="en-US" dirty="0"/>
+              <a:t>Next Year</a:t>
+            </a:r>
+          </a:p>
+        </p:txBody>
+      </p:sp>
+      <p:sp>
+        <p:nvSpPr>
+          <p:cNvPr id="8" name="Content Placeholder 2">
+            <a:extLst>
+              <a:ext uri="{FF2B5EF4-FFF2-40B4-BE49-F238E27FC236}">
+                <a16:creationId xmlns:a16="http://schemas.microsoft.com/office/drawing/2014/main" id="{D13C2F43-A283-4FD4-9C0D-BFF93C50AC01}"/>
+              </a:ext>
+            </a:extLst>
+          </p:cNvPr>
+          <p:cNvSpPr txBox="1">
+            <a:spLocks/>
+          </p:cNvSpPr>
+          <p:nvPr/>
+        </p:nvSpPr>
+        <p:spPr>
+          <a:xfrm>
+            <a:off x="838199" y="2506661"/>
+            <a:ext cx="4614949" cy="3670301"/>
+          </a:xfrm>
+          <a:prstGeom prst="rect">
+            <a:avLst/>
+          </a:prstGeom>
+        </p:spPr>
+        <p:txBody>
+          <a:bodyPr vert="horz" lIns="91440" tIns="45720" rIns="91440" bIns="45720" rtlCol="0">
+            <a:normAutofit/>
+          </a:bodyPr>
+          <a:lstStyle>
+            <a:lvl1pPr marL="228600" indent="-228600" algn="l" defTabSz="914400" rtl="0" eaLnBrk="1" latinLnBrk="0" hangingPunct="1">
+              <a:lnSpc>
+                <a:spcPct val="90000"/>
+              </a:lnSpc>
+              <a:spcBef>
+                <a:spcPts val="1000"/>
+              </a:spcBef>
+              <a:buFont typeface="Arial"/>
+              <a:buChar char="•"/>
+              <a:defRPr sz="2800" kern="1200">
+                <a:solidFill>
+                  <a:srgbClr val="0070C0"/>
+                </a:solidFill>
+                <a:latin typeface="IBM Plex Mono Text" panose="020B0509050203000203" pitchFamily="49" charset="0"/>
+                <a:ea typeface="+mn-ea"/>
+                <a:cs typeface="+mn-cs"/>
+              </a:defRPr>
+            </a:lvl1pPr>
+            <a:lvl2pPr marL="685800" indent="-228600" algn="l" defTabSz="914400" rtl="0" eaLnBrk="1" latinLnBrk="0" hangingPunct="1">
+              <a:lnSpc>
+                <a:spcPct val="90000"/>
+              </a:lnSpc>
+              <a:spcBef>
+                <a:spcPts val="500"/>
+              </a:spcBef>
+              <a:buFont typeface="Arial"/>
+              <a:buChar char="•"/>
+              <a:defRPr sz="2400" kern="1200">
+                <a:solidFill>
+                  <a:srgbClr val="0070C0"/>
+                </a:solidFill>
+                <a:latin typeface="IBM Plex Mono Text" panose="020B0509050203000203" pitchFamily="49" charset="0"/>
+                <a:ea typeface="+mn-ea"/>
+                <a:cs typeface="+mn-cs"/>
+              </a:defRPr>
+            </a:lvl2pPr>
+            <a:lvl3pPr marL="1143000" indent="-228600" algn="l" defTabSz="914400" rtl="0" eaLnBrk="1" latinLnBrk="0" hangingPunct="1">
+              <a:lnSpc>
+                <a:spcPct val="90000"/>
+              </a:lnSpc>
+              <a:spcBef>
+                <a:spcPts val="500"/>
+              </a:spcBef>
+              <a:buFont typeface="Arial"/>
+              <a:buChar char="•"/>
+              <a:defRPr sz="2000" kern="1200">
+                <a:solidFill>
+                  <a:srgbClr val="0070C0"/>
+                </a:solidFill>
+                <a:latin typeface="IBM Plex Mono Text" panose="020B0509050203000203" pitchFamily="49" charset="0"/>
+                <a:ea typeface="+mn-ea"/>
+                <a:cs typeface="+mn-cs"/>
+              </a:defRPr>
+            </a:lvl3pPr>
+            <a:lvl4pPr marL="1600200" indent="-228600" algn="l" defTabSz="914400" rtl="0" eaLnBrk="1" latinLnBrk="0" hangingPunct="1">
+              <a:lnSpc>
+                <a:spcPct val="90000"/>
+              </a:lnSpc>
+              <a:spcBef>
+                <a:spcPts val="500"/>
+              </a:spcBef>
+              <a:buFont typeface="Arial"/>
+              <a:buChar char="•"/>
+              <a:defRPr sz="1800" kern="1200">
+                <a:solidFill>
+                  <a:srgbClr val="0070C0"/>
+                </a:solidFill>
+                <a:latin typeface="IBM Plex Mono Text" panose="020B0509050203000203" pitchFamily="49" charset="0"/>
+                <a:ea typeface="+mn-ea"/>
+                <a:cs typeface="+mn-cs"/>
+              </a:defRPr>
+            </a:lvl4pPr>
+            <a:lvl5pPr marL="2057400" indent="-228600" algn="l" defTabSz="914400" rtl="0" eaLnBrk="1" latinLnBrk="0" hangingPunct="1">
+              <a:lnSpc>
+                <a:spcPct val="90000"/>
+              </a:lnSpc>
+              <a:spcBef>
+                <a:spcPts val="500"/>
+              </a:spcBef>
+              <a:buFont typeface="Arial"/>
+              <a:buChar char="•"/>
+              <a:defRPr sz="1800" kern="1200">
+                <a:solidFill>
+                  <a:srgbClr val="0070C0"/>
+                </a:solidFill>
+                <a:latin typeface="IBM Plex Mono Text" panose="020B0509050203000203" pitchFamily="49" charset="0"/>
+                <a:ea typeface="+mn-ea"/>
+                <a:cs typeface="+mn-cs"/>
+              </a:defRPr>
+            </a:lvl5pPr>
+            <a:lvl6pPr marL="2514600" indent="-228600" algn="l" defTabSz="914400" rtl="0" eaLnBrk="1" latinLnBrk="0" hangingPunct="1">
+              <a:lnSpc>
+                <a:spcPct val="90000"/>
+              </a:lnSpc>
+              <a:spcBef>
+                <a:spcPts val="500"/>
+              </a:spcBef>
+              <a:buFont typeface="Arial"/>
+              <a:buChar char="•"/>
+              <a:defRPr sz="1800" kern="1200">
+                <a:solidFill>
+                  <a:schemeClr val="tx1"/>
+                </a:solidFill>
+                <a:latin typeface="+mn-lt"/>
+                <a:ea typeface="+mn-ea"/>
+                <a:cs typeface="+mn-cs"/>
+              </a:defRPr>
+            </a:lvl6pPr>
+            <a:lvl7pPr marL="2971800" indent="-228600" algn="l" defTabSz="914400" rtl="0" eaLnBrk="1" latinLnBrk="0" hangingPunct="1">
+              <a:lnSpc>
+                <a:spcPct val="90000"/>
+              </a:lnSpc>
+              <a:spcBef>
+                <a:spcPts val="500"/>
+              </a:spcBef>
+              <a:buFont typeface="Arial"/>
+              <a:buChar char="•"/>
+              <a:defRPr sz="1800" kern="1200">
+                <a:solidFill>
+                  <a:schemeClr val="tx1"/>
+                </a:solidFill>
+                <a:latin typeface="+mn-lt"/>
+                <a:ea typeface="+mn-ea"/>
+                <a:cs typeface="+mn-cs"/>
+              </a:defRPr>
+            </a:lvl7pPr>
+            <a:lvl8pPr marL="3429000" indent="-228600" algn="l" defTabSz="914400" rtl="0" eaLnBrk="1" latinLnBrk="0" hangingPunct="1">
+              <a:lnSpc>
+                <a:spcPct val="90000"/>
+              </a:lnSpc>
+              <a:spcBef>
+                <a:spcPts val="500"/>
+              </a:spcBef>
+              <a:buFont typeface="Arial"/>
+              <a:buChar char="•"/>
+              <a:defRPr sz="1800" kern="1200">
+                <a:solidFill>
+                  <a:schemeClr val="tx1"/>
+                </a:solidFill>
+                <a:latin typeface="+mn-lt"/>
+                <a:ea typeface="+mn-ea"/>
+                <a:cs typeface="+mn-cs"/>
+              </a:defRPr>
+            </a:lvl8pPr>
+            <a:lvl9pPr marL="3886200" indent="-228600" algn="l" defTabSz="914400" rtl="0" eaLnBrk="1" latinLnBrk="0" hangingPunct="1">
+              <a:lnSpc>
+                <a:spcPct val="90000"/>
+              </a:lnSpc>
+              <a:spcBef>
+                <a:spcPts val="500"/>
+              </a:spcBef>
+              <a:buFont typeface="Arial"/>
+              <a:buChar char="•"/>
+              <a:defRPr sz="1800" kern="1200">
+                <a:solidFill>
+                  <a:schemeClr val="tx1"/>
+                </a:solidFill>
+                <a:latin typeface="+mn-lt"/>
+                <a:ea typeface="+mn-ea"/>
+                <a:cs typeface="+mn-cs"/>
+              </a:defRPr>
+            </a:lvl9pPr>
+          </a:lstStyle>
+          <a:p>
+            <a:pPr marL="0" indent="0">
+              <a:buNone/>
+            </a:pPr>
+            <a:endParaRPr lang="en-US" sz="2200" dirty="0"/>
+          </a:p>
+        </p:txBody>
+      </p:sp>
+      <p:sp>
+        <p:nvSpPr>
+          <p:cNvPr id="10" name="Content Placeholder 2">
+            <a:extLst>
+              <a:ext uri="{FF2B5EF4-FFF2-40B4-BE49-F238E27FC236}">
+                <a16:creationId xmlns:a16="http://schemas.microsoft.com/office/drawing/2014/main" id="{AE706D50-7D14-4DB8-BE17-5497AA1715EE}"/>
+              </a:ext>
+            </a:extLst>
+          </p:cNvPr>
+          <p:cNvSpPr txBox="1">
+            <a:spLocks/>
+          </p:cNvSpPr>
+          <p:nvPr/>
+        </p:nvSpPr>
+        <p:spPr>
+          <a:xfrm>
+            <a:off x="6172200" y="2506661"/>
+            <a:ext cx="4614949" cy="3670301"/>
+          </a:xfrm>
+          <a:prstGeom prst="rect">
+            <a:avLst/>
+          </a:prstGeom>
+        </p:spPr>
+        <p:txBody>
+          <a:bodyPr vert="horz" lIns="91440" tIns="45720" rIns="91440" bIns="45720" rtlCol="0">
+            <a:normAutofit/>
+          </a:bodyPr>
+          <a:lstStyle>
+            <a:lvl1pPr marL="228600" indent="-228600" algn="l" defTabSz="914400" rtl="0" eaLnBrk="1" latinLnBrk="0" hangingPunct="1">
+              <a:lnSpc>
+                <a:spcPct val="90000"/>
+              </a:lnSpc>
+              <a:spcBef>
+                <a:spcPts val="1000"/>
+              </a:spcBef>
+              <a:buFont typeface="Arial"/>
+              <a:buChar char="•"/>
+              <a:defRPr sz="2800" kern="1200">
+                <a:solidFill>
+                  <a:srgbClr val="0070C0"/>
+                </a:solidFill>
+                <a:latin typeface="IBM Plex Mono Text" panose="020B0509050203000203" pitchFamily="49" charset="0"/>
+                <a:ea typeface="+mn-ea"/>
+                <a:cs typeface="+mn-cs"/>
+              </a:defRPr>
+            </a:lvl1pPr>
+            <a:lvl2pPr marL="685800" indent="-228600" algn="l" defTabSz="914400" rtl="0" eaLnBrk="1" latinLnBrk="0" hangingPunct="1">
+              <a:lnSpc>
+                <a:spcPct val="90000"/>
+              </a:lnSpc>
+              <a:spcBef>
+                <a:spcPts val="500"/>
+              </a:spcBef>
+              <a:buFont typeface="Arial"/>
+              <a:buChar char="•"/>
+              <a:defRPr sz="2400" kern="1200">
+                <a:solidFill>
+                  <a:srgbClr val="0070C0"/>
+                </a:solidFill>
+                <a:latin typeface="IBM Plex Mono Text" panose="020B0509050203000203" pitchFamily="49" charset="0"/>
+                <a:ea typeface="+mn-ea"/>
+                <a:cs typeface="+mn-cs"/>
+              </a:defRPr>
+            </a:lvl2pPr>
+            <a:lvl3pPr marL="1143000" indent="-228600" algn="l" defTabSz="914400" rtl="0" eaLnBrk="1" latinLnBrk="0" hangingPunct="1">
+              <a:lnSpc>
+                <a:spcPct val="90000"/>
+              </a:lnSpc>
+              <a:spcBef>
+                <a:spcPts val="500"/>
+              </a:spcBef>
+              <a:buFont typeface="Arial"/>
+              <a:buChar char="•"/>
+              <a:defRPr sz="2000" kern="1200">
+                <a:solidFill>
+                  <a:srgbClr val="0070C0"/>
+                </a:solidFill>
+                <a:latin typeface="IBM Plex Mono Text" panose="020B0509050203000203" pitchFamily="49" charset="0"/>
+                <a:ea typeface="+mn-ea"/>
+                <a:cs typeface="+mn-cs"/>
+              </a:defRPr>
+            </a:lvl3pPr>
+            <a:lvl4pPr marL="1600200" indent="-228600" algn="l" defTabSz="914400" rtl="0" eaLnBrk="1" latinLnBrk="0" hangingPunct="1">
+              <a:lnSpc>
+                <a:spcPct val="90000"/>
+              </a:lnSpc>
+              <a:spcBef>
+                <a:spcPts val="500"/>
+              </a:spcBef>
+              <a:buFont typeface="Arial"/>
+              <a:buChar char="•"/>
+              <a:defRPr sz="1800" kern="1200">
+                <a:solidFill>
+                  <a:srgbClr val="0070C0"/>
+                </a:solidFill>
+                <a:latin typeface="IBM Plex Mono Text" panose="020B0509050203000203" pitchFamily="49" charset="0"/>
+                <a:ea typeface="+mn-ea"/>
+                <a:cs typeface="+mn-cs"/>
+              </a:defRPr>
+            </a:lvl4pPr>
+            <a:lvl5pPr marL="2057400" indent="-228600" algn="l" defTabSz="914400" rtl="0" eaLnBrk="1" latinLnBrk="0" hangingPunct="1">
+              <a:lnSpc>
+                <a:spcPct val="90000"/>
+              </a:lnSpc>
+              <a:spcBef>
+                <a:spcPts val="500"/>
+              </a:spcBef>
+              <a:buFont typeface="Arial"/>
+              <a:buChar char="•"/>
+              <a:defRPr sz="1800" kern="1200">
+                <a:solidFill>
+                  <a:srgbClr val="0070C0"/>
+                </a:solidFill>
+                <a:latin typeface="IBM Plex Mono Text" panose="020B0509050203000203" pitchFamily="49" charset="0"/>
+                <a:ea typeface="+mn-ea"/>
+                <a:cs typeface="+mn-cs"/>
+              </a:defRPr>
+            </a:lvl5pPr>
+            <a:lvl6pPr marL="2514600" indent="-228600" algn="l" defTabSz="914400" rtl="0" eaLnBrk="1" latinLnBrk="0" hangingPunct="1">
+              <a:lnSpc>
+                <a:spcPct val="90000"/>
+              </a:lnSpc>
+              <a:spcBef>
+                <a:spcPts val="500"/>
+              </a:spcBef>
+              <a:buFont typeface="Arial"/>
+              <a:buChar char="•"/>
+              <a:defRPr sz="1800" kern="1200">
+                <a:solidFill>
+                  <a:schemeClr val="tx1"/>
+                </a:solidFill>
+                <a:latin typeface="+mn-lt"/>
+                <a:ea typeface="+mn-ea"/>
+                <a:cs typeface="+mn-cs"/>
+              </a:defRPr>
+            </a:lvl6pPr>
+            <a:lvl7pPr marL="2971800" indent="-228600" algn="l" defTabSz="914400" rtl="0" eaLnBrk="1" latinLnBrk="0" hangingPunct="1">
+              <a:lnSpc>
+                <a:spcPct val="90000"/>
+              </a:lnSpc>
+              <a:spcBef>
+                <a:spcPts val="500"/>
+              </a:spcBef>
+              <a:buFont typeface="Arial"/>
+              <a:buChar char="•"/>
+              <a:defRPr sz="1800" kern="1200">
+                <a:solidFill>
+                  <a:schemeClr val="tx1"/>
+                </a:solidFill>
+                <a:latin typeface="+mn-lt"/>
+                <a:ea typeface="+mn-ea"/>
+                <a:cs typeface="+mn-cs"/>
+              </a:defRPr>
+            </a:lvl7pPr>
+            <a:lvl8pPr marL="3429000" indent="-228600" algn="l" defTabSz="914400" rtl="0" eaLnBrk="1" latinLnBrk="0" hangingPunct="1">
+              <a:lnSpc>
+                <a:spcPct val="90000"/>
+              </a:lnSpc>
+              <a:spcBef>
+                <a:spcPts val="500"/>
+              </a:spcBef>
+              <a:buFont typeface="Arial"/>
+              <a:buChar char="•"/>
+              <a:defRPr sz="1800" kern="1200">
+                <a:solidFill>
+                  <a:schemeClr val="tx1"/>
+                </a:solidFill>
+                <a:latin typeface="+mn-lt"/>
+                <a:ea typeface="+mn-ea"/>
+                <a:cs typeface="+mn-cs"/>
+              </a:defRPr>
+            </a:lvl8pPr>
+            <a:lvl9pPr marL="3886200" indent="-228600" algn="l" defTabSz="914400" rtl="0" eaLnBrk="1" latinLnBrk="0" hangingPunct="1">
+              <a:lnSpc>
+                <a:spcPct val="90000"/>
+              </a:lnSpc>
+              <a:spcBef>
+                <a:spcPts val="500"/>
+              </a:spcBef>
+              <a:buFont typeface="Arial"/>
+              <a:buChar char="•"/>
+              <a:defRPr sz="1800" kern="1200">
+                <a:solidFill>
+                  <a:schemeClr val="tx1"/>
+                </a:solidFill>
+                <a:latin typeface="+mn-lt"/>
+                <a:ea typeface="+mn-ea"/>
+                <a:cs typeface="+mn-cs"/>
+              </a:defRPr>
+            </a:lvl9pPr>
+          </a:lstStyle>
+          <a:p>
+            <a:pPr marL="0" indent="0">
+              <a:buNone/>
+            </a:pPr>
+            <a:endParaRPr lang="en-US" sz="2200" dirty="0"/>
+          </a:p>
+        </p:txBody>
+      </p:sp>
+      <p:pic>
+        <p:nvPicPr>
+          <p:cNvPr id="6" name="Picture 5">
+            <a:extLst>
+              <a:ext uri="{FF2B5EF4-FFF2-40B4-BE49-F238E27FC236}">
+                <a16:creationId xmlns:a16="http://schemas.microsoft.com/office/drawing/2014/main" id="{2C1C6E2F-C00E-15B7-2444-B06CCB24E7EF}"/>
+              </a:ext>
+            </a:extLst>
+          </p:cNvPr>
+          <p:cNvPicPr>
+            <a:picLocks noChangeAspect="1"/>
+          </p:cNvPicPr>
+          <p:nvPr/>
+        </p:nvPicPr>
+        <p:blipFill>
+          <a:blip r:embed="rId2"/>
+          <a:srcRect/>
+          <a:stretch/>
+        </p:blipFill>
+        <p:spPr>
+          <a:xfrm>
+            <a:off x="166670" y="2640258"/>
+            <a:ext cx="5751576" cy="2793045"/>
+          </a:xfrm>
+          <a:prstGeom prst="rect">
+            <a:avLst/>
+          </a:prstGeom>
+        </p:spPr>
+      </p:pic>
+      <p:pic>
+        <p:nvPicPr>
+          <p:cNvPr id="9" name="Picture 8">
+            <a:extLst>
+              <a:ext uri="{FF2B5EF4-FFF2-40B4-BE49-F238E27FC236}">
+                <a16:creationId xmlns:a16="http://schemas.microsoft.com/office/drawing/2014/main" id="{E6023419-3A89-24DE-7337-028123472FF1}"/>
+              </a:ext>
+            </a:extLst>
+          </p:cNvPr>
+          <p:cNvPicPr>
+            <a:picLocks/>
+          </p:cNvPicPr>
+          <p:nvPr/>
+        </p:nvPicPr>
+        <p:blipFill>
+          <a:blip r:embed="rId3"/>
+          <a:srcRect/>
+          <a:stretch/>
+        </p:blipFill>
+        <p:spPr>
+          <a:xfrm>
+            <a:off x="5918246" y="2506661"/>
+            <a:ext cx="5751576" cy="2816352"/>
+          </a:xfrm>
+          <a:prstGeom prst="rect">
+            <a:avLst/>
+          </a:prstGeom>
+        </p:spPr>
+      </p:pic>
+    </p:spTree>
+    <p:extLst>
+      <p:ext uri="{BB962C8B-B14F-4D97-AF65-F5344CB8AC3E}">
+        <p14:creationId xmlns:p14="http://schemas.microsoft.com/office/powerpoint/2010/main" val="1074638838"/>
+      </p:ext>
+    </p:extLst>
+  </p:cSld>
+  <p:clrMapOvr>
+    <a:masterClrMapping/>
+  </p:clrMapOvr>
+</p:sld>
+</file>
+
+<file path=ppt/slides/slide13.xml><?xml version="1.0" encoding="utf-8"?>
+<p:sld xmlns:a="http://schemas.openxmlformats.org/drawingml/2006/main" xmlns:r="http://schemas.openxmlformats.org/officeDocument/2006/relationships" xmlns:p="http://schemas.openxmlformats.org/presentationml/2006/main">
+  <p:cSld>
+    <p:spTree>
+      <p:nvGrpSpPr>
+        <p:cNvPr id="1" name=""/>
+        <p:cNvGrpSpPr/>
+        <p:nvPr/>
+      </p:nvGrpSpPr>
+      <p:grpSpPr>
+        <a:xfrm>
+          <a:off x="0" y="0"/>
+          <a:ext cx="0" cy="0"/>
+          <a:chOff x="0" y="0"/>
+          <a:chExt cx="0" cy="0"/>
+        </a:xfrm>
+      </p:grpSpPr>
+      <p:sp>
+        <p:nvSpPr>
+          <p:cNvPr id="2" name="Title 1">
+            <a:extLst>
+              <a:ext uri="{FF2B5EF4-FFF2-40B4-BE49-F238E27FC236}">
+                <a16:creationId xmlns:a16="http://schemas.microsoft.com/office/drawing/2014/main" id="{65C3525F-7CB4-4C06-B037-C81D2DED9B80}"/>
+              </a:ext>
+            </a:extLst>
+          </p:cNvPr>
+          <p:cNvSpPr>
+            <a:spLocks noGrp="1"/>
+          </p:cNvSpPr>
+          <p:nvPr>
+            <p:ph type="title"/>
+          </p:nvPr>
+        </p:nvSpPr>
+        <p:spPr/>
+        <p:txBody>
+          <a:bodyPr>
+            <a:normAutofit/>
+          </a:bodyPr>
+          <a:lstStyle/>
+          <a:p>
+            <a:r>
+              <a:rPr lang="en-US" sz="2800" dirty="0"/>
+              <a:t>DATABASE TRENDS - FINDINGS &amp; IMPLICATIONS</a:t>
+            </a:r>
+          </a:p>
+        </p:txBody>
+      </p:sp>
+      <p:sp>
+        <p:nvSpPr>
+          <p:cNvPr id="3" name="Content Placeholder 2">
+            <a:extLst>
+              <a:ext uri="{FF2B5EF4-FFF2-40B4-BE49-F238E27FC236}">
+                <a16:creationId xmlns:a16="http://schemas.microsoft.com/office/drawing/2014/main" id="{E4FC0D20-FACF-4D73-BD27-CF8F6B97546A}"/>
+              </a:ext>
+            </a:extLst>
+          </p:cNvPr>
+          <p:cNvSpPr>
+            <a:spLocks noGrp="1"/>
+          </p:cNvSpPr>
+          <p:nvPr>
+            <p:ph sz="half" idx="1"/>
+          </p:nvPr>
+        </p:nvSpPr>
+        <p:spPr>
+          <a:xfrm>
+            <a:off x="813816" y="1825625"/>
+            <a:ext cx="5181600" cy="4351338"/>
+          </a:xfrm>
+        </p:spPr>
+        <p:txBody>
+          <a:bodyPr/>
+          <a:lstStyle/>
+          <a:p>
+            <a:pPr marL="0" indent="0">
+              <a:buNone/>
+            </a:pPr>
+            <a:r>
+              <a:rPr lang="en-US" dirty="0"/>
+              <a:t>Findings</a:t>
+            </a:r>
+          </a:p>
+          <a:p>
+            <a:pPr marL="0" indent="0">
+              <a:buNone/>
+            </a:pPr>
+            <a:endParaRPr lang="en-US" dirty="0"/>
+          </a:p>
+          <a:p>
+            <a:r>
+              <a:rPr lang="en-US" dirty="0"/>
+              <a:t>Decline in </a:t>
+            </a:r>
+            <a:r>
+              <a:rPr lang="en-US" dirty="0" err="1"/>
+              <a:t>mySQL</a:t>
+            </a:r>
+            <a:endParaRPr lang="en-US" dirty="0"/>
+          </a:p>
+          <a:p>
+            <a:r>
+              <a:rPr lang="en-US" dirty="0"/>
+              <a:t>Huge rise in PostgreSQL and MongoDB</a:t>
+            </a:r>
+          </a:p>
+          <a:p>
+            <a:r>
+              <a:rPr lang="en-US" dirty="0"/>
+              <a:t>Slight rise in Redis</a:t>
+            </a:r>
+          </a:p>
+        </p:txBody>
+      </p:sp>
+      <p:sp>
+        <p:nvSpPr>
+          <p:cNvPr id="4" name="Content Placeholder 3">
+            <a:extLst>
+              <a:ext uri="{FF2B5EF4-FFF2-40B4-BE49-F238E27FC236}">
+                <a16:creationId xmlns:a16="http://schemas.microsoft.com/office/drawing/2014/main" id="{ACA6A89D-097D-4968-A07A-39A5B4F78A62}"/>
+              </a:ext>
+            </a:extLst>
+          </p:cNvPr>
+          <p:cNvSpPr>
+            <a:spLocks noGrp="1"/>
+          </p:cNvSpPr>
+          <p:nvPr>
+            <p:ph sz="half" idx="2"/>
+          </p:nvPr>
+        </p:nvSpPr>
+        <p:spPr/>
+        <p:txBody>
+          <a:bodyPr/>
+          <a:lstStyle/>
+          <a:p>
+            <a:pPr marL="0" indent="0">
+              <a:buNone/>
+            </a:pPr>
+            <a:r>
+              <a:rPr lang="en-US" dirty="0"/>
+              <a:t>Implications</a:t>
+            </a:r>
+          </a:p>
+          <a:p>
+            <a:pPr marL="0" indent="0">
+              <a:buNone/>
+            </a:pPr>
+            <a:endParaRPr lang="en-US" dirty="0"/>
+          </a:p>
+          <a:p>
+            <a:r>
+              <a:rPr lang="en-US" dirty="0"/>
               <a:t>Databases trend shift.</a:t>
             </a:r>
           </a:p>
@@ -6981,7 +9042,7 @@
 </p:sld>
 </file>
 
-<file path=ppt/slides/slide11.xml><?xml version="1.0" encoding="utf-8"?>
+<file path=ppt/slides/slide14.xml><?xml version="1.0" encoding="utf-8"?>
 <p:sld xmlns:a="http://schemas.openxmlformats.org/drawingml/2006/main" xmlns:r="http://schemas.openxmlformats.org/officeDocument/2006/relationships" xmlns:p="http://schemas.openxmlformats.org/presentationml/2006/main">
   <p:cSld>
     <p:spTree>
@@ -7066,7 +9127,7 @@
             </a:pPr>
             <a:r>
               <a:rPr lang="en-US" sz="2200" dirty="0"/>
-              <a:t>https://drive.google.com/file/d/1Z75XlH2adF4QDrmnHR7lVjKNGol4vh27/view?usp=sharing</a:t>
+              <a:t>https://drive.google.com/file/d/1zMRfTnJHQ3IcZ7Eh2bQGuUkyWBNKId7L/view?usp=sharing</a:t>
             </a:r>
           </a:p>
         </p:txBody>
@@ -7105,374 +9166,6 @@
     <p:extLst>
       <p:ext uri="{BB962C8B-B14F-4D97-AF65-F5344CB8AC3E}">
         <p14:creationId xmlns:p14="http://schemas.microsoft.com/office/powerpoint/2010/main" val="9691683"/>
-      </p:ext>
-    </p:extLst>
-  </p:cSld>
-  <p:clrMapOvr>
-    <a:masterClrMapping/>
-  </p:clrMapOvr>
-</p:sld>
-</file>
-
-<file path=ppt/slides/slide12.xml><?xml version="1.0" encoding="utf-8"?>
-<p:sld xmlns:a="http://schemas.openxmlformats.org/drawingml/2006/main" xmlns:r="http://schemas.openxmlformats.org/officeDocument/2006/relationships" xmlns:p="http://schemas.openxmlformats.org/presentationml/2006/main">
-  <p:cSld>
-    <p:spTree>
-      <p:nvGrpSpPr>
-        <p:cNvPr id="1" name=""/>
-        <p:cNvGrpSpPr/>
-        <p:nvPr/>
-      </p:nvGrpSpPr>
-      <p:grpSpPr>
-        <a:xfrm>
-          <a:off x="0" y="0"/>
-          <a:ext cx="0" cy="0"/>
-          <a:chOff x="0" y="0"/>
-          <a:chExt cx="0" cy="0"/>
-        </a:xfrm>
-      </p:grpSpPr>
-      <p:sp>
-        <p:nvSpPr>
-          <p:cNvPr id="2" name="Title 1">
-            <a:extLst>
-              <a:ext uri="{FF2B5EF4-FFF2-40B4-BE49-F238E27FC236}">
-                <a16:creationId xmlns:a16="http://schemas.microsoft.com/office/drawing/2014/main" id="{2873BEC0-94F5-4226-A9E7-51B66045EF49}"/>
-              </a:ext>
-            </a:extLst>
-          </p:cNvPr>
-          <p:cNvSpPr>
-            <a:spLocks noGrp="1"/>
-          </p:cNvSpPr>
-          <p:nvPr>
-            <p:ph type="title"/>
-          </p:nvPr>
-        </p:nvSpPr>
-        <p:spPr>
-          <a:xfrm>
-            <a:off x="838200" y="365125"/>
-            <a:ext cx="10515600" cy="1325563"/>
-          </a:xfrm>
-        </p:spPr>
-        <p:txBody>
-          <a:bodyPr anchor="ctr">
-            <a:normAutofit/>
-          </a:bodyPr>
-          <a:lstStyle/>
-          <a:p>
-            <a:r>
-              <a:rPr lang="en-US" dirty="0"/>
-              <a:t>DASHBOARD</a:t>
-            </a:r>
-          </a:p>
-        </p:txBody>
-      </p:sp>
-      <p:pic>
-        <p:nvPicPr>
-          <p:cNvPr id="6" name="Content Placeholder 5">
-            <a:extLst>
-              <a:ext uri="{FF2B5EF4-FFF2-40B4-BE49-F238E27FC236}">
-                <a16:creationId xmlns:a16="http://schemas.microsoft.com/office/drawing/2014/main" id="{D0F88F31-F342-C08B-0F21-FD46917C2D98}"/>
-              </a:ext>
-            </a:extLst>
-          </p:cNvPr>
-          <p:cNvPicPr>
-            <a:picLocks noGrp="1" noChangeAspect="1"/>
-          </p:cNvPicPr>
-          <p:nvPr>
-            <p:ph idx="1"/>
-          </p:nvPr>
-        </p:nvPicPr>
-        <p:blipFill>
-          <a:blip r:embed="rId2"/>
-          <a:srcRect/>
-          <a:stretch/>
-        </p:blipFill>
-        <p:spPr>
-          <a:xfrm>
-            <a:off x="1392411" y="1530855"/>
-            <a:ext cx="9407177" cy="4784778"/>
-          </a:xfrm>
-        </p:spPr>
-      </p:pic>
-    </p:spTree>
-    <p:extLst>
-      <p:ext uri="{BB962C8B-B14F-4D97-AF65-F5344CB8AC3E}">
-        <p14:creationId xmlns:p14="http://schemas.microsoft.com/office/powerpoint/2010/main" val="916853615"/>
-      </p:ext>
-    </p:extLst>
-  </p:cSld>
-  <p:clrMapOvr>
-    <a:masterClrMapping/>
-  </p:clrMapOvr>
-</p:sld>
-</file>
-
-<file path=ppt/slides/slide13.xml><?xml version="1.0" encoding="utf-8"?>
-<p:sld xmlns:a="http://schemas.openxmlformats.org/drawingml/2006/main" xmlns:r="http://schemas.openxmlformats.org/officeDocument/2006/relationships" xmlns:p="http://schemas.openxmlformats.org/presentationml/2006/main">
-  <p:cSld>
-    <p:spTree>
-      <p:nvGrpSpPr>
-        <p:cNvPr id="1" name=""/>
-        <p:cNvGrpSpPr/>
-        <p:nvPr/>
-      </p:nvGrpSpPr>
-      <p:grpSpPr>
-        <a:xfrm>
-          <a:off x="0" y="0"/>
-          <a:ext cx="0" cy="0"/>
-          <a:chOff x="0" y="0"/>
-          <a:chExt cx="0" cy="0"/>
-        </a:xfrm>
-      </p:grpSpPr>
-      <p:sp>
-        <p:nvSpPr>
-          <p:cNvPr id="2" name="Title 1">
-            <a:extLst>
-              <a:ext uri="{FF2B5EF4-FFF2-40B4-BE49-F238E27FC236}">
-                <a16:creationId xmlns:a16="http://schemas.microsoft.com/office/drawing/2014/main" id="{2873BEC0-94F5-4226-A9E7-51B66045EF49}"/>
-              </a:ext>
-            </a:extLst>
-          </p:cNvPr>
-          <p:cNvSpPr>
-            <a:spLocks noGrp="1"/>
-          </p:cNvSpPr>
-          <p:nvPr>
-            <p:ph type="title"/>
-          </p:nvPr>
-        </p:nvSpPr>
-        <p:spPr>
-          <a:xfrm>
-            <a:off x="838200" y="365125"/>
-            <a:ext cx="10515600" cy="1325563"/>
-          </a:xfrm>
-        </p:spPr>
-        <p:txBody>
-          <a:bodyPr anchor="ctr">
-            <a:normAutofit/>
-          </a:bodyPr>
-          <a:lstStyle/>
-          <a:p>
-            <a:r>
-              <a:rPr lang="en-US" dirty="0"/>
-              <a:t>DISCUSSION</a:t>
-            </a:r>
-          </a:p>
-        </p:txBody>
-      </p:sp>
-      <p:pic>
-        <p:nvPicPr>
-          <p:cNvPr id="3" name="Content Placeholder 2">
-            <a:extLst>
-              <a:ext uri="{FF2B5EF4-FFF2-40B4-BE49-F238E27FC236}">
-                <a16:creationId xmlns:a16="http://schemas.microsoft.com/office/drawing/2014/main" id="{22E5FA6B-CA5C-4FB5-AAB3-8260D2EF86C9}"/>
-              </a:ext>
-            </a:extLst>
-          </p:cNvPr>
-          <p:cNvPicPr>
-            <a:picLocks noGrp="1" noChangeAspect="1"/>
-          </p:cNvPicPr>
-          <p:nvPr>
-            <p:ph sz="half" idx="1"/>
-          </p:nvPr>
-        </p:nvPicPr>
-        <p:blipFill>
-          <a:blip r:embed="rId2"/>
-          <a:stretch>
-            <a:fillRect/>
-          </a:stretch>
-        </p:blipFill>
-        <p:spPr>
-          <a:xfrm>
-            <a:off x="1253331" y="1825625"/>
-            <a:ext cx="4351338" cy="4351338"/>
-          </a:xfrm>
-          <a:prstGeom prst="rect">
-            <a:avLst/>
-          </a:prstGeom>
-          <a:noFill/>
-        </p:spPr>
-      </p:pic>
-    </p:spTree>
-    <p:extLst>
-      <p:ext uri="{BB962C8B-B14F-4D97-AF65-F5344CB8AC3E}">
-        <p14:creationId xmlns:p14="http://schemas.microsoft.com/office/powerpoint/2010/main" val="2161130591"/>
-      </p:ext>
-    </p:extLst>
-  </p:cSld>
-  <p:clrMapOvr>
-    <a:masterClrMapping/>
-  </p:clrMapOvr>
-</p:sld>
-</file>
-
-<file path=ppt/slides/slide14.xml><?xml version="1.0" encoding="utf-8"?>
-<p:sld xmlns:a="http://schemas.openxmlformats.org/drawingml/2006/main" xmlns:r="http://schemas.openxmlformats.org/officeDocument/2006/relationships" xmlns:p="http://schemas.openxmlformats.org/presentationml/2006/main">
-  <p:cSld>
-    <p:spTree>
-      <p:nvGrpSpPr>
-        <p:cNvPr id="1" name=""/>
-        <p:cNvGrpSpPr/>
-        <p:nvPr/>
-      </p:nvGrpSpPr>
-      <p:grpSpPr>
-        <a:xfrm>
-          <a:off x="0" y="0"/>
-          <a:ext cx="0" cy="0"/>
-          <a:chOff x="0" y="0"/>
-          <a:chExt cx="0" cy="0"/>
-        </a:xfrm>
-      </p:grpSpPr>
-      <p:sp>
-        <p:nvSpPr>
-          <p:cNvPr id="2" name="Title 1">
-            <a:extLst>
-              <a:ext uri="{FF2B5EF4-FFF2-40B4-BE49-F238E27FC236}">
-                <a16:creationId xmlns:a16="http://schemas.microsoft.com/office/drawing/2014/main" id="{65C3525F-7CB4-4C06-B037-C81D2DED9B80}"/>
-              </a:ext>
-            </a:extLst>
-          </p:cNvPr>
-          <p:cNvSpPr>
-            <a:spLocks noGrp="1"/>
-          </p:cNvSpPr>
-          <p:nvPr>
-            <p:ph type="title"/>
-          </p:nvPr>
-        </p:nvSpPr>
-        <p:spPr/>
-        <p:txBody>
-          <a:bodyPr/>
-          <a:lstStyle/>
-          <a:p>
-            <a:r>
-              <a:rPr lang="en-US" dirty="0"/>
-              <a:t>OVERALL FINDINGS &amp; IMPLICATIONS</a:t>
-            </a:r>
-          </a:p>
-        </p:txBody>
-      </p:sp>
-      <p:sp>
-        <p:nvSpPr>
-          <p:cNvPr id="3" name="Content Placeholder 2">
-            <a:extLst>
-              <a:ext uri="{FF2B5EF4-FFF2-40B4-BE49-F238E27FC236}">
-                <a16:creationId xmlns:a16="http://schemas.microsoft.com/office/drawing/2014/main" id="{E4FC0D20-FACF-4D73-BD27-CF8F6B97546A}"/>
-              </a:ext>
-            </a:extLst>
-          </p:cNvPr>
-          <p:cNvSpPr>
-            <a:spLocks noGrp="1"/>
-          </p:cNvSpPr>
-          <p:nvPr>
-            <p:ph sz="half" idx="1"/>
-          </p:nvPr>
-        </p:nvSpPr>
-        <p:spPr>
-          <a:xfrm>
-            <a:off x="813816" y="1825625"/>
-            <a:ext cx="5181600" cy="4351338"/>
-          </a:xfrm>
-        </p:spPr>
-        <p:txBody>
-          <a:bodyPr>
-            <a:normAutofit lnSpcReduction="10000"/>
-          </a:bodyPr>
-          <a:lstStyle/>
-          <a:p>
-            <a:pPr marL="0" indent="0">
-              <a:buNone/>
-            </a:pPr>
-            <a:r>
-              <a:rPr lang="en-US" dirty="0"/>
-              <a:t>Findings</a:t>
-            </a:r>
-          </a:p>
-          <a:p>
-            <a:pPr marL="0" indent="0">
-              <a:buNone/>
-            </a:pPr>
-            <a:endParaRPr lang="en-US" dirty="0"/>
-          </a:p>
-          <a:p>
-            <a:r>
-              <a:rPr lang="en-US" dirty="0"/>
-              <a:t>JavaScript and HTML/CSS persist at the forefront but show a slight decline.</a:t>
-            </a:r>
-          </a:p>
-          <a:p>
-            <a:r>
-              <a:rPr lang="en-US" dirty="0"/>
-              <a:t>MySQL usage sees a decline.</a:t>
-            </a:r>
-          </a:p>
-          <a:p>
-            <a:r>
-              <a:rPr lang="en-US" dirty="0"/>
-              <a:t>Kotlin, Go and Redis are on the rise.</a:t>
-            </a:r>
-          </a:p>
-        </p:txBody>
-      </p:sp>
-      <p:sp>
-        <p:nvSpPr>
-          <p:cNvPr id="4" name="Content Placeholder 3">
-            <a:extLst>
-              <a:ext uri="{FF2B5EF4-FFF2-40B4-BE49-F238E27FC236}">
-                <a16:creationId xmlns:a16="http://schemas.microsoft.com/office/drawing/2014/main" id="{ACA6A89D-097D-4968-A07A-39A5B4F78A62}"/>
-              </a:ext>
-            </a:extLst>
-          </p:cNvPr>
-          <p:cNvSpPr>
-            <a:spLocks noGrp="1"/>
-          </p:cNvSpPr>
-          <p:nvPr>
-            <p:ph sz="half" idx="2"/>
-          </p:nvPr>
-        </p:nvSpPr>
-        <p:spPr/>
-        <p:txBody>
-          <a:bodyPr>
-            <a:normAutofit lnSpcReduction="10000"/>
-          </a:bodyPr>
-          <a:lstStyle/>
-          <a:p>
-            <a:pPr marL="0" indent="0">
-              <a:buNone/>
-            </a:pPr>
-            <a:r>
-              <a:rPr lang="en-US" dirty="0"/>
-              <a:t>Implications</a:t>
-            </a:r>
-          </a:p>
-          <a:p>
-            <a:pPr marL="0" indent="0">
-              <a:buNone/>
-            </a:pPr>
-            <a:endParaRPr lang="en-US" dirty="0"/>
-          </a:p>
-          <a:p>
-            <a:r>
-              <a:rPr lang="en-US" dirty="0"/>
-              <a:t>Programmers are adapting to newer languages.</a:t>
-            </a:r>
-          </a:p>
-          <a:p>
-            <a:r>
-              <a:rPr lang="en-US" dirty="0"/>
-              <a:t>Organizations may need to consider the evolving landscape for skill requirements.</a:t>
-            </a:r>
-          </a:p>
-          <a:p>
-            <a:r>
-              <a:rPr lang="en-US" dirty="0"/>
-              <a:t>Significant shifts in database preferences call for industry adaptation.</a:t>
-            </a:r>
-          </a:p>
-        </p:txBody>
-      </p:sp>
-    </p:spTree>
-    <p:extLst>
-      <p:ext uri="{BB962C8B-B14F-4D97-AF65-F5344CB8AC3E}">
-        <p14:creationId xmlns:p14="http://schemas.microsoft.com/office/powerpoint/2010/main" val="647271476"/>
       </p:ext>
     </p:extLst>
   </p:cSld>
@@ -7529,6 +9222,281 @@
           <a:p>
             <a:r>
               <a:rPr lang="en-US" dirty="0"/>
+              <a:t>DISCUSSION</a:t>
+            </a:r>
+          </a:p>
+        </p:txBody>
+      </p:sp>
+      <p:pic>
+        <p:nvPicPr>
+          <p:cNvPr id="3" name="Content Placeholder 2">
+            <a:extLst>
+              <a:ext uri="{FF2B5EF4-FFF2-40B4-BE49-F238E27FC236}">
+                <a16:creationId xmlns:a16="http://schemas.microsoft.com/office/drawing/2014/main" id="{22E5FA6B-CA5C-4FB5-AAB3-8260D2EF86C9}"/>
+              </a:ext>
+            </a:extLst>
+          </p:cNvPr>
+          <p:cNvPicPr>
+            <a:picLocks noGrp="1" noChangeAspect="1"/>
+          </p:cNvPicPr>
+          <p:nvPr>
+            <p:ph sz="half" idx="1"/>
+          </p:nvPr>
+        </p:nvPicPr>
+        <p:blipFill>
+          <a:blip r:embed="rId2"/>
+          <a:stretch>
+            <a:fillRect/>
+          </a:stretch>
+        </p:blipFill>
+        <p:spPr>
+          <a:xfrm>
+            <a:off x="1253331" y="1825625"/>
+            <a:ext cx="4351338" cy="4351338"/>
+          </a:xfrm>
+          <a:prstGeom prst="rect">
+            <a:avLst/>
+          </a:prstGeom>
+          <a:noFill/>
+        </p:spPr>
+      </p:pic>
+    </p:spTree>
+    <p:extLst>
+      <p:ext uri="{BB962C8B-B14F-4D97-AF65-F5344CB8AC3E}">
+        <p14:creationId xmlns:p14="http://schemas.microsoft.com/office/powerpoint/2010/main" val="2161130591"/>
+      </p:ext>
+    </p:extLst>
+  </p:cSld>
+  <p:clrMapOvr>
+    <a:masterClrMapping/>
+  </p:clrMapOvr>
+</p:sld>
+</file>
+
+<file path=ppt/slides/slide16.xml><?xml version="1.0" encoding="utf-8"?>
+<p:sld xmlns:a="http://schemas.openxmlformats.org/drawingml/2006/main" xmlns:r="http://schemas.openxmlformats.org/officeDocument/2006/relationships" xmlns:p="http://schemas.openxmlformats.org/presentationml/2006/main">
+  <p:cSld>
+    <p:spTree>
+      <p:nvGrpSpPr>
+        <p:cNvPr id="1" name=""/>
+        <p:cNvGrpSpPr/>
+        <p:nvPr/>
+      </p:nvGrpSpPr>
+      <p:grpSpPr>
+        <a:xfrm>
+          <a:off x="0" y="0"/>
+          <a:ext cx="0" cy="0"/>
+          <a:chOff x="0" y="0"/>
+          <a:chExt cx="0" cy="0"/>
+        </a:xfrm>
+      </p:grpSpPr>
+      <p:sp>
+        <p:nvSpPr>
+          <p:cNvPr id="2" name="Title 1">
+            <a:extLst>
+              <a:ext uri="{FF2B5EF4-FFF2-40B4-BE49-F238E27FC236}">
+                <a16:creationId xmlns:a16="http://schemas.microsoft.com/office/drawing/2014/main" id="{65C3525F-7CB4-4C06-B037-C81D2DED9B80}"/>
+              </a:ext>
+            </a:extLst>
+          </p:cNvPr>
+          <p:cNvSpPr>
+            <a:spLocks noGrp="1"/>
+          </p:cNvSpPr>
+          <p:nvPr>
+            <p:ph type="title"/>
+          </p:nvPr>
+        </p:nvSpPr>
+        <p:spPr/>
+        <p:txBody>
+          <a:bodyPr/>
+          <a:lstStyle/>
+          <a:p>
+            <a:r>
+              <a:rPr lang="en-US" dirty="0"/>
+              <a:t>OVERALL FINDINGS &amp; IMPLICATIONS</a:t>
+            </a:r>
+          </a:p>
+        </p:txBody>
+      </p:sp>
+      <p:sp>
+        <p:nvSpPr>
+          <p:cNvPr id="3" name="Content Placeholder 2">
+            <a:extLst>
+              <a:ext uri="{FF2B5EF4-FFF2-40B4-BE49-F238E27FC236}">
+                <a16:creationId xmlns:a16="http://schemas.microsoft.com/office/drawing/2014/main" id="{E4FC0D20-FACF-4D73-BD27-CF8F6B97546A}"/>
+              </a:ext>
+            </a:extLst>
+          </p:cNvPr>
+          <p:cNvSpPr>
+            <a:spLocks noGrp="1"/>
+          </p:cNvSpPr>
+          <p:nvPr>
+            <p:ph sz="half" idx="1"/>
+          </p:nvPr>
+        </p:nvSpPr>
+        <p:spPr>
+          <a:xfrm>
+            <a:off x="813816" y="1825625"/>
+            <a:ext cx="5181600" cy="4351338"/>
+          </a:xfrm>
+        </p:spPr>
+        <p:txBody>
+          <a:bodyPr>
+            <a:normAutofit lnSpcReduction="10000"/>
+          </a:bodyPr>
+          <a:lstStyle/>
+          <a:p>
+            <a:pPr marL="0" indent="0">
+              <a:buNone/>
+            </a:pPr>
+            <a:r>
+              <a:rPr lang="en-US" dirty="0"/>
+              <a:t>Findings</a:t>
+            </a:r>
+          </a:p>
+          <a:p>
+            <a:pPr marL="0" indent="0">
+              <a:buNone/>
+            </a:pPr>
+            <a:endParaRPr lang="en-US" dirty="0"/>
+          </a:p>
+          <a:p>
+            <a:r>
+              <a:rPr lang="en-US" dirty="0"/>
+              <a:t>JavaScript and HTML/CSS persist at the forefront but show a slight decline.</a:t>
+            </a:r>
+          </a:p>
+          <a:p>
+            <a:r>
+              <a:rPr lang="en-US" dirty="0"/>
+              <a:t>MySQL usage sees a decline.</a:t>
+            </a:r>
+          </a:p>
+          <a:p>
+            <a:r>
+              <a:rPr lang="en-US" dirty="0"/>
+              <a:t>Kotlin, Go and Redis are on the rise.</a:t>
+            </a:r>
+          </a:p>
+        </p:txBody>
+      </p:sp>
+      <p:sp>
+        <p:nvSpPr>
+          <p:cNvPr id="4" name="Content Placeholder 3">
+            <a:extLst>
+              <a:ext uri="{FF2B5EF4-FFF2-40B4-BE49-F238E27FC236}">
+                <a16:creationId xmlns:a16="http://schemas.microsoft.com/office/drawing/2014/main" id="{ACA6A89D-097D-4968-A07A-39A5B4F78A62}"/>
+              </a:ext>
+            </a:extLst>
+          </p:cNvPr>
+          <p:cNvSpPr>
+            <a:spLocks noGrp="1"/>
+          </p:cNvSpPr>
+          <p:nvPr>
+            <p:ph sz="half" idx="2"/>
+          </p:nvPr>
+        </p:nvSpPr>
+        <p:spPr/>
+        <p:txBody>
+          <a:bodyPr>
+            <a:normAutofit lnSpcReduction="10000"/>
+          </a:bodyPr>
+          <a:lstStyle/>
+          <a:p>
+            <a:pPr marL="0" indent="0">
+              <a:buNone/>
+            </a:pPr>
+            <a:r>
+              <a:rPr lang="en-US" dirty="0"/>
+              <a:t>Implications</a:t>
+            </a:r>
+          </a:p>
+          <a:p>
+            <a:pPr marL="0" indent="0">
+              <a:buNone/>
+            </a:pPr>
+            <a:endParaRPr lang="en-US" dirty="0"/>
+          </a:p>
+          <a:p>
+            <a:r>
+              <a:rPr lang="en-US" dirty="0"/>
+              <a:t>Programmers are adapting to newer languages.</a:t>
+            </a:r>
+          </a:p>
+          <a:p>
+            <a:r>
+              <a:rPr lang="en-US" dirty="0"/>
+              <a:t>Organizations may need to consider the evolving landscape for skill requirements.</a:t>
+            </a:r>
+          </a:p>
+          <a:p>
+            <a:r>
+              <a:rPr lang="en-US" dirty="0"/>
+              <a:t>Significant shifts in database preferences call for industry adaptation.</a:t>
+            </a:r>
+          </a:p>
+        </p:txBody>
+      </p:sp>
+    </p:spTree>
+    <p:extLst>
+      <p:ext uri="{BB962C8B-B14F-4D97-AF65-F5344CB8AC3E}">
+        <p14:creationId xmlns:p14="http://schemas.microsoft.com/office/powerpoint/2010/main" val="647271476"/>
+      </p:ext>
+    </p:extLst>
+  </p:cSld>
+  <p:clrMapOvr>
+    <a:masterClrMapping/>
+  </p:clrMapOvr>
+</p:sld>
+</file>
+
+<file path=ppt/slides/slide17.xml><?xml version="1.0" encoding="utf-8"?>
+<p:sld xmlns:a="http://schemas.openxmlformats.org/drawingml/2006/main" xmlns:r="http://schemas.openxmlformats.org/officeDocument/2006/relationships" xmlns:p="http://schemas.openxmlformats.org/presentationml/2006/main">
+  <p:cSld>
+    <p:spTree>
+      <p:nvGrpSpPr>
+        <p:cNvPr id="1" name=""/>
+        <p:cNvGrpSpPr/>
+        <p:nvPr/>
+      </p:nvGrpSpPr>
+      <p:grpSpPr>
+        <a:xfrm>
+          <a:off x="0" y="0"/>
+          <a:ext cx="0" cy="0"/>
+          <a:chOff x="0" y="0"/>
+          <a:chExt cx="0" cy="0"/>
+        </a:xfrm>
+      </p:grpSpPr>
+      <p:sp>
+        <p:nvSpPr>
+          <p:cNvPr id="2" name="Title 1">
+            <a:extLst>
+              <a:ext uri="{FF2B5EF4-FFF2-40B4-BE49-F238E27FC236}">
+                <a16:creationId xmlns:a16="http://schemas.microsoft.com/office/drawing/2014/main" id="{2873BEC0-94F5-4226-A9E7-51B66045EF49}"/>
+              </a:ext>
+            </a:extLst>
+          </p:cNvPr>
+          <p:cNvSpPr>
+            <a:spLocks noGrp="1"/>
+          </p:cNvSpPr>
+          <p:nvPr>
+            <p:ph type="title"/>
+          </p:nvPr>
+        </p:nvSpPr>
+        <p:spPr>
+          <a:xfrm>
+            <a:off x="838200" y="365125"/>
+            <a:ext cx="10515600" cy="1325563"/>
+          </a:xfrm>
+        </p:spPr>
+        <p:txBody>
+          <a:bodyPr anchor="ctr">
+            <a:normAutofit/>
+          </a:bodyPr>
+          <a:lstStyle/>
+          <a:p>
+            <a:r>
+              <a:rPr lang="en-US" dirty="0"/>
               <a:t>CONCLUSION</a:t>
             </a:r>
           </a:p>
@@ -7558,13 +9526,13 @@
         </p:spPr>
         <p:txBody>
           <a:bodyPr>
-            <a:normAutofit fontScale="77500" lnSpcReduction="20000"/>
+            <a:normAutofit fontScale="70000" lnSpcReduction="20000"/>
           </a:bodyPr>
           <a:lstStyle/>
           <a:p>
             <a:r>
               <a:rPr lang="en-US" dirty="0"/>
-              <a:t>Evolving Landscape: The findings reflect a dynamic and evolving landscape in both programming languages and databases, underscoring the industry's responsiveness to emerging technologies.</a:t>
+              <a:t>Dynamic Industry Trends: The findings highlight the industry's adaptability to emerging technologies in both programming languages and databases, creating a dynamic and ever-changing landscape.</a:t>
             </a:r>
           </a:p>
           <a:p>
@@ -7573,7 +9541,7 @@
           <a:p>
             <a:r>
               <a:rPr lang="en-US" dirty="0"/>
-              <a:t>Adaptation Imperative: Professionals and organizations must adapt to the changing trends, embracing newer languages and databases to stay relevant and competitive in the ever-evolving tech ecosystem.</a:t>
+              <a:t>Necessity of Adaptation: Professionals and organizations are urged to adapt to evolving trends by embracing newer languages and databases. This adaptation is crucial for maintaining relevance and competitiveness in the continuously evolving tech ecosystem.</a:t>
             </a:r>
           </a:p>
           <a:p>
@@ -7582,7 +9550,7 @@
           <a:p>
             <a:r>
               <a:rPr lang="en-US" dirty="0"/>
-              <a:t>Strategic Considerations: The identified trends provide valuable insights for strategic decision-making, guiding individuals and businesses in aligning their skills and infrastructure with the current and future demands of the tech industry.</a:t>
+              <a:t>Strategic Insights: The identified trends offer valuable insights for strategic decision-making. Individuals and businesses can leverage these insights to align their skills and infrastructure with both current and future demands of the tech industry.</a:t>
             </a:r>
           </a:p>
         </p:txBody>
@@ -7632,197 +9600,6 @@
 </p:sld>
 </file>
 
-<file path=ppt/slides/slide16.xml><?xml version="1.0" encoding="utf-8"?>
-<p:sld xmlns:a="http://schemas.openxmlformats.org/drawingml/2006/main" xmlns:r="http://schemas.openxmlformats.org/officeDocument/2006/relationships" xmlns:p="http://schemas.openxmlformats.org/presentationml/2006/main">
-  <p:cSld>
-    <p:spTree>
-      <p:nvGrpSpPr>
-        <p:cNvPr id="1" name=""/>
-        <p:cNvGrpSpPr/>
-        <p:nvPr/>
-      </p:nvGrpSpPr>
-      <p:grpSpPr>
-        <a:xfrm>
-          <a:off x="0" y="0"/>
-          <a:ext cx="0" cy="0"/>
-          <a:chOff x="0" y="0"/>
-          <a:chExt cx="0" cy="0"/>
-        </a:xfrm>
-      </p:grpSpPr>
-      <p:sp>
-        <p:nvSpPr>
-          <p:cNvPr id="2" name="Title 1">
-            <a:extLst>
-              <a:ext uri="{FF2B5EF4-FFF2-40B4-BE49-F238E27FC236}">
-                <a16:creationId xmlns:a16="http://schemas.microsoft.com/office/drawing/2014/main" id="{2873BEC0-94F5-4226-A9E7-51B66045EF49}"/>
-              </a:ext>
-            </a:extLst>
-          </p:cNvPr>
-          <p:cNvSpPr>
-            <a:spLocks noGrp="1"/>
-          </p:cNvSpPr>
-          <p:nvPr>
-            <p:ph type="title"/>
-          </p:nvPr>
-        </p:nvSpPr>
-        <p:spPr>
-          <a:xfrm>
-            <a:off x="838200" y="365125"/>
-            <a:ext cx="10515600" cy="1325563"/>
-          </a:xfrm>
-        </p:spPr>
-        <p:txBody>
-          <a:bodyPr anchor="ctr">
-            <a:normAutofit/>
-          </a:bodyPr>
-          <a:lstStyle/>
-          <a:p>
-            <a:r>
-              <a:rPr lang="en-US" dirty="0"/>
-              <a:t>APPENDIX</a:t>
-            </a:r>
-          </a:p>
-        </p:txBody>
-      </p:sp>
-      <p:pic>
-        <p:nvPicPr>
-          <p:cNvPr id="4" name="Content Placeholder 3">
-            <a:extLst>
-              <a:ext uri="{FF2B5EF4-FFF2-40B4-BE49-F238E27FC236}">
-                <a16:creationId xmlns:a16="http://schemas.microsoft.com/office/drawing/2014/main" id="{D5D63823-FC2E-4AC2-93D5-3C2B6F315436}"/>
-              </a:ext>
-            </a:extLst>
-          </p:cNvPr>
-          <p:cNvPicPr>
-            <a:picLocks noGrp="1" noChangeAspect="1"/>
-          </p:cNvPicPr>
-          <p:nvPr>
-            <p:ph sz="half" idx="1"/>
-          </p:nvPr>
-        </p:nvPicPr>
-        <p:blipFill>
-          <a:blip r:embed="rId2"/>
-          <a:stretch>
-            <a:fillRect/>
-          </a:stretch>
-        </p:blipFill>
-        <p:spPr>
-          <a:xfrm>
-            <a:off x="1055857" y="1849823"/>
-            <a:ext cx="3194581" cy="3194581"/>
-          </a:xfrm>
-          <a:prstGeom prst="rect">
-            <a:avLst/>
-          </a:prstGeom>
-        </p:spPr>
-      </p:pic>
-    </p:spTree>
-    <p:extLst>
-      <p:ext uri="{BB962C8B-B14F-4D97-AF65-F5344CB8AC3E}">
-        <p14:creationId xmlns:p14="http://schemas.microsoft.com/office/powerpoint/2010/main" val="3410008520"/>
-      </p:ext>
-    </p:extLst>
-  </p:cSld>
-  <p:clrMapOvr>
-    <a:masterClrMapping/>
-  </p:clrMapOvr>
-</p:sld>
-</file>
-
-<file path=ppt/slides/slide17.xml><?xml version="1.0" encoding="utf-8"?>
-<p:sld xmlns:a="http://schemas.openxmlformats.org/drawingml/2006/main" xmlns:r="http://schemas.openxmlformats.org/officeDocument/2006/relationships" xmlns:p="http://schemas.openxmlformats.org/presentationml/2006/main">
-  <p:cSld>
-    <p:spTree>
-      <p:nvGrpSpPr>
-        <p:cNvPr id="1" name=""/>
-        <p:cNvGrpSpPr/>
-        <p:nvPr/>
-      </p:nvGrpSpPr>
-      <p:grpSpPr>
-        <a:xfrm>
-          <a:off x="0" y="0"/>
-          <a:ext cx="0" cy="0"/>
-          <a:chOff x="0" y="0"/>
-          <a:chExt cx="0" cy="0"/>
-        </a:xfrm>
-      </p:grpSpPr>
-      <p:sp>
-        <p:nvSpPr>
-          <p:cNvPr id="2" name="Title 1">
-            <a:extLst>
-              <a:ext uri="{FF2B5EF4-FFF2-40B4-BE49-F238E27FC236}">
-                <a16:creationId xmlns:a16="http://schemas.microsoft.com/office/drawing/2014/main" id="{2873BEC0-94F5-4226-A9E7-51B66045EF49}"/>
-              </a:ext>
-            </a:extLst>
-          </p:cNvPr>
-          <p:cNvSpPr>
-            <a:spLocks noGrp="1"/>
-          </p:cNvSpPr>
-          <p:nvPr>
-            <p:ph type="title"/>
-          </p:nvPr>
-        </p:nvSpPr>
-        <p:spPr>
-          <a:xfrm>
-            <a:off x="538248" y="383051"/>
-            <a:ext cx="5929053" cy="1325563"/>
-          </a:xfrm>
-        </p:spPr>
-        <p:txBody>
-          <a:bodyPr anchor="ctr">
-            <a:normAutofit/>
-          </a:bodyPr>
-          <a:lstStyle/>
-          <a:p>
-            <a:r>
-              <a:rPr lang="en-US" dirty="0"/>
-              <a:t> JOB POSTINGS</a:t>
-            </a:r>
-          </a:p>
-        </p:txBody>
-      </p:sp>
-      <p:pic>
-        <p:nvPicPr>
-          <p:cNvPr id="5" name="Content Placeholder 4">
-            <a:extLst>
-              <a:ext uri="{FF2B5EF4-FFF2-40B4-BE49-F238E27FC236}">
-                <a16:creationId xmlns:a16="http://schemas.microsoft.com/office/drawing/2014/main" id="{142CC3AF-C1E4-6118-D557-94A6FE4944D5}"/>
-              </a:ext>
-            </a:extLst>
-          </p:cNvPr>
-          <p:cNvPicPr>
-            <a:picLocks noGrp="1" noChangeAspect="1"/>
-          </p:cNvPicPr>
-          <p:nvPr>
-            <p:ph sz="half" idx="2"/>
-          </p:nvPr>
-        </p:nvPicPr>
-        <p:blipFill>
-          <a:blip r:embed="rId2"/>
-          <a:stretch>
-            <a:fillRect/>
-          </a:stretch>
-        </p:blipFill>
-        <p:spPr>
-          <a:xfrm>
-            <a:off x="2386103" y="1551214"/>
-            <a:ext cx="7419794" cy="4923735"/>
-          </a:xfrm>
-        </p:spPr>
-      </p:pic>
-    </p:spTree>
-    <p:extLst>
-      <p:ext uri="{BB962C8B-B14F-4D97-AF65-F5344CB8AC3E}">
-        <p14:creationId xmlns:p14="http://schemas.microsoft.com/office/powerpoint/2010/main" val="3078551498"/>
-      </p:ext>
-    </p:extLst>
-  </p:cSld>
-  <p:clrMapOvr>
-    <a:masterClrMapping/>
-  </p:clrMapOvr>
-</p:sld>
-</file>
-
 <file path=ppt/slides/slide18.xml><?xml version="1.0" encoding="utf-8"?>
 <p:sld xmlns:a="http://schemas.openxmlformats.org/drawingml/2006/main" xmlns:r="http://schemas.openxmlformats.org/officeDocument/2006/relationships" xmlns:p="http://schemas.openxmlformats.org/presentationml/2006/main">
   <p:cSld>
@@ -7845,7 +9622,7 @@
           <p:cNvPr id="2" name="Title 1">
             <a:extLst>
               <a:ext uri="{FF2B5EF4-FFF2-40B4-BE49-F238E27FC236}">
-                <a16:creationId xmlns:a16="http://schemas.microsoft.com/office/drawing/2014/main" id="{2873BEC0-94F5-4226-A9E7-51B66045EF49}"/>
+                <a16:creationId xmlns:a16="http://schemas.microsoft.com/office/drawing/2014/main" id="{2FE973FE-1F8B-4DED-8DC0-71E987678976}"/>
               </a:ext>
             </a:extLst>
           </p:cNvPr>
@@ -7858,8 +9635,8 @@
         </p:nvSpPr>
         <p:spPr>
           <a:xfrm>
-            <a:off x="538248" y="383051"/>
-            <a:ext cx="5929053" cy="1325563"/>
+            <a:off x="6172200" y="2345719"/>
+            <a:ext cx="5075452" cy="1325563"/>
           </a:xfrm>
         </p:spPr>
         <p:txBody>
@@ -7869,45 +9646,1269 @@
           <a:lstStyle/>
           <a:p>
             <a:r>
-              <a:rPr lang="en-US" dirty="0"/>
-              <a:t>POPULAR LANGUAGES</a:t>
+              <a:rPr lang="en-US" dirty="0">
+                <a:solidFill>
+                  <a:srgbClr val="0E659B"/>
+                </a:solidFill>
+              </a:rPr>
+              <a:t>Thank You!</a:t>
             </a:r>
           </a:p>
         </p:txBody>
       </p:sp>
       <p:pic>
         <p:nvPicPr>
-          <p:cNvPr id="7" name="Content Placeholder 6">
+          <p:cNvPr id="4" name="Picture 3">
             <a:extLst>
               <a:ext uri="{FF2B5EF4-FFF2-40B4-BE49-F238E27FC236}">
-                <a16:creationId xmlns:a16="http://schemas.microsoft.com/office/drawing/2014/main" id="{99D72C59-E818-ACBB-CFDE-B33D6E877C28}"/>
+                <a16:creationId xmlns:a16="http://schemas.microsoft.com/office/drawing/2014/main" id="{472BA16E-D1FA-4491-9564-DD4BCFEACAD2}"/>
               </a:ext>
             </a:extLst>
           </p:cNvPr>
           <p:cNvPicPr>
-            <a:picLocks noGrp="1" noChangeAspect="1"/>
+            <a:picLocks noChangeAspect="1"/>
           </p:cNvPicPr>
-          <p:nvPr>
-            <p:ph sz="half" idx="2"/>
-          </p:nvPr>
+          <p:nvPr/>
         </p:nvPicPr>
         <p:blipFill>
-          <a:blip r:embed="rId2"/>
+          <a:blip r:embed="rId3"/>
           <a:stretch>
             <a:fillRect/>
           </a:stretch>
         </p:blipFill>
         <p:spPr>
           <a:xfrm>
-            <a:off x="2638267" y="1378986"/>
-            <a:ext cx="6915466" cy="4873542"/>
+            <a:off x="1031569" y="1825625"/>
+            <a:ext cx="4794861" cy="4351338"/>
+          </a:xfrm>
+          <a:prstGeom prst="rect">
+            <a:avLst/>
+          </a:prstGeom>
+          <a:noFill/>
+        </p:spPr>
+      </p:pic>
+      <p:sp>
+        <p:nvSpPr>
+          <p:cNvPr id="3" name="Subtitle 2">
+            <a:extLst>
+              <a:ext uri="{FF2B5EF4-FFF2-40B4-BE49-F238E27FC236}">
+                <a16:creationId xmlns:a16="http://schemas.microsoft.com/office/drawing/2014/main" id="{93383873-F31C-4E31-B4BA-B40D502705CE}"/>
+              </a:ext>
+            </a:extLst>
+          </p:cNvPr>
+          <p:cNvSpPr>
+            <a:spLocks noGrp="1"/>
+          </p:cNvSpPr>
+          <p:nvPr>
+            <p:ph sz="half" idx="2"/>
+          </p:nvPr>
+        </p:nvSpPr>
+        <p:spPr>
+          <a:xfrm>
+            <a:off x="6172200" y="3560007"/>
+            <a:ext cx="5181600" cy="2616956"/>
           </a:xfrm>
         </p:spPr>
-      </p:pic>
+        <p:txBody>
+          <a:bodyPr>
+            <a:normAutofit/>
+          </a:bodyPr>
+          <a:lstStyle/>
+          <a:p>
+            <a:pPr marL="0" indent="0">
+              <a:buNone/>
+            </a:pPr>
+            <a:r>
+              <a:rPr lang="en-US" dirty="0"/>
+              <a:t>Mckinley Petalver</a:t>
+            </a:r>
+          </a:p>
+        </p:txBody>
+      </p:sp>
+      <mc:AlternateContent xmlns:mc="http://schemas.openxmlformats.org/markup-compatibility/2006">
+        <mc:Choice xmlns:p14="http://schemas.microsoft.com/office/powerpoint/2010/main" Requires="p14">
+          <p:contentPart p14:bwMode="auto" r:id="rId4">
+            <p14:nvContentPartPr>
+              <p14:cNvPr id="6" name="Ink 5">
+                <a:extLst>
+                  <a:ext uri="{FF2B5EF4-FFF2-40B4-BE49-F238E27FC236}">
+                    <a16:creationId xmlns:a16="http://schemas.microsoft.com/office/drawing/2014/main" id="{BB9E41AB-16C2-481D-B8C5-779DDB04601D}"/>
+                  </a:ext>
+                </a:extLst>
+              </p14:cNvPr>
+              <p14:cNvContentPartPr/>
+              <p14:nvPr/>
+            </p14:nvContentPartPr>
+            <p14:xfrm>
+              <a:off x="1388880" y="6545472"/>
+              <a:ext cx="1390320" cy="112320"/>
+            </p14:xfrm>
+          </p:contentPart>
+        </mc:Choice>
+        <mc:Fallback>
+          <p:pic>
+            <p:nvPicPr>
+              <p:cNvPr id="6" name="Ink 5">
+                <a:extLst>
+                  <a:ext uri="{FF2B5EF4-FFF2-40B4-BE49-F238E27FC236}">
+                    <a16:creationId xmlns:a16="http://schemas.microsoft.com/office/drawing/2014/main" id="{BB9E41AB-16C2-481D-B8C5-779DDB04601D}"/>
+                  </a:ext>
+                </a:extLst>
+              </p:cNvPr>
+              <p:cNvPicPr/>
+              <p:nvPr/>
+            </p:nvPicPr>
+            <p:blipFill>
+              <a:blip r:embed="rId5"/>
+              <a:stretch>
+                <a:fillRect/>
+              </a:stretch>
+            </p:blipFill>
+            <p:spPr>
+              <a:xfrm>
+                <a:off x="1334880" y="6437472"/>
+                <a:ext cx="1497960" cy="327960"/>
+              </a:xfrm>
+              <a:prstGeom prst="rect">
+                <a:avLst/>
+              </a:prstGeom>
+            </p:spPr>
+          </p:pic>
+        </mc:Fallback>
+      </mc:AlternateContent>
+      <mc:AlternateContent xmlns:mc="http://schemas.openxmlformats.org/markup-compatibility/2006">
+        <mc:Choice xmlns:p14="http://schemas.microsoft.com/office/powerpoint/2010/main" Requires="p14">
+          <p:contentPart p14:bwMode="auto" r:id="rId6">
+            <p14:nvContentPartPr>
+              <p14:cNvPr id="7" name="Ink 6">
+                <a:extLst>
+                  <a:ext uri="{FF2B5EF4-FFF2-40B4-BE49-F238E27FC236}">
+                    <a16:creationId xmlns:a16="http://schemas.microsoft.com/office/drawing/2014/main" id="{90DC8B94-332B-48F1-BD44-5D8DC140F977}"/>
+                  </a:ext>
+                </a:extLst>
+              </p14:cNvPr>
+              <p14:cNvContentPartPr/>
+              <p14:nvPr/>
+            </p14:nvContentPartPr>
+            <p14:xfrm>
+              <a:off x="2218680" y="6595872"/>
+              <a:ext cx="360" cy="360"/>
+            </p14:xfrm>
+          </p:contentPart>
+        </mc:Choice>
+        <mc:Fallback>
+          <p:pic>
+            <p:nvPicPr>
+              <p:cNvPr id="7" name="Ink 6">
+                <a:extLst>
+                  <a:ext uri="{FF2B5EF4-FFF2-40B4-BE49-F238E27FC236}">
+                    <a16:creationId xmlns:a16="http://schemas.microsoft.com/office/drawing/2014/main" id="{90DC8B94-332B-48F1-BD44-5D8DC140F977}"/>
+                  </a:ext>
+                </a:extLst>
+              </p:cNvPr>
+              <p:cNvPicPr/>
+              <p:nvPr/>
+            </p:nvPicPr>
+            <p:blipFill>
+              <a:blip r:embed="rId7"/>
+              <a:stretch>
+                <a:fillRect/>
+              </a:stretch>
+            </p:blipFill>
+            <p:spPr>
+              <a:xfrm>
+                <a:off x="2164680" y="6487872"/>
+                <a:ext cx="108000" cy="216000"/>
+              </a:xfrm>
+              <a:prstGeom prst="rect">
+                <a:avLst/>
+              </a:prstGeom>
+            </p:spPr>
+          </p:pic>
+        </mc:Fallback>
+      </mc:AlternateContent>
+      <mc:AlternateContent xmlns:mc="http://schemas.openxmlformats.org/markup-compatibility/2006">
+        <mc:Choice xmlns:p14="http://schemas.microsoft.com/office/powerpoint/2010/main" Requires="p14">
+          <p:contentPart p14:bwMode="auto" r:id="rId8">
+            <p14:nvContentPartPr>
+              <p14:cNvPr id="8" name="Ink 7">
+                <a:extLst>
+                  <a:ext uri="{FF2B5EF4-FFF2-40B4-BE49-F238E27FC236}">
+                    <a16:creationId xmlns:a16="http://schemas.microsoft.com/office/drawing/2014/main" id="{E975E1FA-D9DC-4E9B-96CB-AF4B208FDD0D}"/>
+                  </a:ext>
+                </a:extLst>
+              </p14:cNvPr>
+              <p14:cNvContentPartPr/>
+              <p14:nvPr/>
+            </p14:nvContentPartPr>
+            <p14:xfrm>
+              <a:off x="2169720" y="6582912"/>
+              <a:ext cx="360" cy="360"/>
+            </p14:xfrm>
+          </p:contentPart>
+        </mc:Choice>
+        <mc:Fallback>
+          <p:pic>
+            <p:nvPicPr>
+              <p:cNvPr id="8" name="Ink 7">
+                <a:extLst>
+                  <a:ext uri="{FF2B5EF4-FFF2-40B4-BE49-F238E27FC236}">
+                    <a16:creationId xmlns:a16="http://schemas.microsoft.com/office/drawing/2014/main" id="{E975E1FA-D9DC-4E9B-96CB-AF4B208FDD0D}"/>
+                  </a:ext>
+                </a:extLst>
+              </p:cNvPr>
+              <p:cNvPicPr/>
+              <p:nvPr/>
+            </p:nvPicPr>
+            <p:blipFill>
+              <a:blip r:embed="rId7"/>
+              <a:stretch>
+                <a:fillRect/>
+              </a:stretch>
+            </p:blipFill>
+            <p:spPr>
+              <a:xfrm>
+                <a:off x="2115720" y="6474912"/>
+                <a:ext cx="108000" cy="216000"/>
+              </a:xfrm>
+              <a:prstGeom prst="rect">
+                <a:avLst/>
+              </a:prstGeom>
+            </p:spPr>
+          </p:pic>
+        </mc:Fallback>
+      </mc:AlternateContent>
+      <mc:AlternateContent xmlns:mc="http://schemas.openxmlformats.org/markup-compatibility/2006">
+        <mc:Choice xmlns:p14="http://schemas.microsoft.com/office/powerpoint/2010/main" Requires="p14">
+          <p:contentPart p14:bwMode="auto" r:id="rId9">
+            <p14:nvContentPartPr>
+              <p14:cNvPr id="9" name="Ink 8">
+                <a:extLst>
+                  <a:ext uri="{FF2B5EF4-FFF2-40B4-BE49-F238E27FC236}">
+                    <a16:creationId xmlns:a16="http://schemas.microsoft.com/office/drawing/2014/main" id="{454E5C77-5960-45F2-A8F4-437BBCEB11F6}"/>
+                  </a:ext>
+                </a:extLst>
+              </p14:cNvPr>
+              <p14:cNvContentPartPr/>
+              <p14:nvPr/>
+            </p14:nvContentPartPr>
+            <p14:xfrm>
+              <a:off x="2169720" y="6582912"/>
+              <a:ext cx="360" cy="360"/>
+            </p14:xfrm>
+          </p:contentPart>
+        </mc:Choice>
+        <mc:Fallback>
+          <p:pic>
+            <p:nvPicPr>
+              <p:cNvPr id="9" name="Ink 8">
+                <a:extLst>
+                  <a:ext uri="{FF2B5EF4-FFF2-40B4-BE49-F238E27FC236}">
+                    <a16:creationId xmlns:a16="http://schemas.microsoft.com/office/drawing/2014/main" id="{454E5C77-5960-45F2-A8F4-437BBCEB11F6}"/>
+                  </a:ext>
+                </a:extLst>
+              </p:cNvPr>
+              <p:cNvPicPr/>
+              <p:nvPr/>
+            </p:nvPicPr>
+            <p:blipFill>
+              <a:blip r:embed="rId7"/>
+              <a:stretch>
+                <a:fillRect/>
+              </a:stretch>
+            </p:blipFill>
+            <p:spPr>
+              <a:xfrm>
+                <a:off x="2115720" y="6474912"/>
+                <a:ext cx="108000" cy="216000"/>
+              </a:xfrm>
+              <a:prstGeom prst="rect">
+                <a:avLst/>
+              </a:prstGeom>
+            </p:spPr>
+          </p:pic>
+        </mc:Fallback>
+      </mc:AlternateContent>
+      <mc:AlternateContent xmlns:mc="http://schemas.openxmlformats.org/markup-compatibility/2006">
+        <mc:Choice xmlns:p14="http://schemas.microsoft.com/office/powerpoint/2010/main" Requires="p14">
+          <p:contentPart p14:bwMode="auto" r:id="rId10">
+            <p14:nvContentPartPr>
+              <p14:cNvPr id="10" name="Ink 9">
+                <a:extLst>
+                  <a:ext uri="{FF2B5EF4-FFF2-40B4-BE49-F238E27FC236}">
+                    <a16:creationId xmlns:a16="http://schemas.microsoft.com/office/drawing/2014/main" id="{0599CA86-0AA4-43B0-9BD8-C408990EDF1F}"/>
+                  </a:ext>
+                </a:extLst>
+              </p14:cNvPr>
+              <p14:cNvContentPartPr/>
+              <p14:nvPr/>
+            </p14:nvContentPartPr>
+            <p14:xfrm>
+              <a:off x="2169720" y="6582912"/>
+              <a:ext cx="360" cy="360"/>
+            </p14:xfrm>
+          </p:contentPart>
+        </mc:Choice>
+        <mc:Fallback>
+          <p:pic>
+            <p:nvPicPr>
+              <p:cNvPr id="10" name="Ink 9">
+                <a:extLst>
+                  <a:ext uri="{FF2B5EF4-FFF2-40B4-BE49-F238E27FC236}">
+                    <a16:creationId xmlns:a16="http://schemas.microsoft.com/office/drawing/2014/main" id="{0599CA86-0AA4-43B0-9BD8-C408990EDF1F}"/>
+                  </a:ext>
+                </a:extLst>
+              </p:cNvPr>
+              <p:cNvPicPr/>
+              <p:nvPr/>
+            </p:nvPicPr>
+            <p:blipFill>
+              <a:blip r:embed="rId7"/>
+              <a:stretch>
+                <a:fillRect/>
+              </a:stretch>
+            </p:blipFill>
+            <p:spPr>
+              <a:xfrm>
+                <a:off x="2115720" y="6474912"/>
+                <a:ext cx="108000" cy="216000"/>
+              </a:xfrm>
+              <a:prstGeom prst="rect">
+                <a:avLst/>
+              </a:prstGeom>
+            </p:spPr>
+          </p:pic>
+        </mc:Fallback>
+      </mc:AlternateContent>
+      <mc:AlternateContent xmlns:mc="http://schemas.openxmlformats.org/markup-compatibility/2006">
+        <mc:Choice xmlns:p14="http://schemas.microsoft.com/office/powerpoint/2010/main" Requires="p14">
+          <p:contentPart p14:bwMode="auto" r:id="rId11">
+            <p14:nvContentPartPr>
+              <p14:cNvPr id="13" name="Ink 12">
+                <a:extLst>
+                  <a:ext uri="{FF2B5EF4-FFF2-40B4-BE49-F238E27FC236}">
+                    <a16:creationId xmlns:a16="http://schemas.microsoft.com/office/drawing/2014/main" id="{F01B0B0D-23C0-406D-81B1-53560BEA6080}"/>
+                  </a:ext>
+                </a:extLst>
+              </p14:cNvPr>
+              <p14:cNvContentPartPr/>
+              <p14:nvPr/>
+            </p14:nvContentPartPr>
+            <p14:xfrm>
+              <a:off x="-1512000" y="5066496"/>
+              <a:ext cx="360" cy="5040"/>
+            </p14:xfrm>
+          </p:contentPart>
+        </mc:Choice>
+        <mc:Fallback>
+          <p:pic>
+            <p:nvPicPr>
+              <p:cNvPr id="13" name="Ink 12">
+                <a:extLst>
+                  <a:ext uri="{FF2B5EF4-FFF2-40B4-BE49-F238E27FC236}">
+                    <a16:creationId xmlns:a16="http://schemas.microsoft.com/office/drawing/2014/main" id="{F01B0B0D-23C0-406D-81B1-53560BEA6080}"/>
+                  </a:ext>
+                </a:extLst>
+              </p:cNvPr>
+              <p:cNvPicPr/>
+              <p:nvPr/>
+            </p:nvPicPr>
+            <p:blipFill>
+              <a:blip r:embed="rId12"/>
+              <a:stretch>
+                <a:fillRect/>
+              </a:stretch>
+            </p:blipFill>
+            <p:spPr>
+              <a:xfrm>
+                <a:off x="-1602000" y="4898496"/>
+                <a:ext cx="180000" cy="340704"/>
+              </a:xfrm>
+              <a:prstGeom prst="rect">
+                <a:avLst/>
+              </a:prstGeom>
+            </p:spPr>
+          </p:pic>
+        </mc:Fallback>
+      </mc:AlternateContent>
+      <mc:AlternateContent xmlns:mc="http://schemas.openxmlformats.org/markup-compatibility/2006">
+        <mc:Choice xmlns:p14="http://schemas.microsoft.com/office/powerpoint/2010/main" Requires="p14">
+          <p:contentPart p14:bwMode="auto" r:id="rId13">
+            <p14:nvContentPartPr>
+              <p14:cNvPr id="14" name="Ink 13">
+                <a:extLst>
+                  <a:ext uri="{FF2B5EF4-FFF2-40B4-BE49-F238E27FC236}">
+                    <a16:creationId xmlns:a16="http://schemas.microsoft.com/office/drawing/2014/main" id="{0E36B71F-8617-4B05-A565-CA68910B66AF}"/>
+                  </a:ext>
+                </a:extLst>
+              </p14:cNvPr>
+              <p14:cNvContentPartPr/>
+              <p14:nvPr/>
+            </p14:nvContentPartPr>
+            <p14:xfrm>
+              <a:off x="2998440" y="1035936"/>
+              <a:ext cx="360" cy="360"/>
+            </p14:xfrm>
+          </p:contentPart>
+        </mc:Choice>
+        <mc:Fallback>
+          <p:pic>
+            <p:nvPicPr>
+              <p:cNvPr id="14" name="Ink 13">
+                <a:extLst>
+                  <a:ext uri="{FF2B5EF4-FFF2-40B4-BE49-F238E27FC236}">
+                    <a16:creationId xmlns:a16="http://schemas.microsoft.com/office/drawing/2014/main" id="{0E36B71F-8617-4B05-A565-CA68910B66AF}"/>
+                  </a:ext>
+                </a:extLst>
+              </p:cNvPr>
+              <p:cNvPicPr/>
+              <p:nvPr/>
+            </p:nvPicPr>
+            <p:blipFill>
+              <a:blip r:embed="rId14"/>
+              <a:stretch>
+                <a:fillRect/>
+              </a:stretch>
+            </p:blipFill>
+            <p:spPr>
+              <a:xfrm>
+                <a:off x="2908440" y="855936"/>
+                <a:ext cx="180000" cy="360000"/>
+              </a:xfrm>
+              <a:prstGeom prst="rect">
+                <a:avLst/>
+              </a:prstGeom>
+            </p:spPr>
+          </p:pic>
+        </mc:Fallback>
+      </mc:AlternateContent>
+      <mc:AlternateContent xmlns:mc="http://schemas.openxmlformats.org/markup-compatibility/2006">
+        <mc:Choice xmlns:p14="http://schemas.microsoft.com/office/powerpoint/2010/main" Requires="p14">
+          <p:contentPart p14:bwMode="auto" r:id="rId15">
+            <p14:nvContentPartPr>
+              <p14:cNvPr id="15" name="Ink 14">
+                <a:extLst>
+                  <a:ext uri="{FF2B5EF4-FFF2-40B4-BE49-F238E27FC236}">
+                    <a16:creationId xmlns:a16="http://schemas.microsoft.com/office/drawing/2014/main" id="{C3E9255F-D54C-4938-861C-0719B95285A6}"/>
+                  </a:ext>
+                </a:extLst>
+              </p14:cNvPr>
+              <p14:cNvContentPartPr/>
+              <p14:nvPr/>
+            </p14:nvContentPartPr>
+            <p14:xfrm>
+              <a:off x="2998440" y="1035936"/>
+              <a:ext cx="360" cy="360"/>
+            </p14:xfrm>
+          </p:contentPart>
+        </mc:Choice>
+        <mc:Fallback>
+          <p:pic>
+            <p:nvPicPr>
+              <p:cNvPr id="15" name="Ink 14">
+                <a:extLst>
+                  <a:ext uri="{FF2B5EF4-FFF2-40B4-BE49-F238E27FC236}">
+                    <a16:creationId xmlns:a16="http://schemas.microsoft.com/office/drawing/2014/main" id="{C3E9255F-D54C-4938-861C-0719B95285A6}"/>
+                  </a:ext>
+                </a:extLst>
+              </p:cNvPr>
+              <p:cNvPicPr/>
+              <p:nvPr/>
+            </p:nvPicPr>
+            <p:blipFill>
+              <a:blip r:embed="rId14"/>
+              <a:stretch>
+                <a:fillRect/>
+              </a:stretch>
+            </p:blipFill>
+            <p:spPr>
+              <a:xfrm>
+                <a:off x="2908440" y="855936"/>
+                <a:ext cx="180000" cy="360000"/>
+              </a:xfrm>
+              <a:prstGeom prst="rect">
+                <a:avLst/>
+              </a:prstGeom>
+            </p:spPr>
+          </p:pic>
+        </mc:Fallback>
+      </mc:AlternateContent>
+      <mc:AlternateContent xmlns:mc="http://schemas.openxmlformats.org/markup-compatibility/2006">
+        <mc:Choice xmlns:p14="http://schemas.microsoft.com/office/powerpoint/2010/main" Requires="p14">
+          <p:contentPart p14:bwMode="auto" r:id="rId16">
+            <p14:nvContentPartPr>
+              <p14:cNvPr id="16" name="Ink 15">
+                <a:extLst>
+                  <a:ext uri="{FF2B5EF4-FFF2-40B4-BE49-F238E27FC236}">
+                    <a16:creationId xmlns:a16="http://schemas.microsoft.com/office/drawing/2014/main" id="{63A7B024-B577-4CAE-BEB0-A6669B501358}"/>
+                  </a:ext>
+                </a:extLst>
+              </p14:cNvPr>
+              <p14:cNvContentPartPr/>
+              <p14:nvPr/>
+            </p14:nvContentPartPr>
+            <p14:xfrm>
+              <a:off x="2993760" y="1035936"/>
+              <a:ext cx="5040" cy="360"/>
+            </p14:xfrm>
+          </p:contentPart>
+        </mc:Choice>
+        <mc:Fallback>
+          <p:pic>
+            <p:nvPicPr>
+              <p:cNvPr id="16" name="Ink 15">
+                <a:extLst>
+                  <a:ext uri="{FF2B5EF4-FFF2-40B4-BE49-F238E27FC236}">
+                    <a16:creationId xmlns:a16="http://schemas.microsoft.com/office/drawing/2014/main" id="{63A7B024-B577-4CAE-BEB0-A6669B501358}"/>
+                  </a:ext>
+                </a:extLst>
+              </p:cNvPr>
+              <p:cNvPicPr/>
+              <p:nvPr/>
+            </p:nvPicPr>
+            <p:blipFill>
+              <a:blip r:embed="rId17"/>
+              <a:stretch>
+                <a:fillRect/>
+              </a:stretch>
+            </p:blipFill>
+            <p:spPr>
+              <a:xfrm>
+                <a:off x="2903760" y="855936"/>
+                <a:ext cx="184680" cy="360000"/>
+              </a:xfrm>
+              <a:prstGeom prst="rect">
+                <a:avLst/>
+              </a:prstGeom>
+            </p:spPr>
+          </p:pic>
+        </mc:Fallback>
+      </mc:AlternateContent>
+      <mc:AlternateContent xmlns:mc="http://schemas.openxmlformats.org/markup-compatibility/2006">
+        <mc:Choice xmlns:p14="http://schemas.microsoft.com/office/powerpoint/2010/main" Requires="p14">
+          <p:contentPart p14:bwMode="auto" r:id="rId18">
+            <p14:nvContentPartPr>
+              <p14:cNvPr id="17" name="Ink 16">
+                <a:extLst>
+                  <a:ext uri="{FF2B5EF4-FFF2-40B4-BE49-F238E27FC236}">
+                    <a16:creationId xmlns:a16="http://schemas.microsoft.com/office/drawing/2014/main" id="{E0A5D064-5764-4BC6-889A-E61EBBCB274B}"/>
+                  </a:ext>
+                </a:extLst>
+              </p14:cNvPr>
+              <p14:cNvContentPartPr/>
+              <p14:nvPr/>
+            </p14:nvContentPartPr>
+            <p14:xfrm>
+              <a:off x="3729960" y="950616"/>
+              <a:ext cx="360" cy="360"/>
+            </p14:xfrm>
+          </p:contentPart>
+        </mc:Choice>
+        <mc:Fallback>
+          <p:pic>
+            <p:nvPicPr>
+              <p:cNvPr id="17" name="Ink 16">
+                <a:extLst>
+                  <a:ext uri="{FF2B5EF4-FFF2-40B4-BE49-F238E27FC236}">
+                    <a16:creationId xmlns:a16="http://schemas.microsoft.com/office/drawing/2014/main" id="{E0A5D064-5764-4BC6-889A-E61EBBCB274B}"/>
+                  </a:ext>
+                </a:extLst>
+              </p:cNvPr>
+              <p:cNvPicPr/>
+              <p:nvPr/>
+            </p:nvPicPr>
+            <p:blipFill>
+              <a:blip r:embed="rId14"/>
+              <a:stretch>
+                <a:fillRect/>
+              </a:stretch>
+            </p:blipFill>
+            <p:spPr>
+              <a:xfrm>
+                <a:off x="3639960" y="770616"/>
+                <a:ext cx="180000" cy="360000"/>
+              </a:xfrm>
+              <a:prstGeom prst="rect">
+                <a:avLst/>
+              </a:prstGeom>
+            </p:spPr>
+          </p:pic>
+        </mc:Fallback>
+      </mc:AlternateContent>
+      <mc:AlternateContent xmlns:mc="http://schemas.openxmlformats.org/markup-compatibility/2006">
+        <mc:Choice xmlns:p14="http://schemas.microsoft.com/office/powerpoint/2010/main" Requires="p14">
+          <p:contentPart p14:bwMode="auto" r:id="rId19">
+            <p14:nvContentPartPr>
+              <p14:cNvPr id="18" name="Ink 17">
+                <a:extLst>
+                  <a:ext uri="{FF2B5EF4-FFF2-40B4-BE49-F238E27FC236}">
+                    <a16:creationId xmlns:a16="http://schemas.microsoft.com/office/drawing/2014/main" id="{2CB02C25-2F1E-43D4-A77C-3F295035E347}"/>
+                  </a:ext>
+                </a:extLst>
+              </p14:cNvPr>
+              <p14:cNvContentPartPr/>
+              <p14:nvPr/>
+            </p14:nvContentPartPr>
+            <p14:xfrm>
+              <a:off x="3620520" y="1047816"/>
+              <a:ext cx="360" cy="360"/>
+            </p14:xfrm>
+          </p:contentPart>
+        </mc:Choice>
+        <mc:Fallback>
+          <p:pic>
+            <p:nvPicPr>
+              <p:cNvPr id="18" name="Ink 17">
+                <a:extLst>
+                  <a:ext uri="{FF2B5EF4-FFF2-40B4-BE49-F238E27FC236}">
+                    <a16:creationId xmlns:a16="http://schemas.microsoft.com/office/drawing/2014/main" id="{2CB02C25-2F1E-43D4-A77C-3F295035E347}"/>
+                  </a:ext>
+                </a:extLst>
+              </p:cNvPr>
+              <p:cNvPicPr/>
+              <p:nvPr/>
+            </p:nvPicPr>
+            <p:blipFill>
+              <a:blip r:embed="rId14"/>
+              <a:stretch>
+                <a:fillRect/>
+              </a:stretch>
+            </p:blipFill>
+            <p:spPr>
+              <a:xfrm>
+                <a:off x="3530520" y="867816"/>
+                <a:ext cx="180000" cy="360000"/>
+              </a:xfrm>
+              <a:prstGeom prst="rect">
+                <a:avLst/>
+              </a:prstGeom>
+            </p:spPr>
+          </p:pic>
+        </mc:Fallback>
+      </mc:AlternateContent>
+      <mc:AlternateContent xmlns:mc="http://schemas.openxmlformats.org/markup-compatibility/2006">
+        <mc:Choice xmlns:p14="http://schemas.microsoft.com/office/powerpoint/2010/main" Requires="p14">
+          <p:contentPart p14:bwMode="auto" r:id="rId20">
+            <p14:nvContentPartPr>
+              <p14:cNvPr id="19" name="Ink 18">
+                <a:extLst>
+                  <a:ext uri="{FF2B5EF4-FFF2-40B4-BE49-F238E27FC236}">
+                    <a16:creationId xmlns:a16="http://schemas.microsoft.com/office/drawing/2014/main" id="{4BA54EC1-BC0A-44CE-B6F6-610C5C43FEAF}"/>
+                  </a:ext>
+                </a:extLst>
+              </p14:cNvPr>
+              <p14:cNvContentPartPr/>
+              <p14:nvPr/>
+            </p14:nvContentPartPr>
+            <p14:xfrm>
+              <a:off x="7131960" y="2462616"/>
+              <a:ext cx="360" cy="360"/>
+            </p14:xfrm>
+          </p:contentPart>
+        </mc:Choice>
+        <mc:Fallback>
+          <p:pic>
+            <p:nvPicPr>
+              <p:cNvPr id="19" name="Ink 18">
+                <a:extLst>
+                  <a:ext uri="{FF2B5EF4-FFF2-40B4-BE49-F238E27FC236}">
+                    <a16:creationId xmlns:a16="http://schemas.microsoft.com/office/drawing/2014/main" id="{4BA54EC1-BC0A-44CE-B6F6-610C5C43FEAF}"/>
+                  </a:ext>
+                </a:extLst>
+              </p:cNvPr>
+              <p:cNvPicPr/>
+              <p:nvPr/>
+            </p:nvPicPr>
+            <p:blipFill>
+              <a:blip r:embed="rId14"/>
+              <a:stretch>
+                <a:fillRect/>
+              </a:stretch>
+            </p:blipFill>
+            <p:spPr>
+              <a:xfrm>
+                <a:off x="7041960" y="2282616"/>
+                <a:ext cx="180000" cy="360000"/>
+              </a:xfrm>
+              <a:prstGeom prst="rect">
+                <a:avLst/>
+              </a:prstGeom>
+            </p:spPr>
+          </p:pic>
+        </mc:Fallback>
+      </mc:AlternateContent>
+      <mc:AlternateContent xmlns:mc="http://schemas.openxmlformats.org/markup-compatibility/2006">
+        <mc:Choice xmlns:p14="http://schemas.microsoft.com/office/powerpoint/2010/main" Requires="p14">
+          <p:contentPart p14:bwMode="auto" r:id="rId21">
+            <p14:nvContentPartPr>
+              <p14:cNvPr id="20" name="Ink 19">
+                <a:extLst>
+                  <a:ext uri="{FF2B5EF4-FFF2-40B4-BE49-F238E27FC236}">
+                    <a16:creationId xmlns:a16="http://schemas.microsoft.com/office/drawing/2014/main" id="{A047CCDF-AC55-4CA2-8CC2-5DEAB5DBDA79}"/>
+                  </a:ext>
+                </a:extLst>
+              </p14:cNvPr>
+              <p14:cNvContentPartPr/>
+              <p14:nvPr/>
+            </p14:nvContentPartPr>
+            <p14:xfrm>
+              <a:off x="7131960" y="2510856"/>
+              <a:ext cx="360" cy="360"/>
+            </p14:xfrm>
+          </p:contentPart>
+        </mc:Choice>
+        <mc:Fallback>
+          <p:pic>
+            <p:nvPicPr>
+              <p:cNvPr id="20" name="Ink 19">
+                <a:extLst>
+                  <a:ext uri="{FF2B5EF4-FFF2-40B4-BE49-F238E27FC236}">
+                    <a16:creationId xmlns:a16="http://schemas.microsoft.com/office/drawing/2014/main" id="{A047CCDF-AC55-4CA2-8CC2-5DEAB5DBDA79}"/>
+                  </a:ext>
+                </a:extLst>
+              </p:cNvPr>
+              <p:cNvPicPr/>
+              <p:nvPr/>
+            </p:nvPicPr>
+            <p:blipFill>
+              <a:blip r:embed="rId14"/>
+              <a:stretch>
+                <a:fillRect/>
+              </a:stretch>
+            </p:blipFill>
+            <p:spPr>
+              <a:xfrm>
+                <a:off x="7041960" y="2330856"/>
+                <a:ext cx="180000" cy="360000"/>
+              </a:xfrm>
+              <a:prstGeom prst="rect">
+                <a:avLst/>
+              </a:prstGeom>
+            </p:spPr>
+          </p:pic>
+        </mc:Fallback>
+      </mc:AlternateContent>
+      <mc:AlternateContent xmlns:mc="http://schemas.openxmlformats.org/markup-compatibility/2006">
+        <mc:Choice xmlns:p14="http://schemas.microsoft.com/office/powerpoint/2010/main" Requires="p14">
+          <p:contentPart p14:bwMode="auto" r:id="rId22">
+            <p14:nvContentPartPr>
+              <p14:cNvPr id="21" name="Ink 20">
+                <a:extLst>
+                  <a:ext uri="{FF2B5EF4-FFF2-40B4-BE49-F238E27FC236}">
+                    <a16:creationId xmlns:a16="http://schemas.microsoft.com/office/drawing/2014/main" id="{5C113320-A213-4066-90BD-CDA6F321CA37}"/>
+                  </a:ext>
+                </a:extLst>
+              </p14:cNvPr>
+              <p14:cNvContentPartPr/>
+              <p14:nvPr/>
+            </p14:nvContentPartPr>
+            <p14:xfrm>
+              <a:off x="6644160" y="4559256"/>
+              <a:ext cx="360" cy="360"/>
+            </p14:xfrm>
+          </p:contentPart>
+        </mc:Choice>
+        <mc:Fallback>
+          <p:pic>
+            <p:nvPicPr>
+              <p:cNvPr id="21" name="Ink 20">
+                <a:extLst>
+                  <a:ext uri="{FF2B5EF4-FFF2-40B4-BE49-F238E27FC236}">
+                    <a16:creationId xmlns:a16="http://schemas.microsoft.com/office/drawing/2014/main" id="{5C113320-A213-4066-90BD-CDA6F321CA37}"/>
+                  </a:ext>
+                </a:extLst>
+              </p:cNvPr>
+              <p:cNvPicPr/>
+              <p:nvPr/>
+            </p:nvPicPr>
+            <p:blipFill>
+              <a:blip r:embed="rId14"/>
+              <a:stretch>
+                <a:fillRect/>
+              </a:stretch>
+            </p:blipFill>
+            <p:spPr>
+              <a:xfrm>
+                <a:off x="6554160" y="4379256"/>
+                <a:ext cx="180000" cy="360000"/>
+              </a:xfrm>
+              <a:prstGeom prst="rect">
+                <a:avLst/>
+              </a:prstGeom>
+            </p:spPr>
+          </p:pic>
+        </mc:Fallback>
+      </mc:AlternateContent>
+      <mc:AlternateContent xmlns:mc="http://schemas.openxmlformats.org/markup-compatibility/2006">
+        <mc:Choice xmlns:p14="http://schemas.microsoft.com/office/powerpoint/2010/main" Requires="p14">
+          <p:contentPart p14:bwMode="auto" r:id="rId23">
+            <p14:nvContentPartPr>
+              <p14:cNvPr id="22" name="Ink 21">
+                <a:extLst>
+                  <a:ext uri="{FF2B5EF4-FFF2-40B4-BE49-F238E27FC236}">
+                    <a16:creationId xmlns:a16="http://schemas.microsoft.com/office/drawing/2014/main" id="{E393B7F9-52EB-4DF0-9F3C-D38FF4077920}"/>
+                  </a:ext>
+                </a:extLst>
+              </p14:cNvPr>
+              <p14:cNvContentPartPr/>
+              <p14:nvPr/>
+            </p14:nvContentPartPr>
+            <p14:xfrm>
+              <a:off x="-1926720" y="3961656"/>
+              <a:ext cx="360" cy="360"/>
+            </p14:xfrm>
+          </p:contentPart>
+        </mc:Choice>
+        <mc:Fallback>
+          <p:pic>
+            <p:nvPicPr>
+              <p:cNvPr id="22" name="Ink 21">
+                <a:extLst>
+                  <a:ext uri="{FF2B5EF4-FFF2-40B4-BE49-F238E27FC236}">
+                    <a16:creationId xmlns:a16="http://schemas.microsoft.com/office/drawing/2014/main" id="{E393B7F9-52EB-4DF0-9F3C-D38FF4077920}"/>
+                  </a:ext>
+                </a:extLst>
+              </p:cNvPr>
+              <p:cNvPicPr/>
+              <p:nvPr/>
+            </p:nvPicPr>
+            <p:blipFill>
+              <a:blip r:embed="rId14"/>
+              <a:stretch>
+                <a:fillRect/>
+              </a:stretch>
+            </p:blipFill>
+            <p:spPr>
+              <a:xfrm>
+                <a:off x="-2016720" y="3781656"/>
+                <a:ext cx="180000" cy="360000"/>
+              </a:xfrm>
+              <a:prstGeom prst="rect">
+                <a:avLst/>
+              </a:prstGeom>
+            </p:spPr>
+          </p:pic>
+        </mc:Fallback>
+      </mc:AlternateContent>
+      <mc:AlternateContent xmlns:mc="http://schemas.openxmlformats.org/markup-compatibility/2006">
+        <mc:Choice xmlns:p14="http://schemas.microsoft.com/office/powerpoint/2010/main" Requires="p14">
+          <p:contentPart p14:bwMode="auto" r:id="rId24">
+            <p14:nvContentPartPr>
+              <p14:cNvPr id="23" name="Ink 22">
+                <a:extLst>
+                  <a:ext uri="{FF2B5EF4-FFF2-40B4-BE49-F238E27FC236}">
+                    <a16:creationId xmlns:a16="http://schemas.microsoft.com/office/drawing/2014/main" id="{34B2D232-CEF5-419B-B1A5-8DBEA2B7E54F}"/>
+                  </a:ext>
+                </a:extLst>
+              </p14:cNvPr>
+              <p14:cNvContentPartPr/>
+              <p14:nvPr/>
+            </p14:nvContentPartPr>
+            <p14:xfrm>
+              <a:off x="-1049040" y="3218256"/>
+              <a:ext cx="360" cy="360"/>
+            </p14:xfrm>
+          </p:contentPart>
+        </mc:Choice>
+        <mc:Fallback>
+          <p:pic>
+            <p:nvPicPr>
+              <p:cNvPr id="23" name="Ink 22">
+                <a:extLst>
+                  <a:ext uri="{FF2B5EF4-FFF2-40B4-BE49-F238E27FC236}">
+                    <a16:creationId xmlns:a16="http://schemas.microsoft.com/office/drawing/2014/main" id="{34B2D232-CEF5-419B-B1A5-8DBEA2B7E54F}"/>
+                  </a:ext>
+                </a:extLst>
+              </p:cNvPr>
+              <p:cNvPicPr/>
+              <p:nvPr/>
+            </p:nvPicPr>
+            <p:blipFill>
+              <a:blip r:embed="rId14"/>
+              <a:stretch>
+                <a:fillRect/>
+              </a:stretch>
+            </p:blipFill>
+            <p:spPr>
+              <a:xfrm>
+                <a:off x="-1139040" y="3038256"/>
+                <a:ext cx="180000" cy="360000"/>
+              </a:xfrm>
+              <a:prstGeom prst="rect">
+                <a:avLst/>
+              </a:prstGeom>
+            </p:spPr>
+          </p:pic>
+        </mc:Fallback>
+      </mc:AlternateContent>
+      <mc:AlternateContent xmlns:mc="http://schemas.openxmlformats.org/markup-compatibility/2006">
+        <mc:Choice xmlns:p14="http://schemas.microsoft.com/office/powerpoint/2010/main" Requires="p14">
+          <p:contentPart p14:bwMode="auto" r:id="rId25">
+            <p14:nvContentPartPr>
+              <p14:cNvPr id="24" name="Ink 23">
+                <a:extLst>
+                  <a:ext uri="{FF2B5EF4-FFF2-40B4-BE49-F238E27FC236}">
+                    <a16:creationId xmlns:a16="http://schemas.microsoft.com/office/drawing/2014/main" id="{362E2CCD-E783-4EB0-A449-D3A45EEDACA1}"/>
+                  </a:ext>
+                </a:extLst>
+              </p14:cNvPr>
+              <p14:cNvContentPartPr/>
+              <p14:nvPr/>
+            </p14:nvContentPartPr>
+            <p14:xfrm>
+              <a:off x="2047680" y="1023696"/>
+              <a:ext cx="360" cy="360"/>
+            </p14:xfrm>
+          </p:contentPart>
+        </mc:Choice>
+        <mc:Fallback>
+          <p:pic>
+            <p:nvPicPr>
+              <p:cNvPr id="24" name="Ink 23">
+                <a:extLst>
+                  <a:ext uri="{FF2B5EF4-FFF2-40B4-BE49-F238E27FC236}">
+                    <a16:creationId xmlns:a16="http://schemas.microsoft.com/office/drawing/2014/main" id="{362E2CCD-E783-4EB0-A449-D3A45EEDACA1}"/>
+                  </a:ext>
+                </a:extLst>
+              </p:cNvPr>
+              <p:cNvPicPr/>
+              <p:nvPr/>
+            </p:nvPicPr>
+            <p:blipFill>
+              <a:blip r:embed="rId14"/>
+              <a:stretch>
+                <a:fillRect/>
+              </a:stretch>
+            </p:blipFill>
+            <p:spPr>
+              <a:xfrm>
+                <a:off x="1957680" y="843696"/>
+                <a:ext cx="180000" cy="360000"/>
+              </a:xfrm>
+              <a:prstGeom prst="rect">
+                <a:avLst/>
+              </a:prstGeom>
+            </p:spPr>
+          </p:pic>
+        </mc:Fallback>
+      </mc:AlternateContent>
+      <mc:AlternateContent xmlns:mc="http://schemas.openxmlformats.org/markup-compatibility/2006">
+        <mc:Choice xmlns:p14="http://schemas.microsoft.com/office/powerpoint/2010/main" Requires="p14">
+          <p:contentPart p14:bwMode="auto" r:id="rId26">
+            <p14:nvContentPartPr>
+              <p14:cNvPr id="25" name="Ink 24">
+                <a:extLst>
+                  <a:ext uri="{FF2B5EF4-FFF2-40B4-BE49-F238E27FC236}">
+                    <a16:creationId xmlns:a16="http://schemas.microsoft.com/office/drawing/2014/main" id="{3A6B9D4B-B599-4E13-8CD4-9AE1EA05DD38}"/>
+                  </a:ext>
+                </a:extLst>
+              </p14:cNvPr>
+              <p14:cNvContentPartPr/>
+              <p14:nvPr/>
+            </p14:nvContentPartPr>
+            <p14:xfrm>
+              <a:off x="2084400" y="1023696"/>
+              <a:ext cx="5040" cy="360"/>
+            </p14:xfrm>
+          </p:contentPart>
+        </mc:Choice>
+        <mc:Fallback>
+          <p:pic>
+            <p:nvPicPr>
+              <p:cNvPr id="25" name="Ink 24">
+                <a:extLst>
+                  <a:ext uri="{FF2B5EF4-FFF2-40B4-BE49-F238E27FC236}">
+                    <a16:creationId xmlns:a16="http://schemas.microsoft.com/office/drawing/2014/main" id="{3A6B9D4B-B599-4E13-8CD4-9AE1EA05DD38}"/>
+                  </a:ext>
+                </a:extLst>
+              </p:cNvPr>
+              <p:cNvPicPr/>
+              <p:nvPr/>
+            </p:nvPicPr>
+            <p:blipFill>
+              <a:blip r:embed="rId17"/>
+              <a:stretch>
+                <a:fillRect/>
+              </a:stretch>
+            </p:blipFill>
+            <p:spPr>
+              <a:xfrm>
+                <a:off x="1994400" y="843696"/>
+                <a:ext cx="184680" cy="360000"/>
+              </a:xfrm>
+              <a:prstGeom prst="rect">
+                <a:avLst/>
+              </a:prstGeom>
+            </p:spPr>
+          </p:pic>
+        </mc:Fallback>
+      </mc:AlternateContent>
+      <mc:AlternateContent xmlns:mc="http://schemas.openxmlformats.org/markup-compatibility/2006">
+        <mc:Choice xmlns:p14="http://schemas.microsoft.com/office/powerpoint/2010/main" Requires="p14">
+          <p:contentPart p14:bwMode="auto" r:id="rId27">
+            <p14:nvContentPartPr>
+              <p14:cNvPr id="26" name="Ink 25">
+                <a:extLst>
+                  <a:ext uri="{FF2B5EF4-FFF2-40B4-BE49-F238E27FC236}">
+                    <a16:creationId xmlns:a16="http://schemas.microsoft.com/office/drawing/2014/main" id="{915EBC98-2995-4202-8847-0A06CF184801}"/>
+                  </a:ext>
+                </a:extLst>
+              </p14:cNvPr>
+              <p14:cNvContentPartPr/>
+              <p14:nvPr/>
+            </p14:nvContentPartPr>
+            <p14:xfrm>
+              <a:off x="1987200" y="1011456"/>
+              <a:ext cx="360" cy="360"/>
+            </p14:xfrm>
+          </p:contentPart>
+        </mc:Choice>
+        <mc:Fallback>
+          <p:pic>
+            <p:nvPicPr>
+              <p:cNvPr id="26" name="Ink 25">
+                <a:extLst>
+                  <a:ext uri="{FF2B5EF4-FFF2-40B4-BE49-F238E27FC236}">
+                    <a16:creationId xmlns:a16="http://schemas.microsoft.com/office/drawing/2014/main" id="{915EBC98-2995-4202-8847-0A06CF184801}"/>
+                  </a:ext>
+                </a:extLst>
+              </p:cNvPr>
+              <p:cNvPicPr/>
+              <p:nvPr/>
+            </p:nvPicPr>
+            <p:blipFill>
+              <a:blip r:embed="rId14"/>
+              <a:stretch>
+                <a:fillRect/>
+              </a:stretch>
+            </p:blipFill>
+            <p:spPr>
+              <a:xfrm>
+                <a:off x="1897200" y="831456"/>
+                <a:ext cx="180000" cy="360000"/>
+              </a:xfrm>
+              <a:prstGeom prst="rect">
+                <a:avLst/>
+              </a:prstGeom>
+            </p:spPr>
+          </p:pic>
+        </mc:Fallback>
+      </mc:AlternateContent>
+      <mc:AlternateContent xmlns:mc="http://schemas.openxmlformats.org/markup-compatibility/2006">
+        <mc:Choice xmlns:p14="http://schemas.microsoft.com/office/powerpoint/2010/main" Requires="p14">
+          <p:contentPart p14:bwMode="auto" r:id="rId28">
+            <p14:nvContentPartPr>
+              <p14:cNvPr id="27" name="Ink 26">
+                <a:extLst>
+                  <a:ext uri="{FF2B5EF4-FFF2-40B4-BE49-F238E27FC236}">
+                    <a16:creationId xmlns:a16="http://schemas.microsoft.com/office/drawing/2014/main" id="{45DA6E77-6091-41F4-942A-0F309A3D2009}"/>
+                  </a:ext>
+                </a:extLst>
+              </p14:cNvPr>
+              <p14:cNvContentPartPr/>
+              <p14:nvPr/>
+            </p14:nvContentPartPr>
+            <p14:xfrm>
+              <a:off x="-1855800" y="657936"/>
+              <a:ext cx="27000" cy="23400"/>
+            </p14:xfrm>
+          </p:contentPart>
+        </mc:Choice>
+        <mc:Fallback>
+          <p:pic>
+            <p:nvPicPr>
+              <p:cNvPr id="27" name="Ink 26">
+                <a:extLst>
+                  <a:ext uri="{FF2B5EF4-FFF2-40B4-BE49-F238E27FC236}">
+                    <a16:creationId xmlns:a16="http://schemas.microsoft.com/office/drawing/2014/main" id="{45DA6E77-6091-41F4-942A-0F309A3D2009}"/>
+                  </a:ext>
+                </a:extLst>
+              </p:cNvPr>
+              <p:cNvPicPr/>
+              <p:nvPr/>
+            </p:nvPicPr>
+            <p:blipFill>
+              <a:blip r:embed="rId29"/>
+              <a:stretch>
+                <a:fillRect/>
+              </a:stretch>
+            </p:blipFill>
+            <p:spPr>
+              <a:xfrm>
+                <a:off x="-1945800" y="477936"/>
+                <a:ext cx="206640" cy="383040"/>
+              </a:xfrm>
+              <a:prstGeom prst="rect">
+                <a:avLst/>
+              </a:prstGeom>
+            </p:spPr>
+          </p:pic>
+        </mc:Fallback>
+      </mc:AlternateContent>
+      <mc:AlternateContent xmlns:mc="http://schemas.openxmlformats.org/markup-compatibility/2006">
+        <mc:Choice xmlns:p14="http://schemas.microsoft.com/office/powerpoint/2010/main" Requires="p14">
+          <p:contentPart p14:bwMode="auto" r:id="rId30">
+            <p14:nvContentPartPr>
+              <p14:cNvPr id="28" name="Ink 27">
+                <a:extLst>
+                  <a:ext uri="{FF2B5EF4-FFF2-40B4-BE49-F238E27FC236}">
+                    <a16:creationId xmlns:a16="http://schemas.microsoft.com/office/drawing/2014/main" id="{E3F3AD06-2FD6-4505-B7DB-A8FB3DED0B43}"/>
+                  </a:ext>
+                </a:extLst>
+              </p14:cNvPr>
+              <p14:cNvContentPartPr/>
+              <p14:nvPr/>
+            </p14:nvContentPartPr>
+            <p14:xfrm>
+              <a:off x="-268560" y="816336"/>
+              <a:ext cx="5040" cy="360"/>
+            </p14:xfrm>
+          </p:contentPart>
+        </mc:Choice>
+        <mc:Fallback>
+          <p:pic>
+            <p:nvPicPr>
+              <p:cNvPr id="28" name="Ink 27">
+                <a:extLst>
+                  <a:ext uri="{FF2B5EF4-FFF2-40B4-BE49-F238E27FC236}">
+                    <a16:creationId xmlns:a16="http://schemas.microsoft.com/office/drawing/2014/main" id="{E3F3AD06-2FD6-4505-B7DB-A8FB3DED0B43}"/>
+                  </a:ext>
+                </a:extLst>
+              </p:cNvPr>
+              <p:cNvPicPr/>
+              <p:nvPr/>
+            </p:nvPicPr>
+            <p:blipFill>
+              <a:blip r:embed="rId17"/>
+              <a:stretch>
+                <a:fillRect/>
+              </a:stretch>
+            </p:blipFill>
+            <p:spPr>
+              <a:xfrm>
+                <a:off x="-358560" y="636336"/>
+                <a:ext cx="184680" cy="360000"/>
+              </a:xfrm>
+              <a:prstGeom prst="rect">
+                <a:avLst/>
+              </a:prstGeom>
+            </p:spPr>
+          </p:pic>
+        </mc:Fallback>
+      </mc:AlternateContent>
+      <mc:AlternateContent xmlns:mc="http://schemas.openxmlformats.org/markup-compatibility/2006">
+        <mc:Choice xmlns:p14="http://schemas.microsoft.com/office/powerpoint/2010/main" Requires="p14">
+          <p:contentPart p14:bwMode="auto" r:id="rId31">
+            <p14:nvContentPartPr>
+              <p14:cNvPr id="30" name="Ink 29">
+                <a:extLst>
+                  <a:ext uri="{FF2B5EF4-FFF2-40B4-BE49-F238E27FC236}">
+                    <a16:creationId xmlns:a16="http://schemas.microsoft.com/office/drawing/2014/main" id="{C9248AF4-5127-48C9-B6A2-758110871291}"/>
+                  </a:ext>
+                </a:extLst>
+              </p14:cNvPr>
+              <p14:cNvContentPartPr/>
+              <p14:nvPr/>
+            </p14:nvContentPartPr>
+            <p14:xfrm>
+              <a:off x="-2207160" y="1998936"/>
+              <a:ext cx="360" cy="360"/>
+            </p14:xfrm>
+          </p:contentPart>
+        </mc:Choice>
+        <mc:Fallback>
+          <p:pic>
+            <p:nvPicPr>
+              <p:cNvPr id="30" name="Ink 29">
+                <a:extLst>
+                  <a:ext uri="{FF2B5EF4-FFF2-40B4-BE49-F238E27FC236}">
+                    <a16:creationId xmlns:a16="http://schemas.microsoft.com/office/drawing/2014/main" id="{C9248AF4-5127-48C9-B6A2-758110871291}"/>
+                  </a:ext>
+                </a:extLst>
+              </p:cNvPr>
+              <p:cNvPicPr/>
+              <p:nvPr/>
+            </p:nvPicPr>
+            <p:blipFill>
+              <a:blip r:embed="rId32"/>
+              <a:stretch>
+                <a:fillRect/>
+              </a:stretch>
+            </p:blipFill>
+            <p:spPr>
+              <a:xfrm>
+                <a:off x="-2216160" y="1989936"/>
+                <a:ext cx="18000" cy="18000"/>
+              </a:xfrm>
+              <a:prstGeom prst="rect">
+                <a:avLst/>
+              </a:prstGeom>
+            </p:spPr>
+          </p:pic>
+        </mc:Fallback>
+      </mc:AlternateContent>
+      <p:sp>
+        <p:nvSpPr>
+          <p:cNvPr id="5" name="Title 1">
+            <a:extLst>
+              <a:ext uri="{FF2B5EF4-FFF2-40B4-BE49-F238E27FC236}">
+                <a16:creationId xmlns:a16="http://schemas.microsoft.com/office/drawing/2014/main" id="{5F8DCC2E-77F1-AFEF-7912-BFAFA173610B}"/>
+              </a:ext>
+            </a:extLst>
+          </p:cNvPr>
+          <p:cNvSpPr txBox="1">
+            <a:spLocks/>
+          </p:cNvSpPr>
+          <p:nvPr/>
+        </p:nvSpPr>
+        <p:spPr>
+          <a:xfrm>
+            <a:off x="681315" y="425542"/>
+            <a:ext cx="10967204" cy="1325563"/>
+          </a:xfrm>
+          <a:prstGeom prst="rect">
+            <a:avLst/>
+          </a:prstGeom>
+        </p:spPr>
+        <p:txBody>
+          <a:bodyPr vert="horz" lIns="91440" tIns="45720" rIns="91440" bIns="45720" rtlCol="0" anchor="ctr">
+            <a:normAutofit fontScale="97500"/>
+          </a:bodyPr>
+          <a:lstStyle>
+            <a:lvl1pPr algn="l" defTabSz="914400" rtl="0" eaLnBrk="1" latinLnBrk="0" hangingPunct="1">
+              <a:lnSpc>
+                <a:spcPct val="90000"/>
+              </a:lnSpc>
+              <a:spcBef>
+                <a:spcPct val="0"/>
+              </a:spcBef>
+              <a:buNone/>
+              <a:defRPr sz="4000" kern="1200">
+                <a:solidFill>
+                  <a:srgbClr val="005493"/>
+                </a:solidFill>
+                <a:latin typeface="IBM Plex Mono SemiBold" panose="020B0709050203000203" pitchFamily="49" charset="0"/>
+                <a:ea typeface="IBM Plex Mono SemiBold" panose="020B0709050203000203" pitchFamily="49" charset="0"/>
+                <a:cs typeface="IBM Plex Mono SemiBold" panose="020B0709050203000203" pitchFamily="49" charset="0"/>
+              </a:defRPr>
+            </a:lvl1pPr>
+          </a:lstStyle>
+          <a:p>
+            <a:r>
+              <a:rPr lang="en-US" dirty="0">
+                <a:solidFill>
+                  <a:srgbClr val="0E659B"/>
+                </a:solidFill>
+              </a:rPr>
+              <a:t>Stack Overflow Developer Survey 2019</a:t>
+            </a:r>
+          </a:p>
+        </p:txBody>
+      </p:sp>
     </p:spTree>
     <p:extLst>
       <p:ext uri="{BB962C8B-B14F-4D97-AF65-F5344CB8AC3E}">
-        <p14:creationId xmlns:p14="http://schemas.microsoft.com/office/powerpoint/2010/main" val="1817399028"/>
+        <p14:creationId xmlns:p14="http://schemas.microsoft.com/office/powerpoint/2010/main" val="1703869106"/>
       </p:ext>
     </p:extLst>
   </p:cSld>
@@ -8081,12 +11082,6 @@
             <a:r>
               <a:rPr lang="en-US" sz="2200" dirty="0"/>
               <a:t>Conclusion</a:t>
-            </a:r>
-          </a:p>
-          <a:p>
-            <a:r>
-              <a:rPr lang="en-US" sz="2200" dirty="0"/>
-              <a:t>Appendix</a:t>
             </a:r>
           </a:p>
         </p:txBody>
@@ -9101,12 +12096,26 @@
           <a:p>
             <a:r>
               <a:rPr lang="en-US" sz="2200" dirty="0"/>
+              <a:t>Provide actionable insights into developer skills, preferences, and aspirations.</a:t>
+            </a:r>
+          </a:p>
+          <a:p>
+            <a:r>
+              <a:rPr lang="en-US" sz="2200" dirty="0"/>
+              <a:t>Inform strategic decision-making for talent acquisition, training, technology adoption, and product development.</a:t>
+            </a:r>
+          </a:p>
+          <a:p>
+            <a:pPr lvl="1"/>
+            <a:r>
+              <a:rPr lang="en-US" sz="1800" dirty="0"/>
               <a:t>Explore current data trends using visualizations</a:t>
             </a:r>
           </a:p>
           <a:p>
-            <a:r>
-              <a:rPr lang="en-US" sz="2200" dirty="0"/>
+            <a:pPr lvl="1"/>
+            <a:r>
+              <a:rPr lang="en-US" sz="1800" dirty="0"/>
               <a:t>Uncover patterns for future trends</a:t>
             </a:r>
           </a:p>
@@ -9234,7 +12243,7 @@
           </a:xfrm>
         </p:spPr>
         <p:txBody>
-          <a:bodyPr>
+          <a:bodyPr numCol="2">
             <a:normAutofit/>
           </a:bodyPr>
           <a:lstStyle/>
@@ -9270,6 +12279,49 @@
               <a:rPr lang="en-US" sz="2200" dirty="0"/>
               <a:t>Data Wrangling</a:t>
             </a:r>
+          </a:p>
+          <a:p>
+            <a:pPr lvl="1"/>
+            <a:r>
+              <a:rPr lang="en-US" sz="1800" dirty="0"/>
+              <a:t>Accurate</a:t>
+            </a:r>
+          </a:p>
+          <a:p>
+            <a:pPr lvl="1"/>
+            <a:r>
+              <a:rPr lang="en-US" sz="1800" dirty="0"/>
+              <a:t>Complete</a:t>
+            </a:r>
+          </a:p>
+          <a:p>
+            <a:pPr lvl="1"/>
+            <a:r>
+              <a:rPr lang="en-US" sz="1800" dirty="0"/>
+              <a:t>Reliable</a:t>
+            </a:r>
+          </a:p>
+          <a:p>
+            <a:pPr lvl="1"/>
+            <a:r>
+              <a:rPr lang="en-US" sz="1800" dirty="0"/>
+              <a:t>Timeliness</a:t>
+            </a:r>
+          </a:p>
+          <a:p>
+            <a:pPr lvl="1"/>
+            <a:r>
+              <a:rPr lang="en-US" sz="1800" dirty="0"/>
+              <a:t>Relevance</a:t>
+            </a:r>
+          </a:p>
+          <a:p>
+            <a:pPr lvl="1"/>
+            <a:endParaRPr lang="en-US" sz="1800" dirty="0"/>
+          </a:p>
+          <a:p>
+            <a:pPr lvl="1"/>
+            <a:endParaRPr lang="en-US" sz="1800" dirty="0"/>
           </a:p>
           <a:p>
             <a:r>
@@ -9373,92 +12425,99 @@
           <a:chExt cx="0" cy="0"/>
         </a:xfrm>
       </p:grpSpPr>
-      <p:sp>
-        <p:nvSpPr>
-          <p:cNvPr id="2" name="Title 1">
+      <p:pic>
+        <p:nvPicPr>
+          <p:cNvPr id="5" name="Picture 4">
             <a:extLst>
               <a:ext uri="{FF2B5EF4-FFF2-40B4-BE49-F238E27FC236}">
-                <a16:creationId xmlns:a16="http://schemas.microsoft.com/office/drawing/2014/main" id="{2873BEC0-94F5-4226-A9E7-51B66045EF49}"/>
+                <a16:creationId xmlns:a16="http://schemas.microsoft.com/office/drawing/2014/main" id="{3484BE64-E44C-8968-EE87-EE3DDB13B52F}"/>
               </a:ext>
             </a:extLst>
           </p:cNvPr>
-          <p:cNvSpPr>
-            <a:spLocks noGrp="1"/>
-          </p:cNvSpPr>
-          <p:nvPr>
-            <p:ph type="title"/>
-          </p:nvPr>
-        </p:nvSpPr>
+          <p:cNvPicPr>
+            <a:picLocks noChangeAspect="1"/>
+          </p:cNvPicPr>
+          <p:nvPr/>
+        </p:nvPicPr>
+        <p:blipFill rotWithShape="1">
+          <a:blip r:embed="rId2"/>
+          <a:srcRect t="4219"/>
+          <a:stretch/>
+        </p:blipFill>
         <p:spPr>
           <a:xfrm>
-            <a:off x="838200" y="365125"/>
-            <a:ext cx="10515600" cy="1325563"/>
+            <a:off x="0" y="1849348"/>
+            <a:ext cx="12192000" cy="5008652"/>
           </a:xfrm>
+          <a:prstGeom prst="rect">
+            <a:avLst/>
+          </a:prstGeom>
         </p:spPr>
-        <p:txBody>
-          <a:bodyPr anchor="ctr">
-            <a:normAutofit/>
-          </a:bodyPr>
-          <a:lstStyle/>
-          <a:p>
-            <a:r>
-              <a:rPr lang="en-US" dirty="0"/>
-              <a:t>RESULTS</a:t>
-            </a:r>
-          </a:p>
-        </p:txBody>
-      </p:sp>
-      <p:sp>
-        <p:nvSpPr>
-          <p:cNvPr id="3" name="Content Placeholder 2">
+      </p:pic>
+      <p:pic>
+        <p:nvPicPr>
+          <p:cNvPr id="9" name="Picture 8">
             <a:extLst>
               <a:ext uri="{FF2B5EF4-FFF2-40B4-BE49-F238E27FC236}">
-                <a16:creationId xmlns:a16="http://schemas.microsoft.com/office/drawing/2014/main" id="{902FD5C4-FE5F-46D2-ABC9-49FA4BB8442F}"/>
+                <a16:creationId xmlns:a16="http://schemas.microsoft.com/office/drawing/2014/main" id="{0617F111-B2EF-EA23-0ED0-E587D62F0B86}"/>
               </a:ext>
             </a:extLst>
           </p:cNvPr>
-          <p:cNvSpPr>
-            <a:spLocks noGrp="1"/>
-          </p:cNvSpPr>
-          <p:nvPr>
-            <p:ph sz="half" idx="2"/>
-          </p:nvPr>
-        </p:nvSpPr>
+          <p:cNvPicPr>
+            <a:picLocks noChangeAspect="1"/>
+          </p:cNvPicPr>
+          <p:nvPr/>
+        </p:nvPicPr>
+        <p:blipFill>
+          <a:blip r:embed="rId3"/>
+          <a:stretch>
+            <a:fillRect/>
+          </a:stretch>
+        </p:blipFill>
         <p:spPr>
           <a:xfrm>
-            <a:off x="1043114" y="1825625"/>
-            <a:ext cx="7068725" cy="4351338"/>
+            <a:off x="0" y="0"/>
+            <a:ext cx="12192000" cy="958921"/>
           </a:xfrm>
+          <a:prstGeom prst="rect">
+            <a:avLst/>
+          </a:prstGeom>
         </p:spPr>
-        <p:txBody>
-          <a:bodyPr>
-            <a:normAutofit/>
-          </a:bodyPr>
-          <a:lstStyle/>
-          <a:p>
-            <a:pPr marL="0" indent="0">
-              <a:buNone/>
-            </a:pPr>
-            <a:endParaRPr lang="en-US" sz="1800" dirty="0"/>
-          </a:p>
-          <a:p>
-            <a:pPr marL="0" indent="0">
-              <a:buNone/>
-            </a:pPr>
-            <a:endParaRPr lang="en-US" sz="1800" dirty="0"/>
-          </a:p>
-          <a:p>
-            <a:pPr marL="0" indent="0">
-              <a:buNone/>
-            </a:pPr>
-            <a:endParaRPr lang="en-US" sz="1800" dirty="0"/>
-          </a:p>
-        </p:txBody>
-      </p:sp>
+      </p:pic>
+      <p:pic>
+        <p:nvPicPr>
+          <p:cNvPr id="13" name="Picture 12">
+            <a:extLst>
+              <a:ext uri="{FF2B5EF4-FFF2-40B4-BE49-F238E27FC236}">
+                <a16:creationId xmlns:a16="http://schemas.microsoft.com/office/drawing/2014/main" id="{46BDB765-3EA3-C922-6C2E-EB9D32ED65B3}"/>
+              </a:ext>
+            </a:extLst>
+          </p:cNvPr>
+          <p:cNvPicPr>
+            <a:picLocks noChangeAspect="1"/>
+          </p:cNvPicPr>
+          <p:nvPr/>
+        </p:nvPicPr>
+        <p:blipFill>
+          <a:blip r:embed="rId4"/>
+          <a:stretch>
+            <a:fillRect/>
+          </a:stretch>
+        </p:blipFill>
+        <p:spPr>
+          <a:xfrm>
+            <a:off x="0" y="958921"/>
+            <a:ext cx="12192000" cy="890427"/>
+          </a:xfrm>
+          <a:prstGeom prst="rect">
+            <a:avLst/>
+          </a:prstGeom>
+        </p:spPr>
+      </p:pic>
     </p:spTree>
     <p:extLst>
       <p:ext uri="{BB962C8B-B14F-4D97-AF65-F5344CB8AC3E}">
-        <p14:creationId xmlns:p14="http://schemas.microsoft.com/office/powerpoint/2010/main" val="1464666480"/>
+        <p14:creationId xmlns:p14="http://schemas.microsoft.com/office/powerpoint/2010/main" val="2559053357"/>
       </p:ext>
     </p:extLst>
   </p:cSld>
@@ -9485,510 +12544,42 @@
           <a:chExt cx="0" cy="0"/>
         </a:xfrm>
       </p:grpSpPr>
-      <p:sp>
-        <p:nvSpPr>
-          <p:cNvPr id="2" name="Title 1">
+      <p:pic>
+        <p:nvPicPr>
+          <p:cNvPr id="5" name="Picture 4">
             <a:extLst>
               <a:ext uri="{FF2B5EF4-FFF2-40B4-BE49-F238E27FC236}">
-                <a16:creationId xmlns:a16="http://schemas.microsoft.com/office/drawing/2014/main" id="{65C3525F-7CB4-4C06-B037-C81D2DED9B80}"/>
+                <a16:creationId xmlns:a16="http://schemas.microsoft.com/office/drawing/2014/main" id="{3B93186C-7AAB-3DCB-4E43-79088FBD8162}"/>
               </a:ext>
             </a:extLst>
           </p:cNvPr>
-          <p:cNvSpPr>
-            <a:spLocks noGrp="1"/>
-          </p:cNvSpPr>
-          <p:nvPr>
-            <p:ph type="title"/>
-          </p:nvPr>
-        </p:nvSpPr>
-        <p:spPr/>
-        <p:txBody>
-          <a:bodyPr/>
-          <a:lstStyle/>
-          <a:p>
-            <a:r>
-              <a:rPr lang="en-US" dirty="0"/>
-              <a:t>PROGRAMMING LANGUAGE TRENDS</a:t>
-            </a:r>
-          </a:p>
-        </p:txBody>
-      </p:sp>
-      <p:sp>
-        <p:nvSpPr>
-          <p:cNvPr id="3" name="Content Placeholder 2">
-            <a:extLst>
-              <a:ext uri="{FF2B5EF4-FFF2-40B4-BE49-F238E27FC236}">
-                <a16:creationId xmlns:a16="http://schemas.microsoft.com/office/drawing/2014/main" id="{E4FC0D20-FACF-4D73-BD27-CF8F6B97546A}"/>
-              </a:ext>
-            </a:extLst>
-          </p:cNvPr>
-          <p:cNvSpPr>
-            <a:spLocks noGrp="1"/>
-          </p:cNvSpPr>
-          <p:nvPr>
-            <p:ph sz="half" idx="1"/>
-          </p:nvPr>
-        </p:nvSpPr>
+          <p:cNvPicPr>
+            <a:picLocks noChangeAspect="1"/>
+          </p:cNvPicPr>
+          <p:nvPr/>
+        </p:nvPicPr>
+        <p:blipFill>
+          <a:blip r:embed="rId2"/>
+          <a:stretch>
+            <a:fillRect/>
+          </a:stretch>
+        </p:blipFill>
         <p:spPr>
           <a:xfrm>
-            <a:off x="813816" y="1825625"/>
-            <a:ext cx="2228642" cy="501939"/>
-          </a:xfrm>
-        </p:spPr>
-        <p:txBody>
-          <a:bodyPr/>
-          <a:lstStyle/>
-          <a:p>
-            <a:pPr marL="0" indent="0">
-              <a:buNone/>
-            </a:pPr>
-            <a:r>
-              <a:rPr lang="en-US" dirty="0"/>
-              <a:t>Current Year</a:t>
-            </a:r>
-          </a:p>
-        </p:txBody>
-      </p:sp>
-      <p:sp>
-        <p:nvSpPr>
-          <p:cNvPr id="4" name="Content Placeholder 3">
-            <a:extLst>
-              <a:ext uri="{FF2B5EF4-FFF2-40B4-BE49-F238E27FC236}">
-                <a16:creationId xmlns:a16="http://schemas.microsoft.com/office/drawing/2014/main" id="{ACA6A89D-097D-4968-A07A-39A5B4F78A62}"/>
-              </a:ext>
-            </a:extLst>
-          </p:cNvPr>
-          <p:cNvSpPr>
-            <a:spLocks noGrp="1"/>
-          </p:cNvSpPr>
-          <p:nvPr>
-            <p:ph sz="half" idx="2"/>
-          </p:nvPr>
-        </p:nvSpPr>
-        <p:spPr>
-          <a:xfrm>
-            <a:off x="6172200" y="1825625"/>
-            <a:ext cx="1758142" cy="501939"/>
-          </a:xfrm>
-        </p:spPr>
-        <p:txBody>
-          <a:bodyPr/>
-          <a:lstStyle/>
-          <a:p>
-            <a:pPr marL="0" indent="0">
-              <a:buNone/>
-            </a:pPr>
-            <a:r>
-              <a:rPr lang="en-US" dirty="0"/>
-              <a:t>Next Year</a:t>
-            </a:r>
-          </a:p>
-        </p:txBody>
-      </p:sp>
-      <p:sp>
-        <p:nvSpPr>
-          <p:cNvPr id="8" name="Content Placeholder 2">
-            <a:extLst>
-              <a:ext uri="{FF2B5EF4-FFF2-40B4-BE49-F238E27FC236}">
-                <a16:creationId xmlns:a16="http://schemas.microsoft.com/office/drawing/2014/main" id="{D13C2F43-A283-4FD4-9C0D-BFF93C50AC01}"/>
-              </a:ext>
-            </a:extLst>
-          </p:cNvPr>
-          <p:cNvSpPr txBox="1">
-            <a:spLocks/>
-          </p:cNvSpPr>
-          <p:nvPr/>
-        </p:nvSpPr>
-        <p:spPr>
-          <a:xfrm>
-            <a:off x="838199" y="2506661"/>
-            <a:ext cx="4614949" cy="3670301"/>
+            <a:off x="0" y="803368"/>
+            <a:ext cx="12192000" cy="1392000"/>
           </a:xfrm>
           <a:prstGeom prst="rect">
             <a:avLst/>
           </a:prstGeom>
         </p:spPr>
-        <p:txBody>
-          <a:bodyPr vert="horz" lIns="91440" tIns="45720" rIns="91440" bIns="45720" rtlCol="0">
-            <a:normAutofit/>
-          </a:bodyPr>
-          <a:lstStyle>
-            <a:lvl1pPr marL="228600" indent="-228600" algn="l" defTabSz="914400" rtl="0" eaLnBrk="1" latinLnBrk="0" hangingPunct="1">
-              <a:lnSpc>
-                <a:spcPct val="90000"/>
-              </a:lnSpc>
-              <a:spcBef>
-                <a:spcPts val="1000"/>
-              </a:spcBef>
-              <a:buFont typeface="Arial"/>
-              <a:buChar char="•"/>
-              <a:defRPr sz="2800" kern="1200">
-                <a:solidFill>
-                  <a:srgbClr val="0070C0"/>
-                </a:solidFill>
-                <a:latin typeface="IBM Plex Mono Text" panose="020B0509050203000203" pitchFamily="49" charset="0"/>
-                <a:ea typeface="+mn-ea"/>
-                <a:cs typeface="+mn-cs"/>
-              </a:defRPr>
-            </a:lvl1pPr>
-            <a:lvl2pPr marL="685800" indent="-228600" algn="l" defTabSz="914400" rtl="0" eaLnBrk="1" latinLnBrk="0" hangingPunct="1">
-              <a:lnSpc>
-                <a:spcPct val="90000"/>
-              </a:lnSpc>
-              <a:spcBef>
-                <a:spcPts val="500"/>
-              </a:spcBef>
-              <a:buFont typeface="Arial"/>
-              <a:buChar char="•"/>
-              <a:defRPr sz="2400" kern="1200">
-                <a:solidFill>
-                  <a:srgbClr val="0070C0"/>
-                </a:solidFill>
-                <a:latin typeface="IBM Plex Mono Text" panose="020B0509050203000203" pitchFamily="49" charset="0"/>
-                <a:ea typeface="+mn-ea"/>
-                <a:cs typeface="+mn-cs"/>
-              </a:defRPr>
-            </a:lvl2pPr>
-            <a:lvl3pPr marL="1143000" indent="-228600" algn="l" defTabSz="914400" rtl="0" eaLnBrk="1" latinLnBrk="0" hangingPunct="1">
-              <a:lnSpc>
-                <a:spcPct val="90000"/>
-              </a:lnSpc>
-              <a:spcBef>
-                <a:spcPts val="500"/>
-              </a:spcBef>
-              <a:buFont typeface="Arial"/>
-              <a:buChar char="•"/>
-              <a:defRPr sz="2000" kern="1200">
-                <a:solidFill>
-                  <a:srgbClr val="0070C0"/>
-                </a:solidFill>
-                <a:latin typeface="IBM Plex Mono Text" panose="020B0509050203000203" pitchFamily="49" charset="0"/>
-                <a:ea typeface="+mn-ea"/>
-                <a:cs typeface="+mn-cs"/>
-              </a:defRPr>
-            </a:lvl3pPr>
-            <a:lvl4pPr marL="1600200" indent="-228600" algn="l" defTabSz="914400" rtl="0" eaLnBrk="1" latinLnBrk="0" hangingPunct="1">
-              <a:lnSpc>
-                <a:spcPct val="90000"/>
-              </a:lnSpc>
-              <a:spcBef>
-                <a:spcPts val="500"/>
-              </a:spcBef>
-              <a:buFont typeface="Arial"/>
-              <a:buChar char="•"/>
-              <a:defRPr sz="1800" kern="1200">
-                <a:solidFill>
-                  <a:srgbClr val="0070C0"/>
-                </a:solidFill>
-                <a:latin typeface="IBM Plex Mono Text" panose="020B0509050203000203" pitchFamily="49" charset="0"/>
-                <a:ea typeface="+mn-ea"/>
-                <a:cs typeface="+mn-cs"/>
-              </a:defRPr>
-            </a:lvl4pPr>
-            <a:lvl5pPr marL="2057400" indent="-228600" algn="l" defTabSz="914400" rtl="0" eaLnBrk="1" latinLnBrk="0" hangingPunct="1">
-              <a:lnSpc>
-                <a:spcPct val="90000"/>
-              </a:lnSpc>
-              <a:spcBef>
-                <a:spcPts val="500"/>
-              </a:spcBef>
-              <a:buFont typeface="Arial"/>
-              <a:buChar char="•"/>
-              <a:defRPr sz="1800" kern="1200">
-                <a:solidFill>
-                  <a:srgbClr val="0070C0"/>
-                </a:solidFill>
-                <a:latin typeface="IBM Plex Mono Text" panose="020B0509050203000203" pitchFamily="49" charset="0"/>
-                <a:ea typeface="+mn-ea"/>
-                <a:cs typeface="+mn-cs"/>
-              </a:defRPr>
-            </a:lvl5pPr>
-            <a:lvl6pPr marL="2514600" indent="-228600" algn="l" defTabSz="914400" rtl="0" eaLnBrk="1" latinLnBrk="0" hangingPunct="1">
-              <a:lnSpc>
-                <a:spcPct val="90000"/>
-              </a:lnSpc>
-              <a:spcBef>
-                <a:spcPts val="500"/>
-              </a:spcBef>
-              <a:buFont typeface="Arial"/>
-              <a:buChar char="•"/>
-              <a:defRPr sz="1800" kern="1200">
-                <a:solidFill>
-                  <a:schemeClr val="tx1"/>
-                </a:solidFill>
-                <a:latin typeface="+mn-lt"/>
-                <a:ea typeface="+mn-ea"/>
-                <a:cs typeface="+mn-cs"/>
-              </a:defRPr>
-            </a:lvl6pPr>
-            <a:lvl7pPr marL="2971800" indent="-228600" algn="l" defTabSz="914400" rtl="0" eaLnBrk="1" latinLnBrk="0" hangingPunct="1">
-              <a:lnSpc>
-                <a:spcPct val="90000"/>
-              </a:lnSpc>
-              <a:spcBef>
-                <a:spcPts val="500"/>
-              </a:spcBef>
-              <a:buFont typeface="Arial"/>
-              <a:buChar char="•"/>
-              <a:defRPr sz="1800" kern="1200">
-                <a:solidFill>
-                  <a:schemeClr val="tx1"/>
-                </a:solidFill>
-                <a:latin typeface="+mn-lt"/>
-                <a:ea typeface="+mn-ea"/>
-                <a:cs typeface="+mn-cs"/>
-              </a:defRPr>
-            </a:lvl7pPr>
-            <a:lvl8pPr marL="3429000" indent="-228600" algn="l" defTabSz="914400" rtl="0" eaLnBrk="1" latinLnBrk="0" hangingPunct="1">
-              <a:lnSpc>
-                <a:spcPct val="90000"/>
-              </a:lnSpc>
-              <a:spcBef>
-                <a:spcPts val="500"/>
-              </a:spcBef>
-              <a:buFont typeface="Arial"/>
-              <a:buChar char="•"/>
-              <a:defRPr sz="1800" kern="1200">
-                <a:solidFill>
-                  <a:schemeClr val="tx1"/>
-                </a:solidFill>
-                <a:latin typeface="+mn-lt"/>
-                <a:ea typeface="+mn-ea"/>
-                <a:cs typeface="+mn-cs"/>
-              </a:defRPr>
-            </a:lvl8pPr>
-            <a:lvl9pPr marL="3886200" indent="-228600" algn="l" defTabSz="914400" rtl="0" eaLnBrk="1" latinLnBrk="0" hangingPunct="1">
-              <a:lnSpc>
-                <a:spcPct val="90000"/>
-              </a:lnSpc>
-              <a:spcBef>
-                <a:spcPts val="500"/>
-              </a:spcBef>
-              <a:buFont typeface="Arial"/>
-              <a:buChar char="•"/>
-              <a:defRPr sz="1800" kern="1200">
-                <a:solidFill>
-                  <a:schemeClr val="tx1"/>
-                </a:solidFill>
-                <a:latin typeface="+mn-lt"/>
-                <a:ea typeface="+mn-ea"/>
-                <a:cs typeface="+mn-cs"/>
-              </a:defRPr>
-            </a:lvl9pPr>
-          </a:lstStyle>
-          <a:p>
-            <a:pPr marL="0" indent="0">
-              <a:buNone/>
-            </a:pPr>
-            <a:endParaRPr lang="en-US" sz="2200" dirty="0"/>
-          </a:p>
-        </p:txBody>
-      </p:sp>
-      <p:sp>
-        <p:nvSpPr>
-          <p:cNvPr id="10" name="Content Placeholder 2">
+      </p:pic>
+      <p:pic>
+        <p:nvPicPr>
+          <p:cNvPr id="7" name="Picture 6">
             <a:extLst>
               <a:ext uri="{FF2B5EF4-FFF2-40B4-BE49-F238E27FC236}">
-                <a16:creationId xmlns:a16="http://schemas.microsoft.com/office/drawing/2014/main" id="{AE706D50-7D14-4DB8-BE17-5497AA1715EE}"/>
-              </a:ext>
-            </a:extLst>
-          </p:cNvPr>
-          <p:cNvSpPr txBox="1">
-            <a:spLocks/>
-          </p:cNvSpPr>
-          <p:nvPr/>
-        </p:nvSpPr>
-        <p:spPr>
-          <a:xfrm>
-            <a:off x="6172200" y="2506661"/>
-            <a:ext cx="4614949" cy="3670301"/>
-          </a:xfrm>
-          <a:prstGeom prst="rect">
-            <a:avLst/>
-          </a:prstGeom>
-        </p:spPr>
-        <p:txBody>
-          <a:bodyPr vert="horz" lIns="91440" tIns="45720" rIns="91440" bIns="45720" rtlCol="0">
-            <a:normAutofit/>
-          </a:bodyPr>
-          <a:lstStyle>
-            <a:lvl1pPr marL="228600" indent="-228600" algn="l" defTabSz="914400" rtl="0" eaLnBrk="1" latinLnBrk="0" hangingPunct="1">
-              <a:lnSpc>
-                <a:spcPct val="90000"/>
-              </a:lnSpc>
-              <a:spcBef>
-                <a:spcPts val="1000"/>
-              </a:spcBef>
-              <a:buFont typeface="Arial"/>
-              <a:buChar char="•"/>
-              <a:defRPr sz="2800" kern="1200">
-                <a:solidFill>
-                  <a:srgbClr val="0070C0"/>
-                </a:solidFill>
-                <a:latin typeface="IBM Plex Mono Text" panose="020B0509050203000203" pitchFamily="49" charset="0"/>
-                <a:ea typeface="+mn-ea"/>
-                <a:cs typeface="+mn-cs"/>
-              </a:defRPr>
-            </a:lvl1pPr>
-            <a:lvl2pPr marL="685800" indent="-228600" algn="l" defTabSz="914400" rtl="0" eaLnBrk="1" latinLnBrk="0" hangingPunct="1">
-              <a:lnSpc>
-                <a:spcPct val="90000"/>
-              </a:lnSpc>
-              <a:spcBef>
-                <a:spcPts val="500"/>
-              </a:spcBef>
-              <a:buFont typeface="Arial"/>
-              <a:buChar char="•"/>
-              <a:defRPr sz="2400" kern="1200">
-                <a:solidFill>
-                  <a:srgbClr val="0070C0"/>
-                </a:solidFill>
-                <a:latin typeface="IBM Plex Mono Text" panose="020B0509050203000203" pitchFamily="49" charset="0"/>
-                <a:ea typeface="+mn-ea"/>
-                <a:cs typeface="+mn-cs"/>
-              </a:defRPr>
-            </a:lvl2pPr>
-            <a:lvl3pPr marL="1143000" indent="-228600" algn="l" defTabSz="914400" rtl="0" eaLnBrk="1" latinLnBrk="0" hangingPunct="1">
-              <a:lnSpc>
-                <a:spcPct val="90000"/>
-              </a:lnSpc>
-              <a:spcBef>
-                <a:spcPts val="500"/>
-              </a:spcBef>
-              <a:buFont typeface="Arial"/>
-              <a:buChar char="•"/>
-              <a:defRPr sz="2000" kern="1200">
-                <a:solidFill>
-                  <a:srgbClr val="0070C0"/>
-                </a:solidFill>
-                <a:latin typeface="IBM Plex Mono Text" panose="020B0509050203000203" pitchFamily="49" charset="0"/>
-                <a:ea typeface="+mn-ea"/>
-                <a:cs typeface="+mn-cs"/>
-              </a:defRPr>
-            </a:lvl3pPr>
-            <a:lvl4pPr marL="1600200" indent="-228600" algn="l" defTabSz="914400" rtl="0" eaLnBrk="1" latinLnBrk="0" hangingPunct="1">
-              <a:lnSpc>
-                <a:spcPct val="90000"/>
-              </a:lnSpc>
-              <a:spcBef>
-                <a:spcPts val="500"/>
-              </a:spcBef>
-              <a:buFont typeface="Arial"/>
-              <a:buChar char="•"/>
-              <a:defRPr sz="1800" kern="1200">
-                <a:solidFill>
-                  <a:srgbClr val="0070C0"/>
-                </a:solidFill>
-                <a:latin typeface="IBM Plex Mono Text" panose="020B0509050203000203" pitchFamily="49" charset="0"/>
-                <a:ea typeface="+mn-ea"/>
-                <a:cs typeface="+mn-cs"/>
-              </a:defRPr>
-            </a:lvl4pPr>
-            <a:lvl5pPr marL="2057400" indent="-228600" algn="l" defTabSz="914400" rtl="0" eaLnBrk="1" latinLnBrk="0" hangingPunct="1">
-              <a:lnSpc>
-                <a:spcPct val="90000"/>
-              </a:lnSpc>
-              <a:spcBef>
-                <a:spcPts val="500"/>
-              </a:spcBef>
-              <a:buFont typeface="Arial"/>
-              <a:buChar char="•"/>
-              <a:defRPr sz="1800" kern="1200">
-                <a:solidFill>
-                  <a:srgbClr val="0070C0"/>
-                </a:solidFill>
-                <a:latin typeface="IBM Plex Mono Text" panose="020B0509050203000203" pitchFamily="49" charset="0"/>
-                <a:ea typeface="+mn-ea"/>
-                <a:cs typeface="+mn-cs"/>
-              </a:defRPr>
-            </a:lvl5pPr>
-            <a:lvl6pPr marL="2514600" indent="-228600" algn="l" defTabSz="914400" rtl="0" eaLnBrk="1" latinLnBrk="0" hangingPunct="1">
-              <a:lnSpc>
-                <a:spcPct val="90000"/>
-              </a:lnSpc>
-              <a:spcBef>
-                <a:spcPts val="500"/>
-              </a:spcBef>
-              <a:buFont typeface="Arial"/>
-              <a:buChar char="•"/>
-              <a:defRPr sz="1800" kern="1200">
-                <a:solidFill>
-                  <a:schemeClr val="tx1"/>
-                </a:solidFill>
-                <a:latin typeface="+mn-lt"/>
-                <a:ea typeface="+mn-ea"/>
-                <a:cs typeface="+mn-cs"/>
-              </a:defRPr>
-            </a:lvl6pPr>
-            <a:lvl7pPr marL="2971800" indent="-228600" algn="l" defTabSz="914400" rtl="0" eaLnBrk="1" latinLnBrk="0" hangingPunct="1">
-              <a:lnSpc>
-                <a:spcPct val="90000"/>
-              </a:lnSpc>
-              <a:spcBef>
-                <a:spcPts val="500"/>
-              </a:spcBef>
-              <a:buFont typeface="Arial"/>
-              <a:buChar char="•"/>
-              <a:defRPr sz="1800" kern="1200">
-                <a:solidFill>
-                  <a:schemeClr val="tx1"/>
-                </a:solidFill>
-                <a:latin typeface="+mn-lt"/>
-                <a:ea typeface="+mn-ea"/>
-                <a:cs typeface="+mn-cs"/>
-              </a:defRPr>
-            </a:lvl7pPr>
-            <a:lvl8pPr marL="3429000" indent="-228600" algn="l" defTabSz="914400" rtl="0" eaLnBrk="1" latinLnBrk="0" hangingPunct="1">
-              <a:lnSpc>
-                <a:spcPct val="90000"/>
-              </a:lnSpc>
-              <a:spcBef>
-                <a:spcPts val="500"/>
-              </a:spcBef>
-              <a:buFont typeface="Arial"/>
-              <a:buChar char="•"/>
-              <a:defRPr sz="1800" kern="1200">
-                <a:solidFill>
-                  <a:schemeClr val="tx1"/>
-                </a:solidFill>
-                <a:latin typeface="+mn-lt"/>
-                <a:ea typeface="+mn-ea"/>
-                <a:cs typeface="+mn-cs"/>
-              </a:defRPr>
-            </a:lvl8pPr>
-            <a:lvl9pPr marL="3886200" indent="-228600" algn="l" defTabSz="914400" rtl="0" eaLnBrk="1" latinLnBrk="0" hangingPunct="1">
-              <a:lnSpc>
-                <a:spcPct val="90000"/>
-              </a:lnSpc>
-              <a:spcBef>
-                <a:spcPts val="500"/>
-              </a:spcBef>
-              <a:buFont typeface="Arial"/>
-              <a:buChar char="•"/>
-              <a:defRPr sz="1800" kern="1200">
-                <a:solidFill>
-                  <a:schemeClr val="tx1"/>
-                </a:solidFill>
-                <a:latin typeface="+mn-lt"/>
-                <a:ea typeface="+mn-ea"/>
-                <a:cs typeface="+mn-cs"/>
-              </a:defRPr>
-            </a:lvl9pPr>
-          </a:lstStyle>
-          <a:p>
-            <a:pPr marL="0" indent="0">
-              <a:buNone/>
-            </a:pPr>
-            <a:endParaRPr lang="en-US" sz="2200" dirty="0"/>
-          </a:p>
-        </p:txBody>
-      </p:sp>
-      <p:pic>
-        <p:nvPicPr>
-          <p:cNvPr id="6" name="Picture 5">
-            <a:extLst>
-              <a:ext uri="{FF2B5EF4-FFF2-40B4-BE49-F238E27FC236}">
-                <a16:creationId xmlns:a16="http://schemas.microsoft.com/office/drawing/2014/main" id="{0D483EBD-2A0F-53AF-BBB2-E8B0653E874D}"/>
+                <a16:creationId xmlns:a16="http://schemas.microsoft.com/office/drawing/2014/main" id="{CD71B809-7A3C-555B-39A9-82852811AEE1}"/>
               </a:ext>
             </a:extLst>
           </p:cNvPr>
@@ -10005,8 +12596,8 @@
         </p:blipFill>
         <p:spPr>
           <a:xfrm>
-            <a:off x="311207" y="2665282"/>
-            <a:ext cx="5289133" cy="2485216"/>
+            <a:off x="0" y="2195368"/>
+            <a:ext cx="12192000" cy="627175"/>
           </a:xfrm>
           <a:prstGeom prst="rect">
             <a:avLst/>
@@ -10018,7 +12609,7 @@
           <p:cNvPr id="9" name="Picture 8">
             <a:extLst>
               <a:ext uri="{FF2B5EF4-FFF2-40B4-BE49-F238E27FC236}">
-                <a16:creationId xmlns:a16="http://schemas.microsoft.com/office/drawing/2014/main" id="{8A80A9DC-A59A-F36C-7A6E-3B6299B4985E}"/>
+                <a16:creationId xmlns:a16="http://schemas.microsoft.com/office/drawing/2014/main" id="{AA00382E-A03A-DD86-AC74-463B58CAFF25}"/>
               </a:ext>
             </a:extLst>
           </p:cNvPr>
@@ -10035,18 +12626,137 @@
         </p:blipFill>
         <p:spPr>
           <a:xfrm>
-            <a:off x="6096000" y="2392879"/>
-            <a:ext cx="5746688" cy="2822934"/>
+            <a:off x="0" y="4035457"/>
+            <a:ext cx="12192000" cy="1415933"/>
           </a:xfrm>
           <a:prstGeom prst="rect">
             <a:avLst/>
           </a:prstGeom>
         </p:spPr>
       </p:pic>
+      <p:pic>
+        <p:nvPicPr>
+          <p:cNvPr id="11" name="Picture 10">
+            <a:extLst>
+              <a:ext uri="{FF2B5EF4-FFF2-40B4-BE49-F238E27FC236}">
+                <a16:creationId xmlns:a16="http://schemas.microsoft.com/office/drawing/2014/main" id="{A024198E-A238-CE4E-8348-DA8FD5E2027D}"/>
+              </a:ext>
+            </a:extLst>
+          </p:cNvPr>
+          <p:cNvPicPr>
+            <a:picLocks noChangeAspect="1"/>
+          </p:cNvPicPr>
+          <p:nvPr/>
+        </p:nvPicPr>
+        <p:blipFill>
+          <a:blip r:embed="rId5"/>
+          <a:stretch>
+            <a:fillRect/>
+          </a:stretch>
+        </p:blipFill>
+        <p:spPr>
+          <a:xfrm>
+            <a:off x="0" y="5451390"/>
+            <a:ext cx="12192000" cy="609258"/>
+          </a:xfrm>
+          <a:prstGeom prst="rect">
+            <a:avLst/>
+          </a:prstGeom>
+        </p:spPr>
+      </p:pic>
+      <p:sp>
+        <p:nvSpPr>
+          <p:cNvPr id="12" name="Title 1">
+            <a:extLst>
+              <a:ext uri="{FF2B5EF4-FFF2-40B4-BE49-F238E27FC236}">
+                <a16:creationId xmlns:a16="http://schemas.microsoft.com/office/drawing/2014/main" id="{A5ECD364-2AEB-DDB3-2895-AB912F917DA9}"/>
+              </a:ext>
+            </a:extLst>
+          </p:cNvPr>
+          <p:cNvSpPr>
+            <a:spLocks noGrp="1"/>
+          </p:cNvSpPr>
+          <p:nvPr>
+            <p:ph type="title"/>
+          </p:nvPr>
+        </p:nvSpPr>
+        <p:spPr>
+          <a:xfrm>
+            <a:off x="382555" y="2755079"/>
+            <a:ext cx="7230723" cy="1325563"/>
+          </a:xfrm>
+        </p:spPr>
+        <p:txBody>
+          <a:bodyPr anchor="ctr">
+            <a:normAutofit/>
+          </a:bodyPr>
+          <a:lstStyle/>
+          <a:p>
+            <a:r>
+              <a:rPr lang="en-US" dirty="0"/>
+              <a:t>IMPUTATION</a:t>
+            </a:r>
+          </a:p>
+        </p:txBody>
+      </p:sp>
+      <p:sp>
+        <p:nvSpPr>
+          <p:cNvPr id="13" name="Title 1">
+            <a:extLst>
+              <a:ext uri="{FF2B5EF4-FFF2-40B4-BE49-F238E27FC236}">
+                <a16:creationId xmlns:a16="http://schemas.microsoft.com/office/drawing/2014/main" id="{90C3C7D9-106C-165E-8F1B-9C1282201CEE}"/>
+              </a:ext>
+            </a:extLst>
+          </p:cNvPr>
+          <p:cNvSpPr txBox="1">
+            <a:spLocks/>
+          </p:cNvSpPr>
+          <p:nvPr/>
+        </p:nvSpPr>
+        <p:spPr>
+          <a:xfrm>
+            <a:off x="382555" y="-217455"/>
+            <a:ext cx="7230723" cy="1325563"/>
+          </a:xfrm>
+          <a:prstGeom prst="rect">
+            <a:avLst/>
+          </a:prstGeom>
+        </p:spPr>
+        <p:txBody>
+          <a:bodyPr vert="horz" lIns="91440" tIns="45720" rIns="91440" bIns="45720" rtlCol="0" anchor="ctr">
+            <a:normAutofit/>
+          </a:bodyPr>
+          <a:lstStyle>
+            <a:lvl1pPr algn="l" defTabSz="914400" rtl="0" eaLnBrk="1" latinLnBrk="0" hangingPunct="1">
+              <a:lnSpc>
+                <a:spcPct val="90000"/>
+              </a:lnSpc>
+              <a:spcBef>
+                <a:spcPct val="0"/>
+              </a:spcBef>
+              <a:buNone/>
+              <a:defRPr sz="4000" kern="1200">
+                <a:solidFill>
+                  <a:srgbClr val="005493"/>
+                </a:solidFill>
+                <a:latin typeface="IBM Plex Mono SemiBold" panose="020B0709050203000203" pitchFamily="49" charset="0"/>
+                <a:ea typeface="IBM Plex Mono SemiBold" panose="020B0709050203000203" pitchFamily="49" charset="0"/>
+                <a:cs typeface="IBM Plex Mono SemiBold" panose="020B0709050203000203" pitchFamily="49" charset="0"/>
+              </a:defRPr>
+            </a:lvl1pPr>
+          </a:lstStyle>
+          <a:p>
+            <a:r>
+              <a:rPr lang="en-US" dirty="0"/>
+              <a:t>DUPLICATES</a:t>
+            </a:r>
+          </a:p>
+        </p:txBody>
+      </p:sp>
     </p:spTree>
     <p:extLst>
       <p:ext uri="{BB962C8B-B14F-4D97-AF65-F5344CB8AC3E}">
-        <p14:creationId xmlns:p14="http://schemas.microsoft.com/office/powerpoint/2010/main" val="1957259874"/>
+        <p14:creationId xmlns:p14="http://schemas.microsoft.com/office/powerpoint/2010/main" val="393621054"/>
       </p:ext>
     </p:extLst>
   </p:cSld>
@@ -10078,7 +12788,7 @@
           <p:cNvPr id="2" name="Title 1">
             <a:extLst>
               <a:ext uri="{FF2B5EF4-FFF2-40B4-BE49-F238E27FC236}">
-                <a16:creationId xmlns:a16="http://schemas.microsoft.com/office/drawing/2014/main" id="{65C3525F-7CB4-4C06-B037-C81D2DED9B80}"/>
+                <a16:creationId xmlns:a16="http://schemas.microsoft.com/office/drawing/2014/main" id="{2873BEC0-94F5-4226-A9E7-51B66045EF49}"/>
               </a:ext>
             </a:extLst>
           </p:cNvPr>
@@ -10089,127 +12799,58 @@
             <p:ph type="title"/>
           </p:nvPr>
         </p:nvSpPr>
-        <p:spPr/>
+        <p:spPr>
+          <a:xfrm>
+            <a:off x="838200" y="365125"/>
+            <a:ext cx="10515600" cy="1325563"/>
+          </a:xfrm>
+        </p:spPr>
         <p:txBody>
-          <a:bodyPr>
+          <a:bodyPr anchor="ctr">
             <a:normAutofit/>
           </a:bodyPr>
           <a:lstStyle/>
           <a:p>
             <a:r>
-              <a:rPr lang="en-US" sz="2800" dirty="0"/>
-              <a:t>PROGRAMMING LANGUAGE TRENDS - FINDINGS &amp; IMPLICATIONS</a:t>
+              <a:rPr lang="en-US" dirty="0"/>
+              <a:t>Demographics</a:t>
             </a:r>
           </a:p>
         </p:txBody>
       </p:sp>
-      <p:sp>
-        <p:nvSpPr>
-          <p:cNvPr id="3" name="Content Placeholder 2">
+      <p:pic>
+        <p:nvPicPr>
+          <p:cNvPr id="9" name="Picture 8">
             <a:extLst>
               <a:ext uri="{FF2B5EF4-FFF2-40B4-BE49-F238E27FC236}">
-                <a16:creationId xmlns:a16="http://schemas.microsoft.com/office/drawing/2014/main" id="{E4FC0D20-FACF-4D73-BD27-CF8F6B97546A}"/>
+                <a16:creationId xmlns:a16="http://schemas.microsoft.com/office/drawing/2014/main" id="{6E7569A0-A26A-1275-E201-6EB7E29C020B}"/>
               </a:ext>
             </a:extLst>
           </p:cNvPr>
-          <p:cNvSpPr>
-            <a:spLocks noGrp="1"/>
-          </p:cNvSpPr>
-          <p:nvPr>
-            <p:ph sz="half" idx="1"/>
-          </p:nvPr>
-        </p:nvSpPr>
+          <p:cNvPicPr>
+            <a:picLocks noChangeAspect="1"/>
+          </p:cNvPicPr>
+          <p:nvPr/>
+        </p:nvPicPr>
+        <p:blipFill rotWithShape="1">
+          <a:blip r:embed="rId2"/>
+          <a:srcRect t="5006"/>
+          <a:stretch/>
+        </p:blipFill>
         <p:spPr>
           <a:xfrm>
-            <a:off x="813816" y="1825625"/>
-            <a:ext cx="5181600" cy="4351338"/>
+            <a:off x="1527761" y="1476083"/>
+            <a:ext cx="9136478" cy="4919937"/>
           </a:xfrm>
+          <a:prstGeom prst="rect">
+            <a:avLst/>
+          </a:prstGeom>
         </p:spPr>
-        <p:txBody>
-          <a:bodyPr/>
-          <a:lstStyle/>
-          <a:p>
-            <a:pPr marL="0" indent="0">
-              <a:buNone/>
-            </a:pPr>
-            <a:r>
-              <a:rPr lang="en-US" dirty="0"/>
-              <a:t>Findings</a:t>
-            </a:r>
-          </a:p>
-          <a:p>
-            <a:pPr marL="0" indent="0">
-              <a:buNone/>
-            </a:pPr>
-            <a:endParaRPr lang="en-US" dirty="0"/>
-          </a:p>
-          <a:p>
-            <a:r>
-              <a:rPr lang="en-US" dirty="0"/>
-              <a:t>JavaScript and HTML/CSS maintain their top positions, albeit experiencing a slight decline.</a:t>
-            </a:r>
-          </a:p>
-          <a:p>
-            <a:r>
-              <a:rPr lang="en-US" dirty="0"/>
-              <a:t>Decline in Java and PHP.</a:t>
-            </a:r>
-          </a:p>
-          <a:p>
-            <a:r>
-              <a:rPr lang="en-US" dirty="0"/>
-              <a:t>Uprising Kotlin and Go languages</a:t>
-            </a:r>
-          </a:p>
-        </p:txBody>
-      </p:sp>
-      <p:sp>
-        <p:nvSpPr>
-          <p:cNvPr id="4" name="Content Placeholder 3">
-            <a:extLst>
-              <a:ext uri="{FF2B5EF4-FFF2-40B4-BE49-F238E27FC236}">
-                <a16:creationId xmlns:a16="http://schemas.microsoft.com/office/drawing/2014/main" id="{ACA6A89D-097D-4968-A07A-39A5B4F78A62}"/>
-              </a:ext>
-            </a:extLst>
-          </p:cNvPr>
-          <p:cNvSpPr>
-            <a:spLocks noGrp="1"/>
-          </p:cNvSpPr>
-          <p:nvPr>
-            <p:ph sz="half" idx="2"/>
-          </p:nvPr>
-        </p:nvSpPr>
-        <p:spPr/>
-        <p:txBody>
-          <a:bodyPr/>
-          <a:lstStyle/>
-          <a:p>
-            <a:pPr marL="0" indent="0">
-              <a:buNone/>
-            </a:pPr>
-            <a:r>
-              <a:rPr lang="en-US" dirty="0"/>
-              <a:t>Implications</a:t>
-            </a:r>
-          </a:p>
-          <a:p>
-            <a:pPr marL="0" indent="0">
-              <a:buNone/>
-            </a:pPr>
-            <a:endParaRPr lang="en-US" dirty="0"/>
-          </a:p>
-          <a:p>
-            <a:r>
-              <a:rPr lang="en-US" dirty="0"/>
-              <a:t>Programmers shifting to newer languages.</a:t>
-            </a:r>
-          </a:p>
-        </p:txBody>
-      </p:sp>
+      </p:pic>
     </p:spTree>
     <p:extLst>
       <p:ext uri="{BB962C8B-B14F-4D97-AF65-F5344CB8AC3E}">
-        <p14:creationId xmlns:p14="http://schemas.microsoft.com/office/powerpoint/2010/main" val="545569246"/>
+        <p14:creationId xmlns:p14="http://schemas.microsoft.com/office/powerpoint/2010/main" val="916853615"/>
       </p:ext>
     </p:extLst>
   </p:cSld>
@@ -10241,7 +12882,7 @@
           <p:cNvPr id="2" name="Title 1">
             <a:extLst>
               <a:ext uri="{FF2B5EF4-FFF2-40B4-BE49-F238E27FC236}">
-                <a16:creationId xmlns:a16="http://schemas.microsoft.com/office/drawing/2014/main" id="{65C3525F-7CB4-4C06-B037-C81D2DED9B80}"/>
+                <a16:creationId xmlns:a16="http://schemas.microsoft.com/office/drawing/2014/main" id="{2873BEC0-94F5-4226-A9E7-51B66045EF49}"/>
               </a:ext>
             </a:extLst>
           </p:cNvPr>
@@ -10254,17 +12895,19 @@
         </p:nvSpPr>
         <p:spPr>
           <a:xfrm>
-            <a:off x="862584" y="428768"/>
+            <a:off x="838200" y="365125"/>
             <a:ext cx="10515600" cy="1325563"/>
           </a:xfrm>
         </p:spPr>
         <p:txBody>
-          <a:bodyPr/>
+          <a:bodyPr anchor="ctr">
+            <a:normAutofit/>
+          </a:bodyPr>
           <a:lstStyle/>
           <a:p>
             <a:r>
               <a:rPr lang="en-US" dirty="0"/>
-              <a:t>DATABASE TRENDS</a:t>
+              <a:t>RESULTS</a:t>
             </a:r>
           </a:p>
         </p:txBody>
@@ -10274,43 +12917,7 @@
           <p:cNvPr id="3" name="Content Placeholder 2">
             <a:extLst>
               <a:ext uri="{FF2B5EF4-FFF2-40B4-BE49-F238E27FC236}">
-                <a16:creationId xmlns:a16="http://schemas.microsoft.com/office/drawing/2014/main" id="{E4FC0D20-FACF-4D73-BD27-CF8F6B97546A}"/>
-              </a:ext>
-            </a:extLst>
-          </p:cNvPr>
-          <p:cNvSpPr>
-            <a:spLocks noGrp="1"/>
-          </p:cNvSpPr>
-          <p:nvPr>
-            <p:ph sz="half" idx="1"/>
-          </p:nvPr>
-        </p:nvSpPr>
-        <p:spPr>
-          <a:xfrm>
-            <a:off x="813816" y="1825625"/>
-            <a:ext cx="2228642" cy="501939"/>
-          </a:xfrm>
-        </p:spPr>
-        <p:txBody>
-          <a:bodyPr/>
-          <a:lstStyle/>
-          <a:p>
-            <a:pPr marL="0" indent="0">
-              <a:buNone/>
-            </a:pPr>
-            <a:r>
-              <a:rPr lang="en-US" dirty="0"/>
-              <a:t>Current Year</a:t>
-            </a:r>
-          </a:p>
-        </p:txBody>
-      </p:sp>
-      <p:sp>
-        <p:nvSpPr>
-          <p:cNvPr id="4" name="Content Placeholder 3">
-            <a:extLst>
-              <a:ext uri="{FF2B5EF4-FFF2-40B4-BE49-F238E27FC236}">
-                <a16:creationId xmlns:a16="http://schemas.microsoft.com/office/drawing/2014/main" id="{ACA6A89D-097D-4968-A07A-39A5B4F78A62}"/>
+                <a16:creationId xmlns:a16="http://schemas.microsoft.com/office/drawing/2014/main" id="{902FD5C4-FE5F-46D2-ABC9-49FA4BB8442F}"/>
               </a:ext>
             </a:extLst>
           </p:cNvPr>
@@ -10323,486 +12930,39 @@
         </p:nvSpPr>
         <p:spPr>
           <a:xfrm>
-            <a:off x="6172200" y="1825625"/>
-            <a:ext cx="1758142" cy="501939"/>
+            <a:off x="1043114" y="1825625"/>
+            <a:ext cx="7068725" cy="4351338"/>
           </a:xfrm>
         </p:spPr>
         <p:txBody>
-          <a:bodyPr/>
+          <a:bodyPr>
+            <a:normAutofit/>
+          </a:bodyPr>
           <a:lstStyle/>
           <a:p>
             <a:pPr marL="0" indent="0">
               <a:buNone/>
             </a:pPr>
-            <a:r>
-              <a:rPr lang="en-US" dirty="0"/>
-              <a:t>Next Year</a:t>
-            </a:r>
-          </a:p>
-        </p:txBody>
-      </p:sp>
-      <p:sp>
-        <p:nvSpPr>
-          <p:cNvPr id="8" name="Content Placeholder 2">
-            <a:extLst>
-              <a:ext uri="{FF2B5EF4-FFF2-40B4-BE49-F238E27FC236}">
-                <a16:creationId xmlns:a16="http://schemas.microsoft.com/office/drawing/2014/main" id="{D13C2F43-A283-4FD4-9C0D-BFF93C50AC01}"/>
-              </a:ext>
-            </a:extLst>
-          </p:cNvPr>
-          <p:cNvSpPr txBox="1">
-            <a:spLocks/>
-          </p:cNvSpPr>
-          <p:nvPr/>
-        </p:nvSpPr>
-        <p:spPr>
-          <a:xfrm>
-            <a:off x="838199" y="2506661"/>
-            <a:ext cx="4614949" cy="3670301"/>
-          </a:xfrm>
-          <a:prstGeom prst="rect">
-            <a:avLst/>
-          </a:prstGeom>
-        </p:spPr>
-        <p:txBody>
-          <a:bodyPr vert="horz" lIns="91440" tIns="45720" rIns="91440" bIns="45720" rtlCol="0">
-            <a:normAutofit/>
-          </a:bodyPr>
-          <a:lstStyle>
-            <a:lvl1pPr marL="228600" indent="-228600" algn="l" defTabSz="914400" rtl="0" eaLnBrk="1" latinLnBrk="0" hangingPunct="1">
-              <a:lnSpc>
-                <a:spcPct val="90000"/>
-              </a:lnSpc>
-              <a:spcBef>
-                <a:spcPts val="1000"/>
-              </a:spcBef>
-              <a:buFont typeface="Arial"/>
-              <a:buChar char="•"/>
-              <a:defRPr sz="2800" kern="1200">
-                <a:solidFill>
-                  <a:srgbClr val="0070C0"/>
-                </a:solidFill>
-                <a:latin typeface="IBM Plex Mono Text" panose="020B0509050203000203" pitchFamily="49" charset="0"/>
-                <a:ea typeface="+mn-ea"/>
-                <a:cs typeface="+mn-cs"/>
-              </a:defRPr>
-            </a:lvl1pPr>
-            <a:lvl2pPr marL="685800" indent="-228600" algn="l" defTabSz="914400" rtl="0" eaLnBrk="1" latinLnBrk="0" hangingPunct="1">
-              <a:lnSpc>
-                <a:spcPct val="90000"/>
-              </a:lnSpc>
-              <a:spcBef>
-                <a:spcPts val="500"/>
-              </a:spcBef>
-              <a:buFont typeface="Arial"/>
-              <a:buChar char="•"/>
-              <a:defRPr sz="2400" kern="1200">
-                <a:solidFill>
-                  <a:srgbClr val="0070C0"/>
-                </a:solidFill>
-                <a:latin typeface="IBM Plex Mono Text" panose="020B0509050203000203" pitchFamily="49" charset="0"/>
-                <a:ea typeface="+mn-ea"/>
-                <a:cs typeface="+mn-cs"/>
-              </a:defRPr>
-            </a:lvl2pPr>
-            <a:lvl3pPr marL="1143000" indent="-228600" algn="l" defTabSz="914400" rtl="0" eaLnBrk="1" latinLnBrk="0" hangingPunct="1">
-              <a:lnSpc>
-                <a:spcPct val="90000"/>
-              </a:lnSpc>
-              <a:spcBef>
-                <a:spcPts val="500"/>
-              </a:spcBef>
-              <a:buFont typeface="Arial"/>
-              <a:buChar char="•"/>
-              <a:defRPr sz="2000" kern="1200">
-                <a:solidFill>
-                  <a:srgbClr val="0070C0"/>
-                </a:solidFill>
-                <a:latin typeface="IBM Plex Mono Text" panose="020B0509050203000203" pitchFamily="49" charset="0"/>
-                <a:ea typeface="+mn-ea"/>
-                <a:cs typeface="+mn-cs"/>
-              </a:defRPr>
-            </a:lvl3pPr>
-            <a:lvl4pPr marL="1600200" indent="-228600" algn="l" defTabSz="914400" rtl="0" eaLnBrk="1" latinLnBrk="0" hangingPunct="1">
-              <a:lnSpc>
-                <a:spcPct val="90000"/>
-              </a:lnSpc>
-              <a:spcBef>
-                <a:spcPts val="500"/>
-              </a:spcBef>
-              <a:buFont typeface="Arial"/>
-              <a:buChar char="•"/>
-              <a:defRPr sz="1800" kern="1200">
-                <a:solidFill>
-                  <a:srgbClr val="0070C0"/>
-                </a:solidFill>
-                <a:latin typeface="IBM Plex Mono Text" panose="020B0509050203000203" pitchFamily="49" charset="0"/>
-                <a:ea typeface="+mn-ea"/>
-                <a:cs typeface="+mn-cs"/>
-              </a:defRPr>
-            </a:lvl4pPr>
-            <a:lvl5pPr marL="2057400" indent="-228600" algn="l" defTabSz="914400" rtl="0" eaLnBrk="1" latinLnBrk="0" hangingPunct="1">
-              <a:lnSpc>
-                <a:spcPct val="90000"/>
-              </a:lnSpc>
-              <a:spcBef>
-                <a:spcPts val="500"/>
-              </a:spcBef>
-              <a:buFont typeface="Arial"/>
-              <a:buChar char="•"/>
-              <a:defRPr sz="1800" kern="1200">
-                <a:solidFill>
-                  <a:srgbClr val="0070C0"/>
-                </a:solidFill>
-                <a:latin typeface="IBM Plex Mono Text" panose="020B0509050203000203" pitchFamily="49" charset="0"/>
-                <a:ea typeface="+mn-ea"/>
-                <a:cs typeface="+mn-cs"/>
-              </a:defRPr>
-            </a:lvl5pPr>
-            <a:lvl6pPr marL="2514600" indent="-228600" algn="l" defTabSz="914400" rtl="0" eaLnBrk="1" latinLnBrk="0" hangingPunct="1">
-              <a:lnSpc>
-                <a:spcPct val="90000"/>
-              </a:lnSpc>
-              <a:spcBef>
-                <a:spcPts val="500"/>
-              </a:spcBef>
-              <a:buFont typeface="Arial"/>
-              <a:buChar char="•"/>
-              <a:defRPr sz="1800" kern="1200">
-                <a:solidFill>
-                  <a:schemeClr val="tx1"/>
-                </a:solidFill>
-                <a:latin typeface="+mn-lt"/>
-                <a:ea typeface="+mn-ea"/>
-                <a:cs typeface="+mn-cs"/>
-              </a:defRPr>
-            </a:lvl6pPr>
-            <a:lvl7pPr marL="2971800" indent="-228600" algn="l" defTabSz="914400" rtl="0" eaLnBrk="1" latinLnBrk="0" hangingPunct="1">
-              <a:lnSpc>
-                <a:spcPct val="90000"/>
-              </a:lnSpc>
-              <a:spcBef>
-                <a:spcPts val="500"/>
-              </a:spcBef>
-              <a:buFont typeface="Arial"/>
-              <a:buChar char="•"/>
-              <a:defRPr sz="1800" kern="1200">
-                <a:solidFill>
-                  <a:schemeClr val="tx1"/>
-                </a:solidFill>
-                <a:latin typeface="+mn-lt"/>
-                <a:ea typeface="+mn-ea"/>
-                <a:cs typeface="+mn-cs"/>
-              </a:defRPr>
-            </a:lvl7pPr>
-            <a:lvl8pPr marL="3429000" indent="-228600" algn="l" defTabSz="914400" rtl="0" eaLnBrk="1" latinLnBrk="0" hangingPunct="1">
-              <a:lnSpc>
-                <a:spcPct val="90000"/>
-              </a:lnSpc>
-              <a:spcBef>
-                <a:spcPts val="500"/>
-              </a:spcBef>
-              <a:buFont typeface="Arial"/>
-              <a:buChar char="•"/>
-              <a:defRPr sz="1800" kern="1200">
-                <a:solidFill>
-                  <a:schemeClr val="tx1"/>
-                </a:solidFill>
-                <a:latin typeface="+mn-lt"/>
-                <a:ea typeface="+mn-ea"/>
-                <a:cs typeface="+mn-cs"/>
-              </a:defRPr>
-            </a:lvl8pPr>
-            <a:lvl9pPr marL="3886200" indent="-228600" algn="l" defTabSz="914400" rtl="0" eaLnBrk="1" latinLnBrk="0" hangingPunct="1">
-              <a:lnSpc>
-                <a:spcPct val="90000"/>
-              </a:lnSpc>
-              <a:spcBef>
-                <a:spcPts val="500"/>
-              </a:spcBef>
-              <a:buFont typeface="Arial"/>
-              <a:buChar char="•"/>
-              <a:defRPr sz="1800" kern="1200">
-                <a:solidFill>
-                  <a:schemeClr val="tx1"/>
-                </a:solidFill>
-                <a:latin typeface="+mn-lt"/>
-                <a:ea typeface="+mn-ea"/>
-                <a:cs typeface="+mn-cs"/>
-              </a:defRPr>
-            </a:lvl9pPr>
-          </a:lstStyle>
+            <a:endParaRPr lang="en-US" sz="1800" dirty="0"/>
+          </a:p>
           <a:p>
             <a:pPr marL="0" indent="0">
               <a:buNone/>
             </a:pPr>
-            <a:endParaRPr lang="en-US" sz="2200" dirty="0"/>
-          </a:p>
-        </p:txBody>
-      </p:sp>
-      <p:sp>
-        <p:nvSpPr>
-          <p:cNvPr id="10" name="Content Placeholder 2">
-            <a:extLst>
-              <a:ext uri="{FF2B5EF4-FFF2-40B4-BE49-F238E27FC236}">
-                <a16:creationId xmlns:a16="http://schemas.microsoft.com/office/drawing/2014/main" id="{AE706D50-7D14-4DB8-BE17-5497AA1715EE}"/>
-              </a:ext>
-            </a:extLst>
-          </p:cNvPr>
-          <p:cNvSpPr txBox="1">
-            <a:spLocks/>
-          </p:cNvSpPr>
-          <p:nvPr/>
-        </p:nvSpPr>
-        <p:spPr>
-          <a:xfrm>
-            <a:off x="6172200" y="2506661"/>
-            <a:ext cx="4614949" cy="3670301"/>
-          </a:xfrm>
-          <a:prstGeom prst="rect">
-            <a:avLst/>
-          </a:prstGeom>
-        </p:spPr>
-        <p:txBody>
-          <a:bodyPr vert="horz" lIns="91440" tIns="45720" rIns="91440" bIns="45720" rtlCol="0">
-            <a:normAutofit/>
-          </a:bodyPr>
-          <a:lstStyle>
-            <a:lvl1pPr marL="228600" indent="-228600" algn="l" defTabSz="914400" rtl="0" eaLnBrk="1" latinLnBrk="0" hangingPunct="1">
-              <a:lnSpc>
-                <a:spcPct val="90000"/>
-              </a:lnSpc>
-              <a:spcBef>
-                <a:spcPts val="1000"/>
-              </a:spcBef>
-              <a:buFont typeface="Arial"/>
-              <a:buChar char="•"/>
-              <a:defRPr sz="2800" kern="1200">
-                <a:solidFill>
-                  <a:srgbClr val="0070C0"/>
-                </a:solidFill>
-                <a:latin typeface="IBM Plex Mono Text" panose="020B0509050203000203" pitchFamily="49" charset="0"/>
-                <a:ea typeface="+mn-ea"/>
-                <a:cs typeface="+mn-cs"/>
-              </a:defRPr>
-            </a:lvl1pPr>
-            <a:lvl2pPr marL="685800" indent="-228600" algn="l" defTabSz="914400" rtl="0" eaLnBrk="1" latinLnBrk="0" hangingPunct="1">
-              <a:lnSpc>
-                <a:spcPct val="90000"/>
-              </a:lnSpc>
-              <a:spcBef>
-                <a:spcPts val="500"/>
-              </a:spcBef>
-              <a:buFont typeface="Arial"/>
-              <a:buChar char="•"/>
-              <a:defRPr sz="2400" kern="1200">
-                <a:solidFill>
-                  <a:srgbClr val="0070C0"/>
-                </a:solidFill>
-                <a:latin typeface="IBM Plex Mono Text" panose="020B0509050203000203" pitchFamily="49" charset="0"/>
-                <a:ea typeface="+mn-ea"/>
-                <a:cs typeface="+mn-cs"/>
-              </a:defRPr>
-            </a:lvl2pPr>
-            <a:lvl3pPr marL="1143000" indent="-228600" algn="l" defTabSz="914400" rtl="0" eaLnBrk="1" latinLnBrk="0" hangingPunct="1">
-              <a:lnSpc>
-                <a:spcPct val="90000"/>
-              </a:lnSpc>
-              <a:spcBef>
-                <a:spcPts val="500"/>
-              </a:spcBef>
-              <a:buFont typeface="Arial"/>
-              <a:buChar char="•"/>
-              <a:defRPr sz="2000" kern="1200">
-                <a:solidFill>
-                  <a:srgbClr val="0070C0"/>
-                </a:solidFill>
-                <a:latin typeface="IBM Plex Mono Text" panose="020B0509050203000203" pitchFamily="49" charset="0"/>
-                <a:ea typeface="+mn-ea"/>
-                <a:cs typeface="+mn-cs"/>
-              </a:defRPr>
-            </a:lvl3pPr>
-            <a:lvl4pPr marL="1600200" indent="-228600" algn="l" defTabSz="914400" rtl="0" eaLnBrk="1" latinLnBrk="0" hangingPunct="1">
-              <a:lnSpc>
-                <a:spcPct val="90000"/>
-              </a:lnSpc>
-              <a:spcBef>
-                <a:spcPts val="500"/>
-              </a:spcBef>
-              <a:buFont typeface="Arial"/>
-              <a:buChar char="•"/>
-              <a:defRPr sz="1800" kern="1200">
-                <a:solidFill>
-                  <a:srgbClr val="0070C0"/>
-                </a:solidFill>
-                <a:latin typeface="IBM Plex Mono Text" panose="020B0509050203000203" pitchFamily="49" charset="0"/>
-                <a:ea typeface="+mn-ea"/>
-                <a:cs typeface="+mn-cs"/>
-              </a:defRPr>
-            </a:lvl4pPr>
-            <a:lvl5pPr marL="2057400" indent="-228600" algn="l" defTabSz="914400" rtl="0" eaLnBrk="1" latinLnBrk="0" hangingPunct="1">
-              <a:lnSpc>
-                <a:spcPct val="90000"/>
-              </a:lnSpc>
-              <a:spcBef>
-                <a:spcPts val="500"/>
-              </a:spcBef>
-              <a:buFont typeface="Arial"/>
-              <a:buChar char="•"/>
-              <a:defRPr sz="1800" kern="1200">
-                <a:solidFill>
-                  <a:srgbClr val="0070C0"/>
-                </a:solidFill>
-                <a:latin typeface="IBM Plex Mono Text" panose="020B0509050203000203" pitchFamily="49" charset="0"/>
-                <a:ea typeface="+mn-ea"/>
-                <a:cs typeface="+mn-cs"/>
-              </a:defRPr>
-            </a:lvl5pPr>
-            <a:lvl6pPr marL="2514600" indent="-228600" algn="l" defTabSz="914400" rtl="0" eaLnBrk="1" latinLnBrk="0" hangingPunct="1">
-              <a:lnSpc>
-                <a:spcPct val="90000"/>
-              </a:lnSpc>
-              <a:spcBef>
-                <a:spcPts val="500"/>
-              </a:spcBef>
-              <a:buFont typeface="Arial"/>
-              <a:buChar char="•"/>
-              <a:defRPr sz="1800" kern="1200">
-                <a:solidFill>
-                  <a:schemeClr val="tx1"/>
-                </a:solidFill>
-                <a:latin typeface="+mn-lt"/>
-                <a:ea typeface="+mn-ea"/>
-                <a:cs typeface="+mn-cs"/>
-              </a:defRPr>
-            </a:lvl6pPr>
-            <a:lvl7pPr marL="2971800" indent="-228600" algn="l" defTabSz="914400" rtl="0" eaLnBrk="1" latinLnBrk="0" hangingPunct="1">
-              <a:lnSpc>
-                <a:spcPct val="90000"/>
-              </a:lnSpc>
-              <a:spcBef>
-                <a:spcPts val="500"/>
-              </a:spcBef>
-              <a:buFont typeface="Arial"/>
-              <a:buChar char="•"/>
-              <a:defRPr sz="1800" kern="1200">
-                <a:solidFill>
-                  <a:schemeClr val="tx1"/>
-                </a:solidFill>
-                <a:latin typeface="+mn-lt"/>
-                <a:ea typeface="+mn-ea"/>
-                <a:cs typeface="+mn-cs"/>
-              </a:defRPr>
-            </a:lvl7pPr>
-            <a:lvl8pPr marL="3429000" indent="-228600" algn="l" defTabSz="914400" rtl="0" eaLnBrk="1" latinLnBrk="0" hangingPunct="1">
-              <a:lnSpc>
-                <a:spcPct val="90000"/>
-              </a:lnSpc>
-              <a:spcBef>
-                <a:spcPts val="500"/>
-              </a:spcBef>
-              <a:buFont typeface="Arial"/>
-              <a:buChar char="•"/>
-              <a:defRPr sz="1800" kern="1200">
-                <a:solidFill>
-                  <a:schemeClr val="tx1"/>
-                </a:solidFill>
-                <a:latin typeface="+mn-lt"/>
-                <a:ea typeface="+mn-ea"/>
-                <a:cs typeface="+mn-cs"/>
-              </a:defRPr>
-            </a:lvl8pPr>
-            <a:lvl9pPr marL="3886200" indent="-228600" algn="l" defTabSz="914400" rtl="0" eaLnBrk="1" latinLnBrk="0" hangingPunct="1">
-              <a:lnSpc>
-                <a:spcPct val="90000"/>
-              </a:lnSpc>
-              <a:spcBef>
-                <a:spcPts val="500"/>
-              </a:spcBef>
-              <a:buFont typeface="Arial"/>
-              <a:buChar char="•"/>
-              <a:defRPr sz="1800" kern="1200">
-                <a:solidFill>
-                  <a:schemeClr val="tx1"/>
-                </a:solidFill>
-                <a:latin typeface="+mn-lt"/>
-                <a:ea typeface="+mn-ea"/>
-                <a:cs typeface="+mn-cs"/>
-              </a:defRPr>
-            </a:lvl9pPr>
-          </a:lstStyle>
+            <a:endParaRPr lang="en-US" sz="1800" dirty="0"/>
+          </a:p>
           <a:p>
             <a:pPr marL="0" indent="0">
               <a:buNone/>
             </a:pPr>
-            <a:endParaRPr lang="en-US" sz="2200" dirty="0"/>
+            <a:endParaRPr lang="en-US" sz="1800" dirty="0"/>
           </a:p>
         </p:txBody>
       </p:sp>
-      <p:pic>
-        <p:nvPicPr>
-          <p:cNvPr id="6" name="Picture 5">
-            <a:extLst>
-              <a:ext uri="{FF2B5EF4-FFF2-40B4-BE49-F238E27FC236}">
-                <a16:creationId xmlns:a16="http://schemas.microsoft.com/office/drawing/2014/main" id="{2C1C6E2F-C00E-15B7-2444-B06CCB24E7EF}"/>
-              </a:ext>
-            </a:extLst>
-          </p:cNvPr>
-          <p:cNvPicPr>
-            <a:picLocks noChangeAspect="1"/>
-          </p:cNvPicPr>
-          <p:nvPr/>
-        </p:nvPicPr>
-        <p:blipFill>
-          <a:blip r:embed="rId2"/>
-          <a:stretch>
-            <a:fillRect/>
-          </a:stretch>
-        </p:blipFill>
-        <p:spPr>
-          <a:xfrm>
-            <a:off x="715469" y="2649893"/>
-            <a:ext cx="4860408" cy="2743201"/>
-          </a:xfrm>
-          <a:prstGeom prst="rect">
-            <a:avLst/>
-          </a:prstGeom>
-        </p:spPr>
-      </p:pic>
-      <p:pic>
-        <p:nvPicPr>
-          <p:cNvPr id="9" name="Picture 8">
-            <a:extLst>
-              <a:ext uri="{FF2B5EF4-FFF2-40B4-BE49-F238E27FC236}">
-                <a16:creationId xmlns:a16="http://schemas.microsoft.com/office/drawing/2014/main" id="{E6023419-3A89-24DE-7337-028123472FF1}"/>
-              </a:ext>
-            </a:extLst>
-          </p:cNvPr>
-          <p:cNvPicPr>
-            <a:picLocks noChangeAspect="1"/>
-          </p:cNvPicPr>
-          <p:nvPr/>
-        </p:nvPicPr>
-        <p:blipFill>
-          <a:blip r:embed="rId3"/>
-          <a:stretch>
-            <a:fillRect/>
-          </a:stretch>
-        </p:blipFill>
-        <p:spPr>
-          <a:xfrm>
-            <a:off x="6019801" y="2649893"/>
-            <a:ext cx="5719608" cy="2783410"/>
-          </a:xfrm>
-          <a:prstGeom prst="rect">
-            <a:avLst/>
-          </a:prstGeom>
-        </p:spPr>
-      </p:pic>
     </p:spTree>
     <p:extLst>
       <p:ext uri="{BB962C8B-B14F-4D97-AF65-F5344CB8AC3E}">
-        <p14:creationId xmlns:p14="http://schemas.microsoft.com/office/powerpoint/2010/main" val="1074638838"/>
+        <p14:creationId xmlns:p14="http://schemas.microsoft.com/office/powerpoint/2010/main" val="1464666480"/>
       </p:ext>
     </p:extLst>
   </p:cSld>
@@ -11309,6 +13469,12 @@
 </file>
 
 <file path=customXml/item1.xml><?xml version="1.0" encoding="utf-8"?>
+<p:properties xmlns:p="http://schemas.microsoft.com/office/2006/metadata/properties" xmlns:xsi="http://www.w3.org/2001/XMLSchema-instance" xmlns:pc="http://schemas.microsoft.com/office/infopath/2007/PartnerControls">
+  <documentManagement/>
+</p:properties>
+</file>
+
+<file path=customXml/item2.xml><?xml version="1.0" encoding="utf-8"?>
 <ct:contentTypeSchema xmlns:ct="http://schemas.microsoft.com/office/2006/metadata/contentType" xmlns:ma="http://schemas.microsoft.com/office/2006/metadata/properties/metaAttributes" ct:_="" ma:_="" ma:contentTypeName="Document" ma:contentTypeID="0x010100EECD86F56755A646AC8AFCBCBD967F21" ma:contentTypeVersion="11" ma:contentTypeDescription="Create a new document." ma:contentTypeScope="" ma:versionID="4bc1015ece1c23b1ef2f55a62f11494f">
   <xsd:schema xmlns:xsd="http://www.w3.org/2001/XMLSchema" xmlns:xs="http://www.w3.org/2001/XMLSchema" xmlns:p="http://schemas.microsoft.com/office/2006/metadata/properties" xmlns:ns2="155be751-a274-42e8-93fb-f39d3b9bccc8" xmlns:ns3="f80a141d-92ca-4d3d-9308-f7e7b1d44ce8" targetNamespace="http://schemas.microsoft.com/office/2006/metadata/properties" ma:root="true" ma:fieldsID="efbf6837a43ed91190e40f849f23a130" ns2:_="" ns3:_="">
     <xsd:import namespace="155be751-a274-42e8-93fb-f39d3b9bccc8"/>
@@ -11519,12 +13685,6 @@
 </ct:contentTypeSchema>
 </file>
 
-<file path=customXml/item2.xml><?xml version="1.0" encoding="utf-8"?>
-<p:properties xmlns:p="http://schemas.microsoft.com/office/2006/metadata/properties" xmlns:xsi="http://www.w3.org/2001/XMLSchema-instance" xmlns:pc="http://schemas.microsoft.com/office/infopath/2007/PartnerControls">
-  <documentManagement/>
-</p:properties>
-</file>
-
 <file path=customXml/item3.xml><?xml version="1.0" encoding="utf-8"?>
 <?mso-contentType ?>
 <FormTemplates xmlns="http://schemas.microsoft.com/sharepoint/v3/contenttype/forms">
@@ -11535,6 +13695,15 @@
 </file>
 
 <file path=customXml/itemProps1.xml><?xml version="1.0" encoding="utf-8"?>
+<ds:datastoreItem xmlns:ds="http://schemas.openxmlformats.org/officeDocument/2006/customXml" ds:itemID="{54DA07C5-A406-4A0D-B3E6-3856C94AC7F3}">
+  <ds:schemaRefs>
+    <ds:schemaRef ds:uri="http://schemas.microsoft.com/office/2006/metadata/properties"/>
+    <ds:schemaRef ds:uri="http://schemas.microsoft.com/office/infopath/2007/PartnerControls"/>
+  </ds:schemaRefs>
+</ds:datastoreItem>
+</file>
+
+<file path=customXml/itemProps2.xml><?xml version="1.0" encoding="utf-8"?>
 <ds:datastoreItem xmlns:ds="http://schemas.openxmlformats.org/officeDocument/2006/customXml" ds:itemID="{887AE8FE-83F0-42D0-BB5E-14AD3FB1DE17}">
   <ds:schemaRefs>
     <ds:schemaRef ds:uri="http://schemas.microsoft.com/office/2006/metadata/contentType"/>
@@ -11553,15 +13722,6 @@
 </ds:datastoreItem>
 </file>
 
-<file path=customXml/itemProps2.xml><?xml version="1.0" encoding="utf-8"?>
-<ds:datastoreItem xmlns:ds="http://schemas.openxmlformats.org/officeDocument/2006/customXml" ds:itemID="{54DA07C5-A406-4A0D-B3E6-3856C94AC7F3}">
-  <ds:schemaRefs>
-    <ds:schemaRef ds:uri="http://schemas.microsoft.com/office/2006/metadata/properties"/>
-    <ds:schemaRef ds:uri="http://schemas.microsoft.com/office/infopath/2007/PartnerControls"/>
-  </ds:schemaRefs>
-</ds:datastoreItem>
-</file>
-
 <file path=customXml/itemProps3.xml><?xml version="1.0" encoding="utf-8"?>
 <ds:datastoreItem xmlns:ds="http://schemas.openxmlformats.org/officeDocument/2006/customXml" ds:itemID="{7EFDA260-DDA0-422C-B7AE-778F653FBB36}">
   <ds:schemaRefs>
